--- a/doc/DSLR Proposalv1.2.pptx
+++ b/doc/DSLR Proposalv1.2.pptx
@@ -198,7 +198,8 @@
           <a:p>
             <a:fld id="{F691A432-E9BC-495B-9031-8FAC2536ACE4}" type="datetimeFigureOut">
               <a:rPr lang="ko-KR" altLang="en-US" smtClean="0"/>
-              <a:t>2013-03-25</a:t>
+              <a:pPr/>
+              <a:t>2013-03-26</a:t>
             </a:fld>
             <a:endParaRPr lang="ko-KR" altLang="en-US"/>
           </a:p>
@@ -357,6 +358,7 @@
           <a:p>
             <a:fld id="{A1D6A000-E7F9-4C12-BE07-97209BF2411E}" type="slidenum">
               <a:rPr lang="ko-KR" altLang="en-US" smtClean="0"/>
+              <a:pPr/>
               <a:t>‹#›</a:t>
             </a:fld>
             <a:endParaRPr lang="ko-KR" altLang="en-US"/>
@@ -366,7 +368,7 @@
     </p:spTree>
     <p:extLst>
       <p:ext uri="{BB962C8B-B14F-4D97-AF65-F5344CB8AC3E}">
-        <p14:creationId xmlns:p14="http://schemas.microsoft.com/office/powerpoint/2010/main" val="1467647970"/>
+        <p14:creationId xmlns:p14="http://schemas.microsoft.com/office/powerpoint/2010/main" xmlns="" val="1467647970"/>
       </p:ext>
     </p:extLst>
   </p:cSld>
@@ -627,6 +629,7 @@
           <a:p>
             <a:fld id="{A1D6A000-E7F9-4C12-BE07-97209BF2411E}" type="slidenum">
               <a:rPr lang="ko-KR" altLang="en-US" smtClean="0"/>
+              <a:pPr/>
               <a:t>1</a:t>
             </a:fld>
             <a:endParaRPr lang="ko-KR" altLang="en-US"/>
@@ -636,7 +639,7 @@
     </p:spTree>
     <p:extLst>
       <p:ext uri="{BB962C8B-B14F-4D97-AF65-F5344CB8AC3E}">
-        <p14:creationId xmlns:p14="http://schemas.microsoft.com/office/powerpoint/2010/main" val="3298718504"/>
+        <p14:creationId xmlns:p14="http://schemas.microsoft.com/office/powerpoint/2010/main" xmlns="" val="3298718504"/>
       </p:ext>
     </p:extLst>
   </p:cSld>
@@ -734,6 +737,7 @@
           <a:p>
             <a:fld id="{A1D6A000-E7F9-4C12-BE07-97209BF2411E}" type="slidenum">
               <a:rPr lang="ko-KR" altLang="en-US" smtClean="0"/>
+              <a:pPr/>
               <a:t>2</a:t>
             </a:fld>
             <a:endParaRPr lang="ko-KR" altLang="en-US"/>
@@ -743,7 +747,7 @@
     </p:spTree>
     <p:extLst>
       <p:ext uri="{BB962C8B-B14F-4D97-AF65-F5344CB8AC3E}">
-        <p14:creationId xmlns:p14="http://schemas.microsoft.com/office/powerpoint/2010/main" val="3146566060"/>
+        <p14:creationId xmlns:p14="http://schemas.microsoft.com/office/powerpoint/2010/main" xmlns="" val="3146566060"/>
       </p:ext>
     </p:extLst>
   </p:cSld>
@@ -830,6 +834,7 @@
           <a:p>
             <a:fld id="{A1D6A000-E7F9-4C12-BE07-97209BF2411E}" type="slidenum">
               <a:rPr lang="ko-KR" altLang="en-US" smtClean="0"/>
+              <a:pPr/>
               <a:t>3</a:t>
             </a:fld>
             <a:endParaRPr lang="ko-KR" altLang="en-US"/>
@@ -839,7 +844,7 @@
     </p:spTree>
     <p:extLst>
       <p:ext uri="{BB962C8B-B14F-4D97-AF65-F5344CB8AC3E}">
-        <p14:creationId xmlns:p14="http://schemas.microsoft.com/office/powerpoint/2010/main" val="3664714102"/>
+        <p14:creationId xmlns:p14="http://schemas.microsoft.com/office/powerpoint/2010/main" xmlns="" val="3664714102"/>
       </p:ext>
     </p:extLst>
   </p:cSld>
@@ -934,6 +939,7 @@
           <a:p>
             <a:fld id="{A1D6A000-E7F9-4C12-BE07-97209BF2411E}" type="slidenum">
               <a:rPr lang="ko-KR" altLang="en-US" smtClean="0"/>
+              <a:pPr/>
               <a:t>4</a:t>
             </a:fld>
             <a:endParaRPr lang="ko-KR" altLang="en-US"/>
@@ -943,7 +949,7 @@
     </p:spTree>
     <p:extLst>
       <p:ext uri="{BB962C8B-B14F-4D97-AF65-F5344CB8AC3E}">
-        <p14:creationId xmlns:p14="http://schemas.microsoft.com/office/powerpoint/2010/main" val="2357871040"/>
+        <p14:creationId xmlns:p14="http://schemas.microsoft.com/office/powerpoint/2010/main" xmlns="" val="2357871040"/>
       </p:ext>
     </p:extLst>
   </p:cSld>
@@ -1040,11 +1046,7 @@
             </a:r>
             <a:r>
               <a:rPr lang="ko-KR" altLang="en-US" dirty="0" smtClean="0"/>
-              <a:t>로부터 </a:t>
-            </a:r>
-            <a:r>
-              <a:rPr lang="ko-KR" altLang="en-US" dirty="0" smtClean="0"/>
-              <a:t>영상 </a:t>
+              <a:t>로부터 영상 </a:t>
             </a:r>
             <a:r>
               <a:rPr lang="ko-KR" altLang="en-US" baseline="0" dirty="0" smtClean="0"/>
@@ -1064,11 +1066,7 @@
             </a:r>
             <a:r>
               <a:rPr lang="ko-KR" altLang="en-US" baseline="0" dirty="0" smtClean="0"/>
-              <a:t>수화 검출기에서 처리된 </a:t>
-            </a:r>
-            <a:r>
-              <a:rPr lang="ko-KR" altLang="en-US" baseline="0" dirty="0" smtClean="0"/>
-              <a:t>정보를 가지고 수화</a:t>
+              <a:t>수화 검출기에서 처리된 정보를 가지고 수화</a:t>
             </a:r>
             <a:r>
               <a:rPr lang="en-US" altLang="ko-KR" baseline="0" dirty="0" smtClean="0"/>
@@ -1111,6 +1109,7 @@
           <a:p>
             <a:fld id="{A1D6A000-E7F9-4C12-BE07-97209BF2411E}" type="slidenum">
               <a:rPr lang="ko-KR" altLang="en-US" smtClean="0"/>
+              <a:pPr/>
               <a:t>5</a:t>
             </a:fld>
             <a:endParaRPr lang="ko-KR" altLang="en-US"/>
@@ -1120,7 +1119,7 @@
     </p:spTree>
     <p:extLst>
       <p:ext uri="{BB962C8B-B14F-4D97-AF65-F5344CB8AC3E}">
-        <p14:creationId xmlns:p14="http://schemas.microsoft.com/office/powerpoint/2010/main" val="649765892"/>
+        <p14:creationId xmlns:p14="http://schemas.microsoft.com/office/powerpoint/2010/main" xmlns="" val="649765892"/>
       </p:ext>
     </p:extLst>
   </p:cSld>
@@ -1228,11 +1227,7 @@
             </a:r>
             <a:r>
               <a:rPr lang="en-US" altLang="ko-KR" baseline="0" dirty="0" smtClean="0"/>
-              <a:t> for </a:t>
-            </a:r>
-            <a:r>
-              <a:rPr lang="en-US" altLang="ko-KR" baseline="0" dirty="0" smtClean="0"/>
-              <a:t>Windows</a:t>
+              <a:t> for Windows</a:t>
             </a:r>
             <a:r>
               <a:rPr lang="ko-KR" altLang="en-US" baseline="0" dirty="0" smtClean="0"/>
@@ -1279,6 +1274,7 @@
           <a:p>
             <a:fld id="{A1D6A000-E7F9-4C12-BE07-97209BF2411E}" type="slidenum">
               <a:rPr lang="ko-KR" altLang="en-US" smtClean="0"/>
+              <a:pPr/>
               <a:t>6</a:t>
             </a:fld>
             <a:endParaRPr lang="ko-KR" altLang="en-US"/>
@@ -1288,7 +1284,7 @@
     </p:spTree>
     <p:extLst>
       <p:ext uri="{BB962C8B-B14F-4D97-AF65-F5344CB8AC3E}">
-        <p14:creationId xmlns:p14="http://schemas.microsoft.com/office/powerpoint/2010/main" val="3651051998"/>
+        <p14:creationId xmlns:p14="http://schemas.microsoft.com/office/powerpoint/2010/main" xmlns="" val="3651051998"/>
       </p:ext>
     </p:extLst>
   </p:cSld>
@@ -1492,7 +1488,8 @@
           <a:p>
             <a:fld id="{D698ECF3-E86C-4529-9833-4A4DF0A41B5F}" type="datetimeFigureOut">
               <a:rPr lang="ko-KR" altLang="en-US" smtClean="0"/>
-              <a:t>2013-03-25</a:t>
+              <a:pPr/>
+              <a:t>2013-03-26</a:t>
             </a:fld>
             <a:endParaRPr lang="ko-KR" altLang="en-US"/>
           </a:p>
@@ -1544,6 +1541,7 @@
           <a:p>
             <a:fld id="{CD5589A3-72B5-4C82-A57D-11F4B6BE229C}" type="slidenum">
               <a:rPr lang="ko-KR" altLang="en-US" smtClean="0"/>
+              <a:pPr/>
               <a:t>‹#›</a:t>
             </a:fld>
             <a:endParaRPr lang="ko-KR" altLang="en-US"/>
@@ -1845,7 +1843,8 @@
           <a:p>
             <a:fld id="{D698ECF3-E86C-4529-9833-4A4DF0A41B5F}" type="datetimeFigureOut">
               <a:rPr lang="ko-KR" altLang="en-US" smtClean="0"/>
-              <a:t>2013-03-25</a:t>
+              <a:pPr/>
+              <a:t>2013-03-26</a:t>
             </a:fld>
             <a:endParaRPr lang="ko-KR" altLang="en-US"/>
           </a:p>
@@ -1887,6 +1886,7 @@
           <a:p>
             <a:fld id="{CD5589A3-72B5-4C82-A57D-11F4B6BE229C}" type="slidenum">
               <a:rPr lang="ko-KR" altLang="en-US" smtClean="0"/>
+              <a:pPr/>
               <a:t>‹#›</a:t>
             </a:fld>
             <a:endParaRPr lang="ko-KR" altLang="en-US"/>
@@ -2020,7 +2020,8 @@
           <a:p>
             <a:fld id="{D698ECF3-E86C-4529-9833-4A4DF0A41B5F}" type="datetimeFigureOut">
               <a:rPr lang="ko-KR" altLang="en-US" smtClean="0"/>
-              <a:t>2013-03-25</a:t>
+              <a:pPr/>
+              <a:t>2013-03-26</a:t>
             </a:fld>
             <a:endParaRPr lang="ko-KR" altLang="en-US"/>
           </a:p>
@@ -2062,6 +2063,7 @@
           <a:p>
             <a:fld id="{CD5589A3-72B5-4C82-A57D-11F4B6BE229C}" type="slidenum">
               <a:rPr lang="ko-KR" altLang="en-US" smtClean="0"/>
+              <a:pPr/>
               <a:t>‹#›</a:t>
             </a:fld>
             <a:endParaRPr lang="ko-KR" altLang="en-US"/>
@@ -2133,7 +2135,8 @@
           <a:p>
             <a:fld id="{D698ECF3-E86C-4529-9833-4A4DF0A41B5F}" type="datetimeFigureOut">
               <a:rPr lang="ko-KR" altLang="en-US" smtClean="0"/>
-              <a:t>2013-03-25</a:t>
+              <a:pPr/>
+              <a:t>2013-03-26</a:t>
             </a:fld>
             <a:endParaRPr lang="ko-KR" altLang="en-US"/>
           </a:p>
@@ -2175,6 +2178,7 @@
           <a:p>
             <a:fld id="{CD5589A3-72B5-4C82-A57D-11F4B6BE229C}" type="slidenum">
               <a:rPr lang="ko-KR" altLang="en-US" smtClean="0"/>
+              <a:pPr/>
               <a:t>‹#›</a:t>
             </a:fld>
             <a:endParaRPr lang="ko-KR" altLang="en-US"/>
@@ -2491,7 +2495,8 @@
           <a:p>
             <a:fld id="{D698ECF3-E86C-4529-9833-4A4DF0A41B5F}" type="datetimeFigureOut">
               <a:rPr lang="ko-KR" altLang="en-US" smtClean="0"/>
-              <a:t>2013-03-25</a:t>
+              <a:pPr/>
+              <a:t>2013-03-26</a:t>
             </a:fld>
             <a:endParaRPr lang="ko-KR" altLang="en-US"/>
           </a:p>
@@ -2685,6 +2690,7 @@
           <a:p>
             <a:fld id="{CD5589A3-72B5-4C82-A57D-11F4B6BE229C}" type="slidenum">
               <a:rPr lang="ko-KR" altLang="en-US" smtClean="0"/>
+              <a:pPr/>
               <a:t>‹#›</a:t>
             </a:fld>
             <a:endParaRPr lang="ko-KR" altLang="en-US"/>
@@ -2756,7 +2762,8 @@
           <a:p>
             <a:fld id="{D698ECF3-E86C-4529-9833-4A4DF0A41B5F}" type="datetimeFigureOut">
               <a:rPr lang="ko-KR" altLang="en-US" smtClean="0"/>
-              <a:t>2013-03-25</a:t>
+              <a:pPr/>
+              <a:t>2013-03-26</a:t>
             </a:fld>
             <a:endParaRPr lang="ko-KR" altLang="en-US"/>
           </a:p>
@@ -2798,6 +2805,7 @@
           <a:p>
             <a:fld id="{CD5589A3-72B5-4C82-A57D-11F4B6BE229C}" type="slidenum">
               <a:rPr lang="ko-KR" altLang="en-US" smtClean="0"/>
+              <a:pPr/>
               <a:t>‹#›</a:t>
             </a:fld>
             <a:endParaRPr lang="ko-KR" altLang="en-US"/>
@@ -3118,7 +3126,8 @@
           <a:p>
             <a:fld id="{D698ECF3-E86C-4529-9833-4A4DF0A41B5F}" type="datetimeFigureOut">
               <a:rPr lang="ko-KR" altLang="en-US" smtClean="0"/>
-              <a:t>2013-03-25</a:t>
+              <a:pPr/>
+              <a:t>2013-03-26</a:t>
             </a:fld>
             <a:endParaRPr lang="ko-KR" altLang="en-US"/>
           </a:p>
@@ -3160,6 +3169,7 @@
           <a:p>
             <a:fld id="{CD5589A3-72B5-4C82-A57D-11F4B6BE229C}" type="slidenum">
               <a:rPr lang="ko-KR" altLang="en-US" smtClean="0"/>
+              <a:pPr/>
               <a:t>‹#›</a:t>
             </a:fld>
             <a:endParaRPr lang="ko-KR" altLang="en-US"/>
@@ -3345,7 +3355,8 @@
           <a:p>
             <a:fld id="{D698ECF3-E86C-4529-9833-4A4DF0A41B5F}" type="datetimeFigureOut">
               <a:rPr lang="ko-KR" altLang="en-US" smtClean="0"/>
-              <a:t>2013-03-25</a:t>
+              <a:pPr/>
+              <a:t>2013-03-26</a:t>
             </a:fld>
             <a:endParaRPr lang="ko-KR" altLang="en-US"/>
           </a:p>
@@ -3387,6 +3398,7 @@
           <a:p>
             <a:fld id="{CD5589A3-72B5-4C82-A57D-11F4B6BE229C}" type="slidenum">
               <a:rPr lang="ko-KR" altLang="en-US" smtClean="0"/>
+              <a:pPr/>
               <a:t>‹#›</a:t>
             </a:fld>
             <a:endParaRPr lang="ko-KR" altLang="en-US"/>
@@ -3435,7 +3447,8 @@
           <a:p>
             <a:fld id="{D698ECF3-E86C-4529-9833-4A4DF0A41B5F}" type="datetimeFigureOut">
               <a:rPr lang="ko-KR" altLang="en-US" smtClean="0"/>
-              <a:t>2013-03-25</a:t>
+              <a:pPr/>
+              <a:t>2013-03-26</a:t>
             </a:fld>
             <a:endParaRPr lang="ko-KR" altLang="en-US"/>
           </a:p>
@@ -3477,6 +3490,7 @@
           <a:p>
             <a:fld id="{CD5589A3-72B5-4C82-A57D-11F4B6BE229C}" type="slidenum">
               <a:rPr lang="ko-KR" altLang="en-US" smtClean="0"/>
+              <a:pPr/>
               <a:t>‹#›</a:t>
             </a:fld>
             <a:endParaRPr lang="ko-KR" altLang="en-US"/>
@@ -3702,7 +3716,8 @@
           <a:p>
             <a:fld id="{D698ECF3-E86C-4529-9833-4A4DF0A41B5F}" type="datetimeFigureOut">
               <a:rPr lang="ko-KR" altLang="en-US" smtClean="0"/>
-              <a:t>2013-03-25</a:t>
+              <a:pPr/>
+              <a:t>2013-03-26</a:t>
             </a:fld>
             <a:endParaRPr lang="ko-KR" altLang="en-US"/>
           </a:p>
@@ -3744,6 +3759,7 @@
           <a:p>
             <a:fld id="{CD5589A3-72B5-4C82-A57D-11F4B6BE229C}" type="slidenum">
               <a:rPr lang="ko-KR" altLang="en-US" smtClean="0"/>
+              <a:pPr/>
               <a:t>‹#›</a:t>
             </a:fld>
             <a:endParaRPr lang="ko-KR" altLang="en-US"/>
@@ -3930,7 +3946,8 @@
           <a:p>
             <a:fld id="{D698ECF3-E86C-4529-9833-4A4DF0A41B5F}" type="datetimeFigureOut">
               <a:rPr lang="ko-KR" altLang="en-US" smtClean="0"/>
-              <a:t>2013-03-25</a:t>
+              <a:pPr/>
+              <a:t>2013-03-26</a:t>
             </a:fld>
             <a:endParaRPr lang="ko-KR" altLang="en-US"/>
           </a:p>
@@ -3982,6 +3999,7 @@
           <a:p>
             <a:fld id="{CD5589A3-72B5-4C82-A57D-11F4B6BE229C}" type="slidenum">
               <a:rPr lang="ko-KR" altLang="en-US" smtClean="0"/>
+              <a:pPr/>
               <a:t>‹#›</a:t>
             </a:fld>
             <a:endParaRPr lang="ko-KR" altLang="en-US"/>
@@ -4429,7 +4447,8 @@
           <a:p>
             <a:fld id="{D698ECF3-E86C-4529-9833-4A4DF0A41B5F}" type="datetimeFigureOut">
               <a:rPr lang="ko-KR" altLang="en-US" smtClean="0"/>
-              <a:t>2013-03-25</a:t>
+              <a:pPr/>
+              <a:t>2013-03-26</a:t>
             </a:fld>
             <a:endParaRPr lang="ko-KR" altLang="en-US"/>
           </a:p>
@@ -4511,6 +4530,7 @@
           <a:p>
             <a:fld id="{CD5589A3-72B5-4C82-A57D-11F4B6BE229C}" type="slidenum">
               <a:rPr lang="ko-KR" altLang="en-US" smtClean="0"/>
+              <a:pPr/>
               <a:t>‹#›</a:t>
             </a:fld>
             <a:endParaRPr lang="ko-KR" altLang="en-US"/>
@@ -5022,7 +5042,7 @@
     </p:spTree>
     <p:extLst>
       <p:ext uri="{BB962C8B-B14F-4D97-AF65-F5344CB8AC3E}">
-        <p14:creationId xmlns:p14="http://schemas.microsoft.com/office/powerpoint/2010/main" val="4291446898"/>
+        <p14:creationId xmlns:p14="http://schemas.microsoft.com/office/powerpoint/2010/main" xmlns="" val="4291446898"/>
       </p:ext>
     </p:extLst>
   </p:cSld>
@@ -5137,7 +5157,7 @@
           <a:blip r:embed="rId3">
             <a:extLst>
               <a:ext uri="{28A0092B-C50C-407E-A947-70E740481C1C}">
-                <a14:useLocalDpi xmlns:a14="http://schemas.microsoft.com/office/drawing/2010/main" val="0"/>
+                <a14:useLocalDpi xmlns:a14="http://schemas.microsoft.com/office/drawing/2010/main" xmlns="" val="0"/>
               </a:ext>
             </a:extLst>
           </a:blip>
@@ -5157,7 +5177,7 @@
           <a:noFill/>
           <a:extLst>
             <a:ext uri="{909E8E84-426E-40DD-AFC4-6F175D3DCCD1}">
-              <a14:hiddenFill xmlns:a14="http://schemas.microsoft.com/office/drawing/2010/main">
+              <a14:hiddenFill xmlns:a14="http://schemas.microsoft.com/office/drawing/2010/main" xmlns="">
                 <a:solidFill>
                   <a:srgbClr val="FFFFFF"/>
                 </a:solidFill>
@@ -5178,7 +5198,7 @@
           <a:blip r:embed="rId4">
             <a:extLst>
               <a:ext uri="{28A0092B-C50C-407E-A947-70E740481C1C}">
-                <a14:useLocalDpi xmlns:a14="http://schemas.microsoft.com/office/drawing/2010/main" val="0"/>
+                <a14:useLocalDpi xmlns:a14="http://schemas.microsoft.com/office/drawing/2010/main" xmlns="" val="0"/>
               </a:ext>
             </a:extLst>
           </a:blip>
@@ -5198,7 +5218,7 @@
           <a:noFill/>
           <a:extLst>
             <a:ext uri="{909E8E84-426E-40DD-AFC4-6F175D3DCCD1}">
-              <a14:hiddenFill xmlns:a14="http://schemas.microsoft.com/office/drawing/2010/main">
+              <a14:hiddenFill xmlns:a14="http://schemas.microsoft.com/office/drawing/2010/main" xmlns="">
                 <a:solidFill>
                   <a:srgbClr val="FFFFFF"/>
                 </a:solidFill>
@@ -5210,7 +5230,7 @@
     </p:spTree>
     <p:extLst>
       <p:ext uri="{BB962C8B-B14F-4D97-AF65-F5344CB8AC3E}">
-        <p14:creationId xmlns:p14="http://schemas.microsoft.com/office/powerpoint/2010/main" val="1680669272"/>
+        <p14:creationId xmlns:p14="http://schemas.microsoft.com/office/powerpoint/2010/main" xmlns="" val="1680669272"/>
       </p:ext>
     </p:extLst>
   </p:cSld>
@@ -5264,14 +5284,7 @@
                 <a:latin typeface="+mn-ea"/>
                 <a:ea typeface="+mn-ea"/>
               </a:rPr>
-              <a:t>개발 </a:t>
-            </a:r>
-            <a:r>
-              <a:rPr lang="ko-KR" altLang="en-US" b="1" dirty="0" smtClean="0">
-                <a:latin typeface="+mn-ea"/>
-                <a:ea typeface="+mn-ea"/>
-              </a:rPr>
-              <a:t>목표</a:t>
+              <a:t>개발 목표</a:t>
             </a:r>
             <a:endParaRPr lang="ko-KR" altLang="en-US" b="1" dirty="0">
               <a:latin typeface="+mn-ea"/>
@@ -5353,7 +5366,7 @@
           <a:blip r:embed="rId3">
             <a:extLst>
               <a:ext uri="{28A0092B-C50C-407E-A947-70E740481C1C}">
-                <a14:useLocalDpi xmlns:a14="http://schemas.microsoft.com/office/drawing/2010/main" val="0"/>
+                <a14:useLocalDpi xmlns:a14="http://schemas.microsoft.com/office/drawing/2010/main" xmlns="" val="0"/>
               </a:ext>
             </a:extLst>
           </a:blip>
@@ -5373,7 +5386,7 @@
           <a:noFill/>
           <a:extLst>
             <a:ext uri="{909E8E84-426E-40DD-AFC4-6F175D3DCCD1}">
-              <a14:hiddenFill xmlns:a14="http://schemas.microsoft.com/office/drawing/2010/main">
+              <a14:hiddenFill xmlns:a14="http://schemas.microsoft.com/office/drawing/2010/main" xmlns="">
                 <a:solidFill>
                   <a:srgbClr val="FFFFFF"/>
                 </a:solidFill>
@@ -5551,7 +5564,7 @@
     </p:spTree>
     <p:extLst>
       <p:ext uri="{BB962C8B-B14F-4D97-AF65-F5344CB8AC3E}">
-        <p14:creationId xmlns:p14="http://schemas.microsoft.com/office/powerpoint/2010/main" val="2427506837"/>
+        <p14:creationId xmlns:p14="http://schemas.microsoft.com/office/powerpoint/2010/main" xmlns="" val="2427506837"/>
       </p:ext>
     </p:extLst>
   </p:cSld>
@@ -5637,14 +5650,14 @@
           <a:effectLst/>
           <a:extLst>
             <a:ext uri="{909E8E84-426E-40DD-AFC4-6F175D3DCCD1}">
-              <a14:hiddenFill xmlns:a14="http://schemas.microsoft.com/office/drawing/2010/main">
+              <a14:hiddenFill xmlns:a14="http://schemas.microsoft.com/office/drawing/2010/main" xmlns="">
                 <a:solidFill>
                   <a:schemeClr val="accent1"/>
                 </a:solidFill>
               </a14:hiddenFill>
             </a:ext>
             <a:ext uri="{91240B29-F687-4F45-9708-019B960494DF}">
-              <a14:hiddenLine xmlns:a14="http://schemas.microsoft.com/office/drawing/2010/main" w="9525">
+              <a14:hiddenLine xmlns:a14="http://schemas.microsoft.com/office/drawing/2010/main" xmlns="" w="9525">
                 <a:solidFill>
                   <a:schemeClr val="tx1"/>
                 </a:solidFill>
@@ -5654,7 +5667,7 @@
               </a14:hiddenLine>
             </a:ext>
             <a:ext uri="{AF507438-7753-43E0-B8FC-AC1667EBCBE1}">
-              <a14:hiddenEffects xmlns:a14="http://schemas.microsoft.com/office/drawing/2010/main">
+              <a14:hiddenEffects xmlns:a14="http://schemas.microsoft.com/office/drawing/2010/main" xmlns="">
                 <a:effectLst>
                   <a:outerShdw dist="35921" dir="2700000" algn="ctr" rotWithShape="0">
                     <a:schemeClr val="bg2"/>
@@ -5719,7 +5732,7 @@
           <a:blip r:embed="rId3">
             <a:extLst>
               <a:ext uri="{28A0092B-C50C-407E-A947-70E740481C1C}">
-                <a14:useLocalDpi xmlns:a14="http://schemas.microsoft.com/office/drawing/2010/main" val="0"/>
+                <a14:useLocalDpi xmlns:a14="http://schemas.microsoft.com/office/drawing/2010/main" xmlns="" val="0"/>
               </a:ext>
             </a:extLst>
           </a:blip>
@@ -5742,14 +5755,14 @@
           </a:ln>
           <a:extLst>
             <a:ext uri="{909E8E84-426E-40DD-AFC4-6F175D3DCCD1}">
-              <a14:hiddenFill xmlns:a14="http://schemas.microsoft.com/office/drawing/2010/main">
+              <a14:hiddenFill xmlns:a14="http://schemas.microsoft.com/office/drawing/2010/main" xmlns="">
                 <a:solidFill>
                   <a:schemeClr val="accent1"/>
                 </a:solidFill>
               </a14:hiddenFill>
             </a:ext>
             <a:ext uri="{91240B29-F687-4F45-9708-019B960494DF}">
-              <a14:hiddenLine xmlns:a14="http://schemas.microsoft.com/office/drawing/2010/main" w="9525">
+              <a14:hiddenLine xmlns:a14="http://schemas.microsoft.com/office/drawing/2010/main" xmlns="" w="9525">
                 <a:solidFill>
                   <a:schemeClr val="tx1"/>
                 </a:solidFill>
@@ -5764,7 +5777,7 @@
     </p:spTree>
     <p:extLst>
       <p:ext uri="{BB962C8B-B14F-4D97-AF65-F5344CB8AC3E}">
-        <p14:creationId xmlns:p14="http://schemas.microsoft.com/office/powerpoint/2010/main" val="96908065"/>
+        <p14:creationId xmlns:p14="http://schemas.microsoft.com/office/powerpoint/2010/main" xmlns="" val="96908065"/>
       </p:ext>
     </p:extLst>
   </p:cSld>
@@ -5913,14 +5926,14 @@
           <a:effectLst/>
           <a:extLst>
             <a:ext uri="{909E8E84-426E-40DD-AFC4-6F175D3DCCD1}">
-              <a14:hiddenFill xmlns:a14="http://schemas.microsoft.com/office/drawing/2010/main">
+              <a14:hiddenFill xmlns:a14="http://schemas.microsoft.com/office/drawing/2010/main" xmlns="">
                 <a:solidFill>
                   <a:schemeClr val="accent1"/>
                 </a:solidFill>
               </a14:hiddenFill>
             </a:ext>
             <a:ext uri="{91240B29-F687-4F45-9708-019B960494DF}">
-              <a14:hiddenLine xmlns:a14="http://schemas.microsoft.com/office/drawing/2010/main" w="9525">
+              <a14:hiddenLine xmlns:a14="http://schemas.microsoft.com/office/drawing/2010/main" xmlns="" w="9525">
                 <a:solidFill>
                   <a:schemeClr val="tx1"/>
                 </a:solidFill>
@@ -5930,7 +5943,7 @@
               </a14:hiddenLine>
             </a:ext>
             <a:ext uri="{AF507438-7753-43E0-B8FC-AC1667EBCBE1}">
-              <a14:hiddenEffects xmlns:a14="http://schemas.microsoft.com/office/drawing/2010/main">
+              <a14:hiddenEffects xmlns:a14="http://schemas.microsoft.com/office/drawing/2010/main" xmlns="">
                 <a:effectLst>
                   <a:outerShdw dist="35921" dir="2700000" algn="ctr" rotWithShape="0">
                     <a:schemeClr val="bg2"/>
@@ -6067,7 +6080,7 @@
           <a:blip r:embed="rId3">
             <a:extLst>
               <a:ext uri="{28A0092B-C50C-407E-A947-70E740481C1C}">
-                <a14:useLocalDpi xmlns:a14="http://schemas.microsoft.com/office/drawing/2010/main" val="0"/>
+                <a14:useLocalDpi xmlns:a14="http://schemas.microsoft.com/office/drawing/2010/main" xmlns="" val="0"/>
               </a:ext>
             </a:extLst>
           </a:blip>
@@ -6090,14 +6103,14 @@
           </a:ln>
           <a:extLst>
             <a:ext uri="{909E8E84-426E-40DD-AFC4-6F175D3DCCD1}">
-              <a14:hiddenFill xmlns:a14="http://schemas.microsoft.com/office/drawing/2010/main">
+              <a14:hiddenFill xmlns:a14="http://schemas.microsoft.com/office/drawing/2010/main" xmlns="">
                 <a:solidFill>
                   <a:schemeClr val="accent1"/>
                 </a:solidFill>
               </a14:hiddenFill>
             </a:ext>
             <a:ext uri="{91240B29-F687-4F45-9708-019B960494DF}">
-              <a14:hiddenLine xmlns:a14="http://schemas.microsoft.com/office/drawing/2010/main" w="9525">
+              <a14:hiddenLine xmlns:a14="http://schemas.microsoft.com/office/drawing/2010/main" xmlns="" w="9525">
                 <a:solidFill>
                   <a:schemeClr val="tx1"/>
                 </a:solidFill>
@@ -6281,7 +6294,7 @@
           <a:blip r:embed="rId4" cstate="print">
             <a:extLst>
               <a:ext uri="{28A0092B-C50C-407E-A947-70E740481C1C}">
-                <a14:useLocalDpi xmlns:a14="http://schemas.microsoft.com/office/drawing/2010/main" val="0"/>
+                <a14:useLocalDpi xmlns:a14="http://schemas.microsoft.com/office/drawing/2010/main" xmlns="" val="0"/>
               </a:ext>
             </a:extLst>
           </a:blip>
@@ -6311,7 +6324,7 @@
           </a:effectLst>
           <a:extLst>
             <a:ext uri="{909E8E84-426E-40DD-AFC4-6F175D3DCCD1}">
-              <a14:hiddenFill xmlns:a14="http://schemas.microsoft.com/office/drawing/2010/main">
+              <a14:hiddenFill xmlns:a14="http://schemas.microsoft.com/office/drawing/2010/main" xmlns="">
                 <a:solidFill>
                   <a:srgbClr val="FFFFFF"/>
                 </a:solidFill>
@@ -6365,7 +6378,7 @@
           <a:blip r:embed="rId5">
             <a:extLst>
               <a:ext uri="{28A0092B-C50C-407E-A947-70E740481C1C}">
-                <a14:useLocalDpi xmlns:a14="http://schemas.microsoft.com/office/drawing/2010/main" val="0"/>
+                <a14:useLocalDpi xmlns:a14="http://schemas.microsoft.com/office/drawing/2010/main" xmlns="" val="0"/>
               </a:ext>
             </a:extLst>
           </a:blip>
@@ -6388,14 +6401,14 @@
           </a:ln>
           <a:extLst>
             <a:ext uri="{909E8E84-426E-40DD-AFC4-6F175D3DCCD1}">
-              <a14:hiddenFill xmlns:a14="http://schemas.microsoft.com/office/drawing/2010/main">
+              <a14:hiddenFill xmlns:a14="http://schemas.microsoft.com/office/drawing/2010/main" xmlns="">
                 <a:solidFill>
                   <a:schemeClr val="accent1"/>
                 </a:solidFill>
               </a14:hiddenFill>
             </a:ext>
             <a:ext uri="{91240B29-F687-4F45-9708-019B960494DF}">
-              <a14:hiddenLine xmlns:a14="http://schemas.microsoft.com/office/drawing/2010/main" w="9525">
+              <a14:hiddenLine xmlns:a14="http://schemas.microsoft.com/office/drawing/2010/main" xmlns="" w="9525">
                 <a:solidFill>
                   <a:schemeClr val="tx1"/>
                 </a:solidFill>
@@ -6410,7 +6423,7 @@
     </p:spTree>
     <p:extLst>
       <p:ext uri="{BB962C8B-B14F-4D97-AF65-F5344CB8AC3E}">
-        <p14:creationId xmlns:p14="http://schemas.microsoft.com/office/powerpoint/2010/main" val="4267675200"/>
+        <p14:creationId xmlns:p14="http://schemas.microsoft.com/office/powerpoint/2010/main" xmlns="" val="4267675200"/>
       </p:ext>
     </p:extLst>
   </p:cSld>
@@ -6496,14 +6509,14 @@
           <a:effectLst/>
           <a:extLst>
             <a:ext uri="{909E8E84-426E-40DD-AFC4-6F175D3DCCD1}">
-              <a14:hiddenFill xmlns:a14="http://schemas.microsoft.com/office/drawing/2010/main">
+              <a14:hiddenFill xmlns:a14="http://schemas.microsoft.com/office/drawing/2010/main" xmlns="">
                 <a:solidFill>
                   <a:schemeClr val="accent1"/>
                 </a:solidFill>
               </a14:hiddenFill>
             </a:ext>
             <a:ext uri="{91240B29-F687-4F45-9708-019B960494DF}">
-              <a14:hiddenLine xmlns:a14="http://schemas.microsoft.com/office/drawing/2010/main" w="9525">
+              <a14:hiddenLine xmlns:a14="http://schemas.microsoft.com/office/drawing/2010/main" xmlns="" w="9525">
                 <a:solidFill>
                   <a:schemeClr val="tx1"/>
                 </a:solidFill>
@@ -6513,7 +6526,7 @@
               </a14:hiddenLine>
             </a:ext>
             <a:ext uri="{AF507438-7753-43E0-B8FC-AC1667EBCBE1}">
-              <a14:hiddenEffects xmlns:a14="http://schemas.microsoft.com/office/drawing/2010/main">
+              <a14:hiddenEffects xmlns:a14="http://schemas.microsoft.com/office/drawing/2010/main" xmlns="">
                 <a:effectLst>
                   <a:outerShdw dist="35921" dir="2700000" algn="ctr" rotWithShape="0">
                     <a:schemeClr val="bg2"/>
@@ -6578,7 +6591,7 @@
           <a:blip r:embed="rId3">
             <a:extLst>
               <a:ext uri="{28A0092B-C50C-407E-A947-70E740481C1C}">
-                <a14:useLocalDpi xmlns:a14="http://schemas.microsoft.com/office/drawing/2010/main" val="0"/>
+                <a14:useLocalDpi xmlns:a14="http://schemas.microsoft.com/office/drawing/2010/main" xmlns="" val="0"/>
               </a:ext>
             </a:extLst>
           </a:blip>
@@ -6603,7 +6616,7 @@
           </a:effectLst>
           <a:extLst>
             <a:ext uri="{909E8E84-426E-40DD-AFC4-6F175D3DCCD1}">
-              <a14:hiddenFill xmlns:a14="http://schemas.microsoft.com/office/drawing/2010/main">
+              <a14:hiddenFill xmlns:a14="http://schemas.microsoft.com/office/drawing/2010/main" xmlns="">
                 <a:solidFill>
                   <a:srgbClr val="FFFFFF"/>
                 </a:solidFill>
@@ -6624,7 +6637,7 @@
           <a:blip r:embed="rId4" cstate="print">
             <a:extLst>
               <a:ext uri="{28A0092B-C50C-407E-A947-70E740481C1C}">
-                <a14:useLocalDpi xmlns:a14="http://schemas.microsoft.com/office/drawing/2010/main" val="0"/>
+                <a14:useLocalDpi xmlns:a14="http://schemas.microsoft.com/office/drawing/2010/main" xmlns="" val="0"/>
               </a:ext>
             </a:extLst>
           </a:blip>
@@ -6644,7 +6657,7 @@
           <a:noFill/>
           <a:extLst>
             <a:ext uri="{909E8E84-426E-40DD-AFC4-6F175D3DCCD1}">
-              <a14:hiddenFill xmlns:a14="http://schemas.microsoft.com/office/drawing/2010/main">
+              <a14:hiddenFill xmlns:a14="http://schemas.microsoft.com/office/drawing/2010/main" xmlns="">
                 <a:solidFill>
                   <a:srgbClr val="FFFFFF"/>
                 </a:solidFill>
@@ -6665,7 +6678,7 @@
           <a:blip r:embed="rId5">
             <a:extLst>
               <a:ext uri="{28A0092B-C50C-407E-A947-70E740481C1C}">
-                <a14:useLocalDpi xmlns:a14="http://schemas.microsoft.com/office/drawing/2010/main" val="0"/>
+                <a14:useLocalDpi xmlns:a14="http://schemas.microsoft.com/office/drawing/2010/main" xmlns="" val="0"/>
               </a:ext>
             </a:extLst>
           </a:blip>
@@ -6690,7 +6703,7 @@
           </a:effectLst>
           <a:extLst>
             <a:ext uri="{909E8E84-426E-40DD-AFC4-6F175D3DCCD1}">
-              <a14:hiddenFill xmlns:a14="http://schemas.microsoft.com/office/drawing/2010/main">
+              <a14:hiddenFill xmlns:a14="http://schemas.microsoft.com/office/drawing/2010/main" xmlns="">
                 <a:solidFill>
                   <a:srgbClr val="FFFFFF"/>
                 </a:solidFill>
@@ -6702,7 +6715,7 @@
     </p:spTree>
     <p:extLst>
       <p:ext uri="{BB962C8B-B14F-4D97-AF65-F5344CB8AC3E}">
-        <p14:creationId xmlns:p14="http://schemas.microsoft.com/office/powerpoint/2010/main" val="613885582"/>
+        <p14:creationId xmlns:p14="http://schemas.microsoft.com/office/powerpoint/2010/main" xmlns="" val="613885582"/>
       </p:ext>
     </p:extLst>
   </p:cSld>
@@ -6828,50 +6841,44 @@
       </p:cxnSp>
       <p:graphicFrame>
         <p:nvGraphicFramePr>
-          <p:cNvPr id="5" name="표 4"/>
+          <p:cNvPr id="8" name="표 7"/>
           <p:cNvGraphicFramePr>
             <a:graphicFrameLocks noGrp="1"/>
           </p:cNvGraphicFramePr>
-          <p:nvPr>
-            <p:extLst>
-              <p:ext uri="{D42A27DB-BD31-4B8C-83A1-F6EECF244321}">
-                <p14:modId xmlns:p14="http://schemas.microsoft.com/office/powerpoint/2010/main" val="2376965093"/>
-              </p:ext>
-            </p:extLst>
-          </p:nvPr>
+          <p:nvPr/>
         </p:nvGraphicFramePr>
         <p:xfrm>
-          <a:off x="1115616" y="2420888"/>
-          <a:ext cx="5438902" cy="3736086"/>
+          <a:off x="928663" y="2428868"/>
+          <a:ext cx="7215237" cy="4106685"/>
         </p:xfrm>
         <a:graphic>
           <a:graphicData uri="http://schemas.openxmlformats.org/drawingml/2006/table">
             <a:tbl>
               <a:tblPr/>
               <a:tblGrid>
-                <a:gridCol w="361950"/>
-                <a:gridCol w="1241679"/>
-                <a:gridCol w="224917"/>
-                <a:gridCol w="225044"/>
-                <a:gridCol w="224917"/>
-                <a:gridCol w="225044"/>
-                <a:gridCol w="224917"/>
-                <a:gridCol w="225044"/>
-                <a:gridCol w="224917"/>
-                <a:gridCol w="179578"/>
-                <a:gridCol w="270383"/>
-                <a:gridCol w="225044"/>
-                <a:gridCol w="224917"/>
-                <a:gridCol w="225044"/>
-                <a:gridCol w="1135507"/>
+                <a:gridCol w="475561"/>
+                <a:gridCol w="1631420"/>
+                <a:gridCol w="295514"/>
+                <a:gridCol w="295681"/>
+                <a:gridCol w="295514"/>
+                <a:gridCol w="295681"/>
+                <a:gridCol w="295514"/>
+                <a:gridCol w="295681"/>
+                <a:gridCol w="295514"/>
+                <a:gridCol w="305107"/>
+                <a:gridCol w="355252"/>
+                <a:gridCol w="295681"/>
+                <a:gridCol w="295514"/>
+                <a:gridCol w="295681"/>
+                <a:gridCol w="1491922"/>
               </a:tblGrid>
-              <a:tr h="240284">
+              <a:tr h="216502">
                 <a:tc rowSpan="2">
                   <a:txBody>
                     <a:bodyPr/>
                     <a:lstStyle/>
                     <a:p>
-                      <a:pPr marL="0" marR="0" indent="0" algn="ctr" fontAlgn="base" latinLnBrk="0">
+                      <a:pPr marL="0" marR="0" algn="ctr">
                         <a:lnSpc>
                           <a:spcPct val="120000"/>
                         </a:lnSpc>
@@ -6883,24 +6890,25 @@
                         </a:spcAft>
                       </a:pPr>
                       <a:r>
-                        <a:rPr lang="ko-KR" altLang="en-US" sz="1000" b="1" kern="0" spc="0" dirty="0">
+                        <a:rPr lang="ko-KR" altLang="en-US" sz="1000" b="1" dirty="0">
                           <a:solidFill>
                             <a:srgbClr val="000000"/>
                           </a:solidFill>
-                          <a:effectLst/>
-                          <a:ea typeface="굴림체"/>
+                          <a:latin typeface="+mn-ea"/>
+                          <a:ea typeface="+mn-ea"/>
                         </a:rPr>
                         <a:t>일련</a:t>
                       </a:r>
-                      <a:endParaRPr lang="ko-KR" altLang="en-US" sz="1000" kern="0" spc="0" dirty="0">
+                      <a:endParaRPr lang="ko-KR" altLang="en-US" sz="1000" dirty="0">
                         <a:solidFill>
                           <a:srgbClr val="000000"/>
                         </a:solidFill>
-                        <a:effectLst/>
+                        <a:latin typeface="+mn-ea"/>
+                        <a:ea typeface="+mn-ea"/>
                       </a:endParaRPr>
                     </a:p>
                     <a:p>
-                      <a:pPr marL="0" marR="0" indent="0" algn="ctr" fontAlgn="base" latinLnBrk="0">
+                      <a:pPr marL="0" marR="0" algn="ctr">
                         <a:lnSpc>
                           <a:spcPct val="120000"/>
                         </a:lnSpc>
@@ -6912,24 +6920,25 @@
                         </a:spcAft>
                       </a:pPr>
                       <a:r>
-                        <a:rPr lang="ko-KR" altLang="en-US" sz="1000" b="1" kern="0" spc="0" dirty="0">
+                        <a:rPr lang="ko-KR" altLang="en-US" sz="1000" b="1" dirty="0">
                           <a:solidFill>
                             <a:srgbClr val="000000"/>
                           </a:solidFill>
-                          <a:effectLst/>
-                          <a:ea typeface="굴림체"/>
+                          <a:latin typeface="+mn-ea"/>
+                          <a:ea typeface="+mn-ea"/>
                         </a:rPr>
                         <a:t>번호</a:t>
                       </a:r>
-                      <a:endParaRPr lang="ko-KR" altLang="en-US" sz="1000" kern="0" spc="0" dirty="0">
+                      <a:endParaRPr lang="ko-KR" altLang="en-US" sz="1000" dirty="0">
                         <a:solidFill>
                           <a:srgbClr val="000000"/>
                         </a:solidFill>
-                        <a:effectLst/>
+                        <a:latin typeface="+mn-ea"/>
+                        <a:ea typeface="+mn-ea"/>
                       </a:endParaRPr>
                     </a:p>
                   </a:txBody>
-                  <a:tcPr marL="17907" marR="17907" marT="17907" marB="17907" anchor="ctr">
+                  <a:tcPr marL="66261" marR="66261" marT="33130" marB="33130" anchor="ctr">
                     <a:lnL w="21590" cap="flat" cmpd="sng" algn="ctr">
                       <a:solidFill>
                         <a:srgbClr val="000000"/>
@@ -6976,7 +6985,7 @@
                     <a:bodyPr/>
                     <a:lstStyle/>
                     <a:p>
-                      <a:pPr marL="0" marR="0" indent="0" algn="ctr" fontAlgn="base" latinLnBrk="0">
+                      <a:pPr marL="0" marR="0" algn="ctr">
                         <a:lnSpc>
                           <a:spcPct val="160000"/>
                         </a:lnSpc>
@@ -6988,24 +6997,25 @@
                         </a:spcAft>
                       </a:pPr>
                       <a:r>
-                        <a:rPr lang="ko-KR" altLang="en-US" sz="1000" b="1" kern="0" spc="0" dirty="0">
+                        <a:rPr lang="ko-KR" altLang="en-US" sz="1000" b="1" dirty="0">
                           <a:solidFill>
                             <a:srgbClr val="000000"/>
                           </a:solidFill>
-                          <a:effectLst/>
-                          <a:ea typeface="굴림체"/>
+                          <a:latin typeface="+mn-ea"/>
+                          <a:ea typeface="+mn-ea"/>
                         </a:rPr>
                         <a:t>내 용</a:t>
                       </a:r>
-                      <a:endParaRPr lang="ko-KR" altLang="en-US" sz="1000" kern="0" spc="0" dirty="0">
+                      <a:endParaRPr lang="ko-KR" altLang="en-US" sz="1000" dirty="0">
                         <a:solidFill>
                           <a:srgbClr val="000000"/>
                         </a:solidFill>
-                        <a:effectLst/>
+                        <a:latin typeface="+mn-ea"/>
+                        <a:ea typeface="+mn-ea"/>
                       </a:endParaRPr>
                     </a:p>
                   </a:txBody>
-                  <a:tcPr marL="17907" marR="17907" marT="17907" marB="17907" anchor="ctr">
+                  <a:tcPr marL="66261" marR="66261" marT="33130" marB="33130" anchor="ctr">
                     <a:lnL w="3556" cap="flat" cmpd="sng" algn="ctr">
                       <a:solidFill>
                         <a:srgbClr val="000000"/>
@@ -7052,7 +7062,7 @@
                     <a:bodyPr/>
                     <a:lstStyle/>
                     <a:p>
-                      <a:pPr marL="0" marR="0" indent="0" algn="ctr" fontAlgn="base" latinLnBrk="0">
+                      <a:pPr marL="0" marR="0" algn="ctr">
                         <a:lnSpc>
                           <a:spcPct val="160000"/>
                         </a:lnSpc>
@@ -7064,54 +7074,55 @@
                         </a:spcAft>
                       </a:pPr>
                       <a:r>
-                        <a:rPr lang="ko-KR" altLang="en-US" sz="1000" b="1" kern="0" spc="0">
+                        <a:rPr lang="ko-KR" altLang="en-US" sz="1000" b="1" dirty="0">
                           <a:solidFill>
                             <a:srgbClr val="000000"/>
                           </a:solidFill>
-                          <a:effectLst/>
-                          <a:ea typeface="굴림체"/>
+                          <a:latin typeface="+mn-ea"/>
+                          <a:ea typeface="+mn-ea"/>
                         </a:rPr>
                         <a:t>세부 추진 일정 </a:t>
                       </a:r>
                       <a:r>
-                        <a:rPr lang="en-US" altLang="ko-KR" sz="1000" kern="0" spc="0">
+                        <a:rPr lang="en-US" altLang="ko-KR" sz="1000" dirty="0">
                           <a:solidFill>
                             <a:srgbClr val="000000"/>
                           </a:solidFill>
-                          <a:effectLst/>
-                          <a:latin typeface="굴림체"/>
+                          <a:latin typeface="+mn-ea"/>
+                          <a:ea typeface="+mn-ea"/>
                         </a:rPr>
                         <a:t>(</a:t>
                       </a:r>
                       <a:r>
-                        <a:rPr lang="ko-KR" altLang="en-US" sz="1000" kern="0" spc="0">
+                        <a:rPr lang="ko-KR" altLang="en-US" sz="1000" dirty="0">
                           <a:solidFill>
                             <a:srgbClr val="000000"/>
                           </a:solidFill>
-                          <a:effectLst/>
-                          <a:ea typeface="굴림체"/>
+                          <a:latin typeface="+mn-ea"/>
+                          <a:ea typeface="+mn-ea"/>
                         </a:rPr>
                         <a:t>월</a:t>
                       </a:r>
                       <a:r>
-                        <a:rPr lang="en-US" altLang="ko-KR" sz="1000" kern="0" spc="0">
+                        <a:rPr lang="en-US" altLang="ko-KR" sz="1000" dirty="0">
                           <a:solidFill>
                             <a:srgbClr val="000000"/>
                           </a:solidFill>
-                          <a:effectLst/>
-                          <a:latin typeface="굴림체"/>
+                          <a:latin typeface="+mn-ea"/>
+                          <a:ea typeface="+mn-ea"/>
                         </a:rPr>
                         <a:t>)</a:t>
                       </a:r>
-                      <a:endParaRPr lang="ko-KR" altLang="en-US" sz="1000" kern="0" spc="0">
+                      <a:endParaRPr lang="ko-KR" altLang="en-US" sz="1000" dirty="0">
                         <a:solidFill>
                           <a:srgbClr val="000000"/>
                         </a:solidFill>
-                        <a:effectLst/>
+                        <a:latin typeface="+mn-ea"/>
+                        <a:ea typeface="+mn-ea"/>
                       </a:endParaRPr>
                     </a:p>
                   </a:txBody>
-                  <a:tcPr marL="17907" marR="17907" marT="17907" marB="17907" anchor="ctr">
+                  <a:tcPr marL="66261" marR="66261" marT="33130" marB="33130" anchor="ctr">
                     <a:lnL w="3556" cap="flat" cmpd="sng" algn="ctr">
                       <a:solidFill>
                         <a:srgbClr val="000000"/>
@@ -7279,7 +7290,7 @@
                     <a:bodyPr/>
                     <a:lstStyle/>
                     <a:p>
-                      <a:pPr marL="0" marR="0" indent="0" algn="ctr" fontAlgn="base" latinLnBrk="0">
+                      <a:pPr marL="0" marR="0" algn="ctr">
                         <a:lnSpc>
                           <a:spcPct val="160000"/>
                         </a:lnSpc>
@@ -7291,24 +7302,25 @@
                         </a:spcAft>
                       </a:pPr>
                       <a:r>
-                        <a:rPr lang="ko-KR" altLang="en-US" sz="1000" b="1" kern="0" spc="0">
+                        <a:rPr lang="ko-KR" altLang="en-US" sz="1000" b="1">
                           <a:solidFill>
                             <a:srgbClr val="000000"/>
                           </a:solidFill>
-                          <a:effectLst/>
-                          <a:ea typeface="굴림체"/>
+                          <a:latin typeface="+mn-ea"/>
+                          <a:ea typeface="+mn-ea"/>
                         </a:rPr>
                         <a:t>상 세</a:t>
                       </a:r>
-                      <a:endParaRPr lang="ko-KR" altLang="en-US" sz="1000" kern="0" spc="0">
+                      <a:endParaRPr lang="ko-KR" altLang="en-US" sz="1000">
                         <a:solidFill>
                           <a:srgbClr val="000000"/>
                         </a:solidFill>
-                        <a:effectLst/>
+                        <a:latin typeface="+mn-ea"/>
+                        <a:ea typeface="+mn-ea"/>
                       </a:endParaRPr>
                     </a:p>
                   </a:txBody>
-                  <a:tcPr marL="17907" marR="17907" marT="17907" marB="17907" anchor="ctr">
+                  <a:tcPr marL="66261" marR="66261" marT="33130" marB="33130" anchor="ctr">
                     <a:lnL w="3556" cap="flat" cmpd="sng" algn="ctr">
                       <a:solidFill>
                         <a:srgbClr val="000000"/>
@@ -7351,7 +7363,7 @@
                   </a:tcPr>
                 </a:tc>
               </a:tr>
-              <a:tr h="224155">
+              <a:tr h="212471">
                 <a:tc vMerge="1">
                   <a:txBody>
                     <a:bodyPr/>
@@ -7379,7 +7391,7 @@
                     <a:bodyPr/>
                     <a:lstStyle/>
                     <a:p>
-                      <a:pPr marL="0" marR="0" indent="0" algn="ctr" fontAlgn="base" latinLnBrk="0">
+                      <a:pPr marL="0" marR="0" algn="ctr">
                         <a:lnSpc>
                           <a:spcPct val="160000"/>
                         </a:lnSpc>
@@ -7391,24 +7403,25 @@
                         </a:spcAft>
                       </a:pPr>
                       <a:r>
-                        <a:rPr lang="en-US" sz="1000" b="1" kern="0" spc="0">
+                        <a:rPr lang="en-US" sz="1000" b="1" dirty="0">
                           <a:solidFill>
                             <a:srgbClr val="000000"/>
                           </a:solidFill>
-                          <a:effectLst/>
-                          <a:latin typeface="굴림체"/>
+                          <a:latin typeface="+mn-ea"/>
+                          <a:ea typeface="+mn-ea"/>
                         </a:rPr>
                         <a:t>3</a:t>
                       </a:r>
-                      <a:endParaRPr lang="en-US" sz="1000" kern="0" spc="0">
+                      <a:endParaRPr lang="en-US" sz="1000" dirty="0">
                         <a:solidFill>
                           <a:srgbClr val="000000"/>
                         </a:solidFill>
-                        <a:effectLst/>
+                        <a:latin typeface="+mn-ea"/>
+                        <a:ea typeface="+mn-ea"/>
                       </a:endParaRPr>
                     </a:p>
                   </a:txBody>
-                  <a:tcPr marL="17907" marR="17907" marT="17907" marB="17907" anchor="ctr">
+                  <a:tcPr marL="66261" marR="66261" marT="33130" marB="33130" anchor="ctr">
                     <a:lnL w="3556" cap="flat" cmpd="sng" algn="ctr">
                       <a:solidFill>
                         <a:srgbClr val="000000"/>
@@ -7488,7 +7501,7 @@
                     <a:bodyPr/>
                     <a:lstStyle/>
                     <a:p>
-                      <a:pPr marL="0" marR="0" indent="0" algn="ctr" fontAlgn="base" latinLnBrk="0">
+                      <a:pPr marL="0" marR="0" algn="ctr">
                         <a:lnSpc>
                           <a:spcPct val="160000"/>
                         </a:lnSpc>
@@ -7500,24 +7513,25 @@
                         </a:spcAft>
                       </a:pPr>
                       <a:r>
-                        <a:rPr lang="en-US" sz="1000" b="1" kern="0" spc="0">
+                        <a:rPr lang="en-US" sz="1000" b="1">
                           <a:solidFill>
                             <a:srgbClr val="000000"/>
                           </a:solidFill>
-                          <a:effectLst/>
-                          <a:latin typeface="굴림체"/>
+                          <a:latin typeface="+mn-ea"/>
+                          <a:ea typeface="+mn-ea"/>
                         </a:rPr>
                         <a:t>4</a:t>
                       </a:r>
-                      <a:endParaRPr lang="en-US" sz="1000" kern="0" spc="0">
+                      <a:endParaRPr lang="en-US" sz="1000">
                         <a:solidFill>
                           <a:srgbClr val="000000"/>
                         </a:solidFill>
-                        <a:effectLst/>
+                        <a:latin typeface="+mn-ea"/>
+                        <a:ea typeface="+mn-ea"/>
                       </a:endParaRPr>
                     </a:p>
                   </a:txBody>
-                  <a:tcPr marL="17907" marR="17907" marT="17907" marB="17907" anchor="ctr">
+                  <a:tcPr marL="66261" marR="66261" marT="33130" marB="33130" anchor="ctr">
                     <a:lnL w="3556" cap="flat" cmpd="sng" algn="ctr">
                       <a:solidFill>
                         <a:srgbClr val="000000"/>
@@ -7597,7 +7611,7 @@
                     <a:bodyPr/>
                     <a:lstStyle/>
                     <a:p>
-                      <a:pPr marL="0" marR="0" indent="0" algn="ctr" fontAlgn="base" latinLnBrk="0">
+                      <a:pPr marL="0" marR="0" algn="ctr">
                         <a:lnSpc>
                           <a:spcPct val="160000"/>
                         </a:lnSpc>
@@ -7609,24 +7623,25 @@
                         </a:spcAft>
                       </a:pPr>
                       <a:r>
-                        <a:rPr lang="en-US" sz="1000" b="1" kern="0" spc="0">
+                        <a:rPr lang="en-US" sz="1000" b="1" dirty="0">
                           <a:solidFill>
                             <a:srgbClr val="000000"/>
                           </a:solidFill>
-                          <a:effectLst/>
-                          <a:latin typeface="굴림체"/>
+                          <a:latin typeface="+mn-ea"/>
+                          <a:ea typeface="+mn-ea"/>
                         </a:rPr>
                         <a:t>5</a:t>
                       </a:r>
-                      <a:endParaRPr lang="en-US" sz="1000" kern="0" spc="0">
+                      <a:endParaRPr lang="en-US" sz="1000" dirty="0">
                         <a:solidFill>
                           <a:srgbClr val="000000"/>
                         </a:solidFill>
-                        <a:effectLst/>
+                        <a:latin typeface="+mn-ea"/>
+                        <a:ea typeface="+mn-ea"/>
                       </a:endParaRPr>
                     </a:p>
                   </a:txBody>
-                  <a:tcPr marL="17907" marR="17907" marT="17907" marB="17907" anchor="ctr">
+                  <a:tcPr marL="66261" marR="66261" marT="33130" marB="33130" anchor="ctr">
                     <a:lnL w="3556" cap="flat" cmpd="sng" algn="ctr">
                       <a:solidFill>
                         <a:srgbClr val="000000"/>
@@ -7713,13 +7728,13 @@
                   <a:tcPr/>
                 </a:tc>
               </a:tr>
-              <a:tr h="401701">
+              <a:tr h="603915">
                 <a:tc>
                   <a:txBody>
                     <a:bodyPr/>
                     <a:lstStyle/>
                     <a:p>
-                      <a:pPr marL="0" marR="0" indent="0" algn="ctr" fontAlgn="base" latinLnBrk="0">
+                      <a:pPr marL="0" marR="0" algn="ctr">
                         <a:lnSpc>
                           <a:spcPct val="160000"/>
                         </a:lnSpc>
@@ -7731,24 +7746,25 @@
                         </a:spcAft>
                       </a:pPr>
                       <a:r>
-                        <a:rPr lang="en-US" sz="1000" b="1" kern="0" spc="0">
+                        <a:rPr lang="en-US" sz="1000" b="1">
                           <a:solidFill>
                             <a:srgbClr val="000000"/>
                           </a:solidFill>
-                          <a:effectLst/>
-                          <a:latin typeface="굴림체"/>
+                          <a:latin typeface="+mn-ea"/>
+                          <a:ea typeface="+mn-ea"/>
                         </a:rPr>
                         <a:t>1</a:t>
                       </a:r>
-                      <a:endParaRPr lang="en-US" sz="1000" kern="0" spc="0">
+                      <a:endParaRPr lang="en-US" sz="1000">
                         <a:solidFill>
                           <a:srgbClr val="000000"/>
                         </a:solidFill>
-                        <a:effectLst/>
+                        <a:latin typeface="+mn-ea"/>
+                        <a:ea typeface="+mn-ea"/>
                       </a:endParaRPr>
                     </a:p>
                   </a:txBody>
-                  <a:tcPr marL="17907" marR="17907" marT="17907" marB="17907" anchor="ctr">
+                  <a:tcPr marL="66261" marR="66261" marT="33130" marB="33130" anchor="ctr">
                     <a:lnL w="21590" cap="flat" cmpd="sng" algn="ctr">
                       <a:solidFill>
                         <a:srgbClr val="000000"/>
@@ -7792,7 +7808,7 @@
                     <a:bodyPr/>
                     <a:lstStyle/>
                     <a:p>
-                      <a:pPr marL="0" marR="0" indent="0" algn="ctr" fontAlgn="base" latinLnBrk="0">
+                      <a:pPr marL="0" marR="0" algn="ctr">
                         <a:lnSpc>
                           <a:spcPct val="160000"/>
                         </a:lnSpc>
@@ -7804,34 +7820,35 @@
                         </a:spcAft>
                       </a:pPr>
                       <a:r>
-                        <a:rPr lang="ko-KR" altLang="en-US" sz="1000" b="1" kern="0" spc="0">
+                        <a:rPr lang="ko-KR" altLang="en-US" sz="1000" b="1" dirty="0">
                           <a:solidFill>
                             <a:srgbClr val="000000"/>
                           </a:solidFill>
-                          <a:effectLst/>
-                          <a:ea typeface="굴림체"/>
+                          <a:latin typeface="+mn-ea"/>
+                          <a:ea typeface="+mn-ea"/>
                         </a:rPr>
                         <a:t>자료수집 </a:t>
                       </a:r>
                       <a:r>
-                        <a:rPr lang="en-US" altLang="ko-KR" sz="1000" b="1" kern="0" spc="0">
+                        <a:rPr lang="en-US" altLang="ko-KR" sz="1000" b="1" dirty="0">
                           <a:solidFill>
                             <a:srgbClr val="000000"/>
                           </a:solidFill>
-                          <a:effectLst/>
-                          <a:latin typeface="굴림체"/>
+                          <a:latin typeface="+mn-ea"/>
+                          <a:ea typeface="+mn-ea"/>
                         </a:rPr>
                         <a:t>&amp;</a:t>
                       </a:r>
-                      <a:endParaRPr lang="ko-KR" altLang="en-US" sz="1000" kern="0" spc="0">
+                      <a:endParaRPr lang="ko-KR" altLang="en-US" sz="1000" dirty="0">
                         <a:solidFill>
                           <a:srgbClr val="000000"/>
                         </a:solidFill>
-                        <a:effectLst/>
+                        <a:latin typeface="+mn-ea"/>
+                        <a:ea typeface="+mn-ea"/>
                       </a:endParaRPr>
                     </a:p>
                     <a:p>
-                      <a:pPr marL="0" marR="0" indent="0" algn="ctr" fontAlgn="base" latinLnBrk="0">
+                      <a:pPr marL="0" marR="0" algn="ctr">
                         <a:lnSpc>
                           <a:spcPct val="160000"/>
                         </a:lnSpc>
@@ -7843,24 +7860,25 @@
                         </a:spcAft>
                       </a:pPr>
                       <a:r>
-                        <a:rPr lang="en-US" sz="1000" b="1" kern="0" spc="0">
+                        <a:rPr lang="en-US" sz="1000" b="1" dirty="0">
                           <a:solidFill>
                             <a:srgbClr val="000000"/>
                           </a:solidFill>
-                          <a:effectLst/>
-                          <a:latin typeface="굴림체"/>
+                          <a:latin typeface="+mn-ea"/>
+                          <a:ea typeface="+mn-ea"/>
                         </a:rPr>
                         <a:t>Study</a:t>
                       </a:r>
-                      <a:endParaRPr lang="en-US" sz="1000" kern="0" spc="0">
+                      <a:endParaRPr lang="en-US" sz="1000" dirty="0">
                         <a:solidFill>
                           <a:srgbClr val="000000"/>
                         </a:solidFill>
-                        <a:effectLst/>
+                        <a:latin typeface="+mn-ea"/>
+                        <a:ea typeface="+mn-ea"/>
                       </a:endParaRPr>
                     </a:p>
                   </a:txBody>
-                  <a:tcPr marL="17907" marR="17907" marT="17907" marB="17907" anchor="ctr">
+                  <a:tcPr marL="66261" marR="66261" marT="33130" marB="33130" anchor="ctr">
                     <a:lnL w="3556" cap="flat" cmpd="sng" algn="ctr">
                       <a:solidFill>
                         <a:srgbClr val="000000"/>
@@ -7904,7 +7922,7 @@
                     <a:bodyPr/>
                     <a:lstStyle/>
                     <a:p>
-                      <a:pPr marL="0" marR="0" indent="0" algn="ctr" fontAlgn="base" latinLnBrk="0">
+                      <a:pPr marL="0" marR="0" algn="ctr">
                         <a:lnSpc>
                           <a:spcPct val="160000"/>
                         </a:lnSpc>
@@ -7915,15 +7933,16 @@
                           <a:spcPts val="0"/>
                         </a:spcAft>
                       </a:pPr>
-                      <a:endParaRPr lang="ko-KR" altLang="en-US" sz="1000" kern="0" spc="0">
+                      <a:endParaRPr lang="ko-KR" altLang="en-US" sz="1000">
                         <a:solidFill>
                           <a:srgbClr val="000000"/>
                         </a:solidFill>
-                        <a:effectLst/>
+                        <a:latin typeface="+mn-ea"/>
+                        <a:ea typeface="+mn-ea"/>
                       </a:endParaRPr>
                     </a:p>
                   </a:txBody>
-                  <a:tcPr marL="17907" marR="17907" marT="17907" marB="17907" anchor="ctr">
+                  <a:tcPr marL="66261" marR="66261" marT="33130" marB="33130" anchor="ctr">
                     <a:lnL w="3556" cap="flat" cmpd="sng" algn="ctr">
                       <a:solidFill>
                         <a:srgbClr val="000000"/>
@@ -7970,7 +7989,7 @@
                     <a:bodyPr/>
                     <a:lstStyle/>
                     <a:p>
-                      <a:pPr marL="0" marR="0" indent="0" algn="ctr" fontAlgn="base" latinLnBrk="0">
+                      <a:pPr marL="0" marR="0" algn="ctr">
                         <a:lnSpc>
                           <a:spcPct val="160000"/>
                         </a:lnSpc>
@@ -7981,15 +8000,16 @@
                           <a:spcPts val="0"/>
                         </a:spcAft>
                       </a:pPr>
-                      <a:endParaRPr lang="ko-KR" altLang="en-US" sz="1000" kern="0" spc="0">
+                      <a:endParaRPr lang="ko-KR" altLang="en-US" sz="1000">
                         <a:solidFill>
                           <a:srgbClr val="000000"/>
                         </a:solidFill>
-                        <a:effectLst/>
+                        <a:latin typeface="+mn-ea"/>
+                        <a:ea typeface="+mn-ea"/>
                       </a:endParaRPr>
                     </a:p>
                   </a:txBody>
-                  <a:tcPr marL="17907" marR="17907" marT="17907" marB="17907" anchor="ctr">
+                  <a:tcPr marL="66261" marR="66261" marT="33130" marB="33130" anchor="ctr">
                     <a:lnL w="3556" cap="flat" cmpd="sng" algn="ctr">
                       <a:solidFill>
                         <a:srgbClr val="000000"/>
@@ -8036,7 +8056,7 @@
                     <a:bodyPr/>
                     <a:lstStyle/>
                     <a:p>
-                      <a:pPr marL="0" marR="0" indent="0" algn="ctr" fontAlgn="base" latinLnBrk="0">
+                      <a:pPr marL="0" marR="0" algn="ctr">
                         <a:lnSpc>
                           <a:spcPct val="160000"/>
                         </a:lnSpc>
@@ -8047,15 +8067,16 @@
                           <a:spcPts val="0"/>
                         </a:spcAft>
                       </a:pPr>
-                      <a:endParaRPr lang="ko-KR" altLang="en-US" sz="1000" kern="0" spc="0">
+                      <a:endParaRPr lang="ko-KR" altLang="en-US" sz="1000">
                         <a:solidFill>
                           <a:srgbClr val="000000"/>
                         </a:solidFill>
-                        <a:effectLst/>
+                        <a:latin typeface="+mn-ea"/>
+                        <a:ea typeface="+mn-ea"/>
                       </a:endParaRPr>
                     </a:p>
                   </a:txBody>
-                  <a:tcPr marL="17907" marR="17907" marT="17907" marB="17907" anchor="ctr">
+                  <a:tcPr marL="66261" marR="66261" marT="33130" marB="33130" anchor="ctr">
                     <a:lnL w="3556" cap="flat" cmpd="sng" algn="ctr">
                       <a:solidFill>
                         <a:srgbClr val="000000"/>
@@ -8102,7 +8123,7 @@
                     <a:bodyPr/>
                     <a:lstStyle/>
                     <a:p>
-                      <a:pPr marL="0" marR="0" indent="0" algn="ctr" fontAlgn="base" latinLnBrk="0">
+                      <a:pPr marL="0" marR="0" algn="ctr">
                         <a:lnSpc>
                           <a:spcPct val="160000"/>
                         </a:lnSpc>
@@ -8113,15 +8134,16 @@
                           <a:spcPts val="0"/>
                         </a:spcAft>
                       </a:pPr>
-                      <a:endParaRPr lang="ko-KR" altLang="en-US" sz="1000" kern="0" spc="0">
+                      <a:endParaRPr lang="ko-KR" altLang="en-US" sz="1000">
                         <a:solidFill>
                           <a:srgbClr val="000000"/>
                         </a:solidFill>
-                        <a:effectLst/>
+                        <a:latin typeface="+mn-ea"/>
+                        <a:ea typeface="+mn-ea"/>
                       </a:endParaRPr>
                     </a:p>
                   </a:txBody>
-                  <a:tcPr marL="17907" marR="17907" marT="17907" marB="17907" anchor="ctr">
+                  <a:tcPr marL="66261" marR="66261" marT="33130" marB="33130" anchor="ctr">
                     <a:lnL w="3556" cap="flat" cmpd="sng" algn="ctr">
                       <a:solidFill>
                         <a:srgbClr val="000000"/>
@@ -8168,7 +8190,7 @@
                     <a:bodyPr/>
                     <a:lstStyle/>
                     <a:p>
-                      <a:pPr marL="0" marR="0" indent="0" algn="ctr" fontAlgn="base" latinLnBrk="0">
+                      <a:pPr marL="0" marR="0" algn="ctr">
                         <a:lnSpc>
                           <a:spcPct val="160000"/>
                         </a:lnSpc>
@@ -8179,15 +8201,16 @@
                           <a:spcPts val="0"/>
                         </a:spcAft>
                       </a:pPr>
-                      <a:endParaRPr lang="ko-KR" altLang="en-US" sz="1000" kern="0" spc="0">
+                      <a:endParaRPr lang="ko-KR" altLang="en-US" sz="1000" dirty="0">
                         <a:solidFill>
                           <a:srgbClr val="000000"/>
                         </a:solidFill>
-                        <a:effectLst/>
+                        <a:latin typeface="+mn-ea"/>
+                        <a:ea typeface="+mn-ea"/>
                       </a:endParaRPr>
                     </a:p>
                   </a:txBody>
-                  <a:tcPr marL="17907" marR="17907" marT="17907" marB="17907" anchor="ctr">
+                  <a:tcPr marL="66261" marR="66261" marT="33130" marB="33130" anchor="ctr">
                     <a:lnL w="3556" cap="flat" cmpd="sng" algn="ctr">
                       <a:solidFill>
                         <a:srgbClr val="000000"/>
@@ -8231,7 +8254,7 @@
                     <a:bodyPr/>
                     <a:lstStyle/>
                     <a:p>
-                      <a:pPr marL="0" marR="0" indent="0" algn="ctr" fontAlgn="base" latinLnBrk="0">
+                      <a:pPr marL="0" marR="0" algn="ctr">
                         <a:lnSpc>
                           <a:spcPct val="160000"/>
                         </a:lnSpc>
@@ -8242,15 +8265,16 @@
                           <a:spcPts val="0"/>
                         </a:spcAft>
                       </a:pPr>
-                      <a:endParaRPr lang="ko-KR" altLang="en-US" sz="1000" kern="0" spc="0">
+                      <a:endParaRPr lang="ko-KR" altLang="en-US" sz="1000" dirty="0">
                         <a:solidFill>
                           <a:srgbClr val="000000"/>
                         </a:solidFill>
-                        <a:effectLst/>
+                        <a:latin typeface="+mn-ea"/>
+                        <a:ea typeface="+mn-ea"/>
                       </a:endParaRPr>
                     </a:p>
                   </a:txBody>
-                  <a:tcPr marL="17907" marR="17907" marT="17907" marB="17907" anchor="ctr">
+                  <a:tcPr marL="66261" marR="66261" marT="33130" marB="33130" anchor="ctr">
                     <a:lnL w="3556" cap="flat" cmpd="sng" algn="ctr">
                       <a:solidFill>
                         <a:srgbClr val="000000"/>
@@ -8294,7 +8318,7 @@
                     <a:bodyPr/>
                     <a:lstStyle/>
                     <a:p>
-                      <a:pPr marL="0" marR="0" indent="0" algn="ctr" fontAlgn="base" latinLnBrk="0">
+                      <a:pPr marL="0" marR="0" algn="ctr">
                         <a:lnSpc>
                           <a:spcPct val="160000"/>
                         </a:lnSpc>
@@ -8305,15 +8329,16 @@
                           <a:spcPts val="0"/>
                         </a:spcAft>
                       </a:pPr>
-                      <a:endParaRPr lang="ko-KR" altLang="en-US" sz="1000" kern="0" spc="0">
+                      <a:endParaRPr lang="ko-KR" altLang="en-US" sz="1000" dirty="0">
                         <a:solidFill>
                           <a:srgbClr val="000000"/>
                         </a:solidFill>
-                        <a:effectLst/>
+                        <a:latin typeface="+mn-ea"/>
+                        <a:ea typeface="+mn-ea"/>
                       </a:endParaRPr>
                     </a:p>
                   </a:txBody>
-                  <a:tcPr marL="17907" marR="17907" marT="17907" marB="17907" anchor="ctr">
+                  <a:tcPr marL="66261" marR="66261" marT="33130" marB="33130" anchor="ctr">
                     <a:lnL w="3556" cap="flat" cmpd="sng" algn="ctr">
                       <a:solidFill>
                         <a:srgbClr val="000000"/>
@@ -8357,7 +8382,7 @@
                     <a:bodyPr/>
                     <a:lstStyle/>
                     <a:p>
-                      <a:pPr marL="0" marR="0" indent="0" algn="ctr" fontAlgn="base" latinLnBrk="0">
+                      <a:pPr marL="0" marR="0" algn="ctr">
                         <a:lnSpc>
                           <a:spcPct val="160000"/>
                         </a:lnSpc>
@@ -8368,15 +8393,16 @@
                           <a:spcPts val="0"/>
                         </a:spcAft>
                       </a:pPr>
-                      <a:endParaRPr lang="ko-KR" altLang="en-US" sz="1000" kern="0" spc="0">
+                      <a:endParaRPr lang="ko-KR" altLang="en-US" sz="1000" dirty="0">
                         <a:solidFill>
                           <a:srgbClr val="000000"/>
                         </a:solidFill>
-                        <a:effectLst/>
+                        <a:latin typeface="+mn-ea"/>
+                        <a:ea typeface="+mn-ea"/>
                       </a:endParaRPr>
                     </a:p>
                   </a:txBody>
-                  <a:tcPr marL="17907" marR="17907" marT="17907" marB="17907" anchor="ctr">
+                  <a:tcPr marL="66261" marR="66261" marT="33130" marB="33130" anchor="ctr">
                     <a:lnL w="3556" cap="flat" cmpd="sng" algn="ctr">
                       <a:solidFill>
                         <a:srgbClr val="000000"/>
@@ -8420,7 +8446,7 @@
                     <a:bodyPr/>
                     <a:lstStyle/>
                     <a:p>
-                      <a:pPr marL="0" marR="0" indent="0" algn="ctr" fontAlgn="base" latinLnBrk="0">
+                      <a:pPr marL="0" marR="0" algn="ctr">
                         <a:lnSpc>
                           <a:spcPct val="160000"/>
                         </a:lnSpc>
@@ -8431,15 +8457,16 @@
                           <a:spcPts val="0"/>
                         </a:spcAft>
                       </a:pPr>
-                      <a:endParaRPr lang="ko-KR" altLang="en-US" sz="1000" kern="0" spc="0" dirty="0">
+                      <a:endParaRPr lang="ko-KR" altLang="en-US" sz="1000" dirty="0">
                         <a:solidFill>
                           <a:srgbClr val="000000"/>
                         </a:solidFill>
-                        <a:effectLst/>
+                        <a:latin typeface="+mn-ea"/>
+                        <a:ea typeface="+mn-ea"/>
                       </a:endParaRPr>
                     </a:p>
                   </a:txBody>
-                  <a:tcPr marL="17907" marR="17907" marT="17907" marB="17907" anchor="ctr">
+                  <a:tcPr marL="66261" marR="66261" marT="33130" marB="33130" anchor="ctr">
                     <a:lnL w="3556" cap="flat" cmpd="sng" algn="ctr">
                       <a:solidFill>
                         <a:srgbClr val="000000"/>
@@ -8483,7 +8510,7 @@
                     <a:bodyPr/>
                     <a:lstStyle/>
                     <a:p>
-                      <a:pPr marL="0" marR="0" indent="0" algn="ctr" fontAlgn="base" latinLnBrk="0">
+                      <a:pPr marL="0" marR="0" algn="ctr">
                         <a:lnSpc>
                           <a:spcPct val="160000"/>
                         </a:lnSpc>
@@ -8494,15 +8521,16 @@
                           <a:spcPts val="0"/>
                         </a:spcAft>
                       </a:pPr>
-                      <a:endParaRPr lang="ko-KR" altLang="en-US" sz="1000" kern="0" spc="0">
+                      <a:endParaRPr lang="ko-KR" altLang="en-US" sz="1000" dirty="0">
                         <a:solidFill>
                           <a:srgbClr val="000000"/>
                         </a:solidFill>
-                        <a:effectLst/>
+                        <a:latin typeface="+mn-ea"/>
+                        <a:ea typeface="+mn-ea"/>
                       </a:endParaRPr>
                     </a:p>
                   </a:txBody>
-                  <a:tcPr marL="17907" marR="17907" marT="17907" marB="17907" anchor="ctr">
+                  <a:tcPr marL="66261" marR="66261" marT="33130" marB="33130" anchor="ctr">
                     <a:lnL w="3556" cap="flat" cmpd="sng" algn="ctr">
                       <a:solidFill>
                         <a:srgbClr val="000000"/>
@@ -8546,7 +8574,7 @@
                     <a:bodyPr/>
                     <a:lstStyle/>
                     <a:p>
-                      <a:pPr marL="0" marR="0" indent="0" algn="ctr" fontAlgn="base" latinLnBrk="0">
+                      <a:pPr marL="0" marR="0" algn="ctr">
                         <a:lnSpc>
                           <a:spcPct val="160000"/>
                         </a:lnSpc>
@@ -8557,15 +8585,16 @@
                           <a:spcPts val="0"/>
                         </a:spcAft>
                       </a:pPr>
-                      <a:endParaRPr lang="ko-KR" altLang="en-US" sz="1000" kern="0" spc="0">
+                      <a:endParaRPr lang="ko-KR" altLang="en-US" sz="1000" dirty="0">
                         <a:solidFill>
                           <a:srgbClr val="000000"/>
                         </a:solidFill>
-                        <a:effectLst/>
+                        <a:latin typeface="+mn-ea"/>
+                        <a:ea typeface="+mn-ea"/>
                       </a:endParaRPr>
                     </a:p>
                   </a:txBody>
-                  <a:tcPr marL="17907" marR="17907" marT="17907" marB="17907" anchor="ctr">
+                  <a:tcPr marL="66261" marR="66261" marT="33130" marB="33130" anchor="ctr">
                     <a:lnL w="3556" cap="flat" cmpd="sng" algn="ctr">
                       <a:solidFill>
                         <a:srgbClr val="000000"/>
@@ -8609,7 +8638,7 @@
                     <a:bodyPr/>
                     <a:lstStyle/>
                     <a:p>
-                      <a:pPr marL="0" marR="0" indent="0" algn="ctr" fontAlgn="base" latinLnBrk="0">
+                      <a:pPr marL="0" marR="0" algn="ctr">
                         <a:lnSpc>
                           <a:spcPct val="160000"/>
                         </a:lnSpc>
@@ -8620,15 +8649,16 @@
                           <a:spcPts val="0"/>
                         </a:spcAft>
                       </a:pPr>
-                      <a:endParaRPr lang="ko-KR" altLang="en-US" sz="1000" kern="0" spc="0">
+                      <a:endParaRPr lang="ko-KR" altLang="en-US" sz="1000" dirty="0">
                         <a:solidFill>
                           <a:srgbClr val="000000"/>
                         </a:solidFill>
-                        <a:effectLst/>
+                        <a:latin typeface="+mn-ea"/>
+                        <a:ea typeface="+mn-ea"/>
                       </a:endParaRPr>
                     </a:p>
                   </a:txBody>
-                  <a:tcPr marL="17907" marR="17907" marT="17907" marB="17907" anchor="ctr">
+                  <a:tcPr marL="66261" marR="66261" marT="33130" marB="33130" anchor="ctr">
                     <a:lnL w="3556" cap="flat" cmpd="sng" algn="ctr">
                       <a:solidFill>
                         <a:srgbClr val="000000"/>
@@ -8672,7 +8702,7 @@
                     <a:bodyPr/>
                     <a:lstStyle/>
                     <a:p>
-                      <a:pPr marL="0" marR="0" indent="0" algn="ctr" fontAlgn="base" latinLnBrk="0">
+                      <a:pPr marL="0" marR="0" algn="ctr">
                         <a:lnSpc>
                           <a:spcPct val="160000"/>
                         </a:lnSpc>
@@ -8683,15 +8713,49 @@
                           <a:spcPts val="0"/>
                         </a:spcAft>
                       </a:pPr>
-                      <a:endParaRPr lang="ko-KR" altLang="en-US" sz="1000" kern="0" spc="0">
-                        <a:solidFill>
-                          <a:srgbClr val="000000"/>
-                        </a:solidFill>
-                        <a:effectLst/>
-                      </a:endParaRPr>
+                      <a:r>
+                        <a:rPr lang="en-US" altLang="ko-KR" sz="1000" dirty="0">
+                          <a:solidFill>
+                            <a:srgbClr val="000000"/>
+                          </a:solidFill>
+                          <a:latin typeface="+mn-ea"/>
+                          <a:ea typeface="+mn-ea"/>
+                        </a:rPr>
+                        <a:t>KINCET </a:t>
+                      </a:r>
+                      <a:r>
+                        <a:rPr lang="ko-KR" altLang="en-US" sz="1000" dirty="0">
+                          <a:solidFill>
+                            <a:srgbClr val="000000"/>
+                          </a:solidFill>
+                          <a:latin typeface="+mn-ea"/>
+                          <a:ea typeface="+mn-ea"/>
+                        </a:rPr>
+                        <a:t>관련 </a:t>
+                      </a:r>
+                      <a:r>
+                        <a:rPr lang="en-US" altLang="ko-KR" sz="1000" dirty="0">
+                          <a:solidFill>
+                            <a:srgbClr val="000000"/>
+                          </a:solidFill>
+                          <a:latin typeface="+mn-ea"/>
+                          <a:ea typeface="+mn-ea"/>
+                        </a:rPr>
+                        <a:t>API Study </a:t>
+                      </a:r>
+                      <a:r>
+                        <a:rPr lang="ko-KR" altLang="en-US" sz="1000" dirty="0">
+                          <a:solidFill>
+                            <a:srgbClr val="000000"/>
+                          </a:solidFill>
+                          <a:latin typeface="+mn-ea"/>
+                          <a:ea typeface="+mn-ea"/>
+                        </a:rPr>
+                        <a:t>및 관련 논문 검색</a:t>
+                      </a:r>
                     </a:p>
                   </a:txBody>
-                  <a:tcPr marL="17907" marR="17907" marT="17907" marB="17907" anchor="ctr">
+                  <a:tcPr marL="66261" marR="66261" marT="33130" marB="33130" anchor="ctr">
                     <a:lnL w="3556" cap="flat" cmpd="sng" algn="ctr">
                       <a:solidFill>
                         <a:srgbClr val="000000"/>
@@ -8719,7 +8783,7 @@
                       <a:headEnd type="none" w="med" len="med"/>
                       <a:tailEnd type="none" w="med" len="med"/>
                     </a:lnT>
-                    <a:lnB w="21590" cap="flat" cmpd="sng" algn="ctr">
+                    <a:lnB w="3556" cap="flat" cmpd="sng" algn="ctr">
                       <a:solidFill>
                         <a:srgbClr val="000000"/>
                       </a:solidFill>
@@ -8731,13 +8795,13 @@
                   </a:tcPr>
                 </a:tc>
               </a:tr>
-              <a:tr h="243332">
+              <a:tr h="408193">
                 <a:tc>
                   <a:txBody>
                     <a:bodyPr/>
                     <a:lstStyle/>
                     <a:p>
-                      <a:pPr marL="0" marR="0" indent="0" algn="ctr" fontAlgn="base" latinLnBrk="0">
+                      <a:pPr marL="0" marR="0" algn="ctr">
                         <a:lnSpc>
                           <a:spcPct val="160000"/>
                         </a:lnSpc>
@@ -8749,24 +8813,25 @@
                         </a:spcAft>
                       </a:pPr>
                       <a:r>
-                        <a:rPr lang="en-US" sz="1000" b="1" kern="0" spc="0">
+                        <a:rPr lang="en-US" sz="1000" b="1">
                           <a:solidFill>
                             <a:srgbClr val="000000"/>
                           </a:solidFill>
-                          <a:effectLst/>
-                          <a:latin typeface="굴림체"/>
+                          <a:latin typeface="+mn-ea"/>
+                          <a:ea typeface="+mn-ea"/>
                         </a:rPr>
                         <a:t>2</a:t>
                       </a:r>
-                      <a:endParaRPr lang="en-US" sz="1000" kern="0" spc="0">
+                      <a:endParaRPr lang="en-US" sz="1000">
                         <a:solidFill>
                           <a:srgbClr val="000000"/>
                         </a:solidFill>
-                        <a:effectLst/>
+                        <a:latin typeface="+mn-ea"/>
+                        <a:ea typeface="+mn-ea"/>
                       </a:endParaRPr>
                     </a:p>
                   </a:txBody>
-                  <a:tcPr marL="17907" marR="17907" marT="17907" marB="17907" anchor="ctr">
+                  <a:tcPr marL="66261" marR="66261" marT="33130" marB="33130" anchor="ctr">
                     <a:lnL w="21590" cap="flat" cmpd="sng" algn="ctr">
                       <a:solidFill>
                         <a:srgbClr val="000000"/>
@@ -8810,7 +8875,7 @@
                     <a:bodyPr/>
                     <a:lstStyle/>
                     <a:p>
-                      <a:pPr marL="0" marR="0" indent="0" algn="ctr" fontAlgn="base" latinLnBrk="0">
+                      <a:pPr marL="0" marR="0" algn="ctr">
                         <a:lnSpc>
                           <a:spcPct val="160000"/>
                         </a:lnSpc>
@@ -8822,24 +8887,25 @@
                         </a:spcAft>
                       </a:pPr>
                       <a:r>
-                        <a:rPr lang="en-US" sz="1000" b="1" kern="0" spc="0">
+                        <a:rPr lang="en-US" sz="1000" b="1">
                           <a:solidFill>
                             <a:srgbClr val="000000"/>
                           </a:solidFill>
-                          <a:effectLst/>
-                          <a:latin typeface="굴림체"/>
+                          <a:latin typeface="+mn-ea"/>
+                          <a:ea typeface="+mn-ea"/>
                         </a:rPr>
                         <a:t>Demo(ver.1.0)</a:t>
                       </a:r>
-                      <a:endParaRPr lang="en-US" sz="1000" kern="0" spc="0">
+                      <a:endParaRPr lang="en-US" sz="1000">
                         <a:solidFill>
                           <a:srgbClr val="000000"/>
                         </a:solidFill>
-                        <a:effectLst/>
+                        <a:latin typeface="+mn-ea"/>
+                        <a:ea typeface="+mn-ea"/>
                       </a:endParaRPr>
                     </a:p>
                   </a:txBody>
-                  <a:tcPr marL="17907" marR="17907" marT="17907" marB="17907" anchor="ctr">
+                  <a:tcPr marL="66261" marR="66261" marT="33130" marB="33130" anchor="ctr">
                     <a:lnL w="3556" cap="flat" cmpd="sng" algn="ctr">
                       <a:solidFill>
                         <a:srgbClr val="000000"/>
@@ -8883,7 +8949,7 @@
                     <a:bodyPr/>
                     <a:lstStyle/>
                     <a:p>
-                      <a:pPr marL="0" marR="0" indent="0" algn="ctr" fontAlgn="base" latinLnBrk="0">
+                      <a:pPr marL="0" marR="0" algn="ctr">
                         <a:lnSpc>
                           <a:spcPct val="160000"/>
                         </a:lnSpc>
@@ -8894,15 +8960,16 @@
                           <a:spcPts val="0"/>
                         </a:spcAft>
                       </a:pPr>
-                      <a:endParaRPr lang="ko-KR" altLang="en-US" sz="1000" kern="0" spc="0">
+                      <a:endParaRPr lang="ko-KR" altLang="en-US" sz="1000">
                         <a:solidFill>
                           <a:srgbClr val="000000"/>
                         </a:solidFill>
-                        <a:effectLst/>
+                        <a:latin typeface="+mn-ea"/>
+                        <a:ea typeface="+mn-ea"/>
                       </a:endParaRPr>
                     </a:p>
                   </a:txBody>
-                  <a:tcPr marL="17907" marR="17907" marT="17907" marB="17907" anchor="ctr">
+                  <a:tcPr marL="66261" marR="66261" marT="33130" marB="33130" anchor="ctr">
                     <a:lnL w="3556" cap="flat" cmpd="sng" algn="ctr">
                       <a:solidFill>
                         <a:srgbClr val="000000"/>
@@ -8946,7 +9013,7 @@
                     <a:bodyPr/>
                     <a:lstStyle/>
                     <a:p>
-                      <a:pPr marL="0" marR="0" indent="0" algn="ctr" fontAlgn="base" latinLnBrk="0">
+                      <a:pPr marL="0" marR="0" algn="ctr">
                         <a:lnSpc>
                           <a:spcPct val="160000"/>
                         </a:lnSpc>
@@ -8957,15 +9024,16 @@
                           <a:spcPts val="0"/>
                         </a:spcAft>
                       </a:pPr>
-                      <a:endParaRPr lang="ko-KR" altLang="en-US" sz="1000" kern="0" spc="0">
+                      <a:endParaRPr lang="ko-KR" altLang="en-US" sz="1000">
                         <a:solidFill>
                           <a:srgbClr val="000000"/>
                         </a:solidFill>
-                        <a:effectLst/>
+                        <a:latin typeface="+mn-ea"/>
+                        <a:ea typeface="+mn-ea"/>
                       </a:endParaRPr>
                     </a:p>
                   </a:txBody>
-                  <a:tcPr marL="17907" marR="17907" marT="17907" marB="17907" anchor="ctr">
+                  <a:tcPr marL="66261" marR="66261" marT="33130" marB="33130" anchor="ctr">
                     <a:lnL w="3556" cap="flat" cmpd="sng" algn="ctr">
                       <a:solidFill>
                         <a:srgbClr val="000000"/>
@@ -9012,7 +9080,7 @@
                     <a:bodyPr/>
                     <a:lstStyle/>
                     <a:p>
-                      <a:pPr marL="0" marR="0" indent="0" algn="ctr" fontAlgn="base" latinLnBrk="0">
+                      <a:pPr marL="0" marR="0" algn="ctr">
                         <a:lnSpc>
                           <a:spcPct val="160000"/>
                         </a:lnSpc>
@@ -9023,15 +9091,16 @@
                           <a:spcPts val="0"/>
                         </a:spcAft>
                       </a:pPr>
-                      <a:endParaRPr lang="ko-KR" altLang="en-US" sz="1000" kern="0" spc="0">
+                      <a:endParaRPr lang="ko-KR" altLang="en-US" sz="1000">
                         <a:solidFill>
                           <a:srgbClr val="000000"/>
                         </a:solidFill>
-                        <a:effectLst/>
+                        <a:latin typeface="+mn-ea"/>
+                        <a:ea typeface="+mn-ea"/>
                       </a:endParaRPr>
                     </a:p>
                   </a:txBody>
-                  <a:tcPr marL="17907" marR="17907" marT="17907" marB="17907" anchor="ctr">
+                  <a:tcPr marL="66261" marR="66261" marT="33130" marB="33130" anchor="ctr">
                     <a:lnL w="3556" cap="flat" cmpd="sng" algn="ctr">
                       <a:solidFill>
                         <a:srgbClr val="000000"/>
@@ -9075,7 +9144,7 @@
                     <a:bodyPr/>
                     <a:lstStyle/>
                     <a:p>
-                      <a:pPr marL="0" marR="0" indent="0" algn="ctr" fontAlgn="base" latinLnBrk="0">
+                      <a:pPr marL="0" marR="0" algn="ctr">
                         <a:lnSpc>
                           <a:spcPct val="160000"/>
                         </a:lnSpc>
@@ -9086,15 +9155,16 @@
                           <a:spcPts val="0"/>
                         </a:spcAft>
                       </a:pPr>
-                      <a:endParaRPr lang="ko-KR" altLang="en-US" sz="1000" kern="0" spc="0">
+                      <a:endParaRPr lang="ko-KR" altLang="en-US" sz="1000">
                         <a:solidFill>
                           <a:srgbClr val="000000"/>
                         </a:solidFill>
-                        <a:effectLst/>
+                        <a:latin typeface="+mn-ea"/>
+                        <a:ea typeface="+mn-ea"/>
                       </a:endParaRPr>
                     </a:p>
                   </a:txBody>
-                  <a:tcPr marL="17907" marR="17907" marT="17907" marB="17907" anchor="ctr">
+                  <a:tcPr marL="66261" marR="66261" marT="33130" marB="33130" anchor="ctr">
                     <a:lnL w="3556" cap="flat" cmpd="sng" algn="ctr">
                       <a:solidFill>
                         <a:srgbClr val="000000"/>
@@ -9138,7 +9208,7 @@
                     <a:bodyPr/>
                     <a:lstStyle/>
                     <a:p>
-                      <a:pPr marL="0" marR="0" indent="0" algn="ctr" fontAlgn="base" latinLnBrk="0">
+                      <a:pPr marL="0" marR="0" algn="ctr">
                         <a:lnSpc>
                           <a:spcPct val="160000"/>
                         </a:lnSpc>
@@ -9149,15 +9219,16 @@
                           <a:spcPts val="0"/>
                         </a:spcAft>
                       </a:pPr>
-                      <a:endParaRPr lang="ko-KR" altLang="en-US" sz="1000" kern="0" spc="0">
+                      <a:endParaRPr lang="ko-KR" altLang="en-US" sz="1000">
                         <a:solidFill>
                           <a:srgbClr val="000000"/>
                         </a:solidFill>
-                        <a:effectLst/>
+                        <a:latin typeface="+mn-ea"/>
+                        <a:ea typeface="+mn-ea"/>
                       </a:endParaRPr>
                     </a:p>
                   </a:txBody>
-                  <a:tcPr marL="17907" marR="17907" marT="17907" marB="17907" anchor="ctr">
+                  <a:tcPr marL="66261" marR="66261" marT="33130" marB="33130" anchor="ctr">
                     <a:lnL w="3556" cap="flat" cmpd="sng" algn="ctr">
                       <a:solidFill>
                         <a:srgbClr val="000000"/>
@@ -9201,7 +9272,7 @@
                     <a:bodyPr/>
                     <a:lstStyle/>
                     <a:p>
-                      <a:pPr marL="0" marR="0" indent="0" algn="ctr" fontAlgn="base" latinLnBrk="0">
+                      <a:pPr marL="0" marR="0" algn="ctr">
                         <a:lnSpc>
                           <a:spcPct val="160000"/>
                         </a:lnSpc>
@@ -9212,15 +9283,16 @@
                           <a:spcPts val="0"/>
                         </a:spcAft>
                       </a:pPr>
-                      <a:endParaRPr lang="ko-KR" altLang="en-US" sz="1000" kern="0" spc="0">
+                      <a:endParaRPr lang="ko-KR" altLang="en-US" sz="1000">
                         <a:solidFill>
                           <a:srgbClr val="000000"/>
                         </a:solidFill>
-                        <a:effectLst/>
+                        <a:latin typeface="+mn-ea"/>
+                        <a:ea typeface="+mn-ea"/>
                       </a:endParaRPr>
                     </a:p>
                   </a:txBody>
-                  <a:tcPr marL="17907" marR="17907" marT="17907" marB="17907" anchor="ctr">
+                  <a:tcPr marL="66261" marR="66261" marT="33130" marB="33130" anchor="ctr">
                     <a:lnL w="3556" cap="flat" cmpd="sng" algn="ctr">
                       <a:solidFill>
                         <a:srgbClr val="000000"/>
@@ -9264,7 +9336,7 @@
                     <a:bodyPr/>
                     <a:lstStyle/>
                     <a:p>
-                      <a:pPr marL="0" marR="0" indent="0" algn="ctr" fontAlgn="base" latinLnBrk="0">
+                      <a:pPr marL="0" marR="0" algn="ctr">
                         <a:lnSpc>
                           <a:spcPct val="160000"/>
                         </a:lnSpc>
@@ -9275,15 +9347,16 @@
                           <a:spcPts val="0"/>
                         </a:spcAft>
                       </a:pPr>
-                      <a:endParaRPr lang="ko-KR" altLang="en-US" sz="1000" kern="0" spc="0">
+                      <a:endParaRPr lang="ko-KR" altLang="en-US" sz="1000">
                         <a:solidFill>
                           <a:srgbClr val="000000"/>
                         </a:solidFill>
-                        <a:effectLst/>
+                        <a:latin typeface="+mn-ea"/>
+                        <a:ea typeface="+mn-ea"/>
                       </a:endParaRPr>
                     </a:p>
                   </a:txBody>
-                  <a:tcPr marL="17907" marR="17907" marT="17907" marB="17907" anchor="ctr">
+                  <a:tcPr marL="66261" marR="66261" marT="33130" marB="33130" anchor="ctr">
                     <a:lnL w="3556" cap="flat" cmpd="sng" algn="ctr">
                       <a:solidFill>
                         <a:srgbClr val="000000"/>
@@ -9327,7 +9400,7 @@
                     <a:bodyPr/>
                     <a:lstStyle/>
                     <a:p>
-                      <a:pPr marL="0" marR="0" indent="0" algn="ctr" fontAlgn="base" latinLnBrk="0">
+                      <a:pPr marL="0" marR="0" algn="ctr">
                         <a:lnSpc>
                           <a:spcPct val="160000"/>
                         </a:lnSpc>
@@ -9338,15 +9411,16 @@
                           <a:spcPts val="0"/>
                         </a:spcAft>
                       </a:pPr>
-                      <a:endParaRPr lang="ko-KR" altLang="en-US" sz="1000" kern="0" spc="0">
+                      <a:endParaRPr lang="ko-KR" altLang="en-US" sz="1000" dirty="0">
                         <a:solidFill>
                           <a:srgbClr val="000000"/>
                         </a:solidFill>
-                        <a:effectLst/>
+                        <a:latin typeface="+mn-ea"/>
+                        <a:ea typeface="+mn-ea"/>
                       </a:endParaRPr>
                     </a:p>
                   </a:txBody>
-                  <a:tcPr marL="17907" marR="17907" marT="17907" marB="17907" anchor="ctr">
+                  <a:tcPr marL="66261" marR="66261" marT="33130" marB="33130" anchor="ctr">
                     <a:lnL w="3556" cap="flat" cmpd="sng" algn="ctr">
                       <a:solidFill>
                         <a:srgbClr val="000000"/>
@@ -9390,7 +9464,7 @@
                     <a:bodyPr/>
                     <a:lstStyle/>
                     <a:p>
-                      <a:pPr marL="0" marR="0" indent="0" algn="ctr" fontAlgn="base" latinLnBrk="0">
+                      <a:pPr marL="0" marR="0" algn="ctr">
                         <a:lnSpc>
                           <a:spcPct val="160000"/>
                         </a:lnSpc>
@@ -9401,15 +9475,16 @@
                           <a:spcPts val="0"/>
                         </a:spcAft>
                       </a:pPr>
-                      <a:endParaRPr lang="ko-KR" altLang="en-US" sz="1000" kern="0" spc="0">
+                      <a:endParaRPr lang="ko-KR" altLang="en-US" sz="1000" dirty="0">
                         <a:solidFill>
                           <a:srgbClr val="000000"/>
                         </a:solidFill>
-                        <a:effectLst/>
+                        <a:latin typeface="+mn-ea"/>
+                        <a:ea typeface="+mn-ea"/>
                       </a:endParaRPr>
                     </a:p>
                   </a:txBody>
-                  <a:tcPr marL="17907" marR="17907" marT="17907" marB="17907" anchor="ctr">
+                  <a:tcPr marL="66261" marR="66261" marT="33130" marB="33130" anchor="ctr">
                     <a:lnL w="3556" cap="flat" cmpd="sng" algn="ctr">
                       <a:solidFill>
                         <a:srgbClr val="000000"/>
@@ -9453,7 +9528,7 @@
                     <a:bodyPr/>
                     <a:lstStyle/>
                     <a:p>
-                      <a:pPr marL="0" marR="0" indent="0" algn="ctr" fontAlgn="base" latinLnBrk="0">
+                      <a:pPr marL="0" marR="0" algn="ctr">
                         <a:lnSpc>
                           <a:spcPct val="160000"/>
                         </a:lnSpc>
@@ -9464,15 +9539,16 @@
                           <a:spcPts val="0"/>
                         </a:spcAft>
                       </a:pPr>
-                      <a:endParaRPr lang="ko-KR" altLang="en-US" sz="1000" kern="0" spc="0">
+                      <a:endParaRPr lang="ko-KR" altLang="en-US" sz="1000" dirty="0">
                         <a:solidFill>
                           <a:srgbClr val="000000"/>
                         </a:solidFill>
-                        <a:effectLst/>
+                        <a:latin typeface="+mn-ea"/>
+                        <a:ea typeface="+mn-ea"/>
                       </a:endParaRPr>
                     </a:p>
                   </a:txBody>
-                  <a:tcPr marL="17907" marR="17907" marT="17907" marB="17907" anchor="ctr">
+                  <a:tcPr marL="66261" marR="66261" marT="33130" marB="33130" anchor="ctr">
                     <a:lnL w="3556" cap="flat" cmpd="sng" algn="ctr">
                       <a:solidFill>
                         <a:srgbClr val="000000"/>
@@ -9516,7 +9592,7 @@
                     <a:bodyPr/>
                     <a:lstStyle/>
                     <a:p>
-                      <a:pPr marL="0" marR="0" indent="0" algn="ctr" fontAlgn="base" latinLnBrk="0">
+                      <a:pPr marL="0" marR="0" algn="ctr">
                         <a:lnSpc>
                           <a:spcPct val="160000"/>
                         </a:lnSpc>
@@ -9527,15 +9603,16 @@
                           <a:spcPts val="0"/>
                         </a:spcAft>
                       </a:pPr>
-                      <a:endParaRPr lang="ko-KR" altLang="en-US" sz="1000" kern="0" spc="0">
+                      <a:endParaRPr lang="ko-KR" altLang="en-US" sz="1000" dirty="0">
                         <a:solidFill>
                           <a:srgbClr val="000000"/>
                         </a:solidFill>
-                        <a:effectLst/>
+                        <a:latin typeface="+mn-ea"/>
+                        <a:ea typeface="+mn-ea"/>
                       </a:endParaRPr>
                     </a:p>
                   </a:txBody>
-                  <a:tcPr marL="17907" marR="17907" marT="17907" marB="17907" anchor="ctr">
+                  <a:tcPr marL="66261" marR="66261" marT="33130" marB="33130" anchor="ctr">
                     <a:lnL w="3556" cap="flat" cmpd="sng" algn="ctr">
                       <a:solidFill>
                         <a:srgbClr val="000000"/>
@@ -9579,7 +9656,7 @@
                     <a:bodyPr/>
                     <a:lstStyle/>
                     <a:p>
-                      <a:pPr marL="0" marR="0" indent="0" algn="ctr" fontAlgn="base" latinLnBrk="0">
+                      <a:pPr marL="0" marR="0" algn="ctr">
                         <a:lnSpc>
                           <a:spcPct val="160000"/>
                         </a:lnSpc>
@@ -9590,15 +9667,16 @@
                           <a:spcPts val="0"/>
                         </a:spcAft>
                       </a:pPr>
-                      <a:endParaRPr lang="ko-KR" altLang="en-US" sz="1000" kern="0" spc="0">
+                      <a:endParaRPr lang="ko-KR" altLang="en-US" sz="1000" dirty="0">
                         <a:solidFill>
                           <a:srgbClr val="000000"/>
                         </a:solidFill>
-                        <a:effectLst/>
+                        <a:latin typeface="+mn-ea"/>
+                        <a:ea typeface="+mn-ea"/>
                       </a:endParaRPr>
                     </a:p>
                   </a:txBody>
-                  <a:tcPr marL="17907" marR="17907" marT="17907" marB="17907" anchor="ctr">
+                  <a:tcPr marL="66261" marR="66261" marT="33130" marB="33130" anchor="ctr">
                     <a:lnL w="3556" cap="flat" cmpd="sng" algn="ctr">
                       <a:solidFill>
                         <a:srgbClr val="000000"/>
@@ -9642,7 +9720,7 @@
                     <a:bodyPr/>
                     <a:lstStyle/>
                     <a:p>
-                      <a:pPr marL="0" marR="0" indent="0" algn="ctr" fontAlgn="base" latinLnBrk="0">
+                      <a:pPr marL="0" marR="0" algn="ctr">
                         <a:lnSpc>
                           <a:spcPct val="160000"/>
                         </a:lnSpc>
@@ -9654,34 +9732,58 @@
                         </a:spcAft>
                       </a:pPr>
                       <a:r>
-                        <a:rPr lang="en-US" sz="1000" kern="0" spc="0">
+                        <a:rPr lang="en-US" altLang="ko-KR" sz="1000" dirty="0">
                           <a:solidFill>
                             <a:srgbClr val="000000"/>
                           </a:solidFill>
-                          <a:effectLst/>
-                          <a:latin typeface="굴림체"/>
+                          <a:latin typeface="+mn-ea"/>
+                          <a:ea typeface="+mn-ea"/>
                         </a:rPr>
-                        <a:t>Kinect </a:t>
+                        <a:t>UI</a:t>
                       </a:r>
                       <a:r>
-                        <a:rPr lang="ko-KR" altLang="en-US" sz="1000" kern="0" spc="0">
+                        <a:rPr lang="ko-KR" altLang="en-US" sz="1000" dirty="0">
                           <a:solidFill>
                             <a:srgbClr val="000000"/>
                           </a:solidFill>
-                          <a:effectLst/>
-                          <a:ea typeface="굴림체"/>
+                          <a:latin typeface="+mn-ea"/>
+                          <a:ea typeface="+mn-ea"/>
+                        </a:rPr>
+                        <a:t>설계 및 구현 </a:t>
+                      </a:r>
+                      <a:r>
+                        <a:rPr lang="en-US" altLang="ko-KR" sz="1000" dirty="0" err="1">
+                          <a:solidFill>
+                            <a:srgbClr val="000000"/>
+                          </a:solidFill>
+                          <a:latin typeface="+mn-ea"/>
+                          <a:ea typeface="+mn-ea"/>
+                        </a:rPr>
+                        <a:t>Kinect</a:t>
+                      </a:r>
+                      <a:r>
+                        <a:rPr lang="en-US" altLang="ko-KR" sz="1000" dirty="0">
+                          <a:solidFill>
+                            <a:srgbClr val="000000"/>
+                          </a:solidFill>
+                          <a:latin typeface="+mn-ea"/>
+                          <a:ea typeface="+mn-ea"/>
+                        </a:rPr>
+                        <a:t> </a:t>
+                      </a:r>
+                      <a:r>
+                        <a:rPr lang="ko-KR" altLang="en-US" sz="1000" dirty="0">
+                          <a:solidFill>
+                            <a:srgbClr val="000000"/>
+                          </a:solidFill>
+                          <a:latin typeface="+mn-ea"/>
+                          <a:ea typeface="+mn-ea"/>
                         </a:rPr>
                         <a:t>영상 출력</a:t>
                       </a:r>
-                      <a:endParaRPr lang="ko-KR" altLang="en-US" sz="1000" kern="0" spc="0">
-                        <a:solidFill>
-                          <a:srgbClr val="000000"/>
-                        </a:solidFill>
-                        <a:effectLst/>
-                      </a:endParaRPr>
                     </a:p>
                   </a:txBody>
-                  <a:tcPr marL="17907" marR="17907" marT="17907" marB="17907" anchor="ctr">
+                  <a:tcPr marL="66261" marR="66261" marT="33130" marB="33130" anchor="ctr">
                     <a:lnL w="3556" cap="flat" cmpd="sng" algn="ctr">
                       <a:solidFill>
                         <a:srgbClr val="000000"/>
@@ -9700,7 +9802,7 @@
                       <a:headEnd type="none" w="med" len="med"/>
                       <a:tailEnd type="none" w="med" len="med"/>
                     </a:lnR>
-                    <a:lnT w="21590" cap="flat" cmpd="sng" algn="ctr">
+                    <a:lnT w="3556" cap="flat" cmpd="sng" algn="ctr">
                       <a:solidFill>
                         <a:srgbClr val="000000"/>
                       </a:solidFill>
@@ -9721,13 +9823,13 @@
                   </a:tcPr>
                 </a:tc>
               </a:tr>
-              <a:tr h="243332">
+              <a:tr h="412224">
                 <a:tc>
                   <a:txBody>
                     <a:bodyPr/>
                     <a:lstStyle/>
                     <a:p>
-                      <a:pPr marL="0" marR="0" indent="0" algn="ctr" fontAlgn="base" latinLnBrk="0">
+                      <a:pPr marL="0" marR="0" algn="ctr">
                         <a:lnSpc>
                           <a:spcPct val="160000"/>
                         </a:lnSpc>
@@ -9739,24 +9841,25 @@
                         </a:spcAft>
                       </a:pPr>
                       <a:r>
-                        <a:rPr lang="en-US" sz="1000" b="1" kern="0" spc="0">
+                        <a:rPr lang="en-US" sz="1000" b="1">
                           <a:solidFill>
                             <a:srgbClr val="000000"/>
                           </a:solidFill>
-                          <a:effectLst/>
-                          <a:latin typeface="굴림체"/>
+                          <a:latin typeface="+mn-ea"/>
+                          <a:ea typeface="+mn-ea"/>
                         </a:rPr>
                         <a:t>3</a:t>
                       </a:r>
-                      <a:endParaRPr lang="en-US" sz="1000" kern="0" spc="0">
+                      <a:endParaRPr lang="en-US" sz="1000">
                         <a:solidFill>
                           <a:srgbClr val="000000"/>
                         </a:solidFill>
-                        <a:effectLst/>
+                        <a:latin typeface="+mn-ea"/>
+                        <a:ea typeface="+mn-ea"/>
                       </a:endParaRPr>
                     </a:p>
                   </a:txBody>
-                  <a:tcPr marL="17907" marR="17907" marT="17907" marB="17907" anchor="ctr">
+                  <a:tcPr marL="66261" marR="66261" marT="33130" marB="33130" anchor="ctr">
                     <a:lnL w="21590" cap="flat" cmpd="sng" algn="ctr">
                       <a:solidFill>
                         <a:srgbClr val="000000"/>
@@ -9800,7 +9903,7 @@
                     <a:bodyPr/>
                     <a:lstStyle/>
                     <a:p>
-                      <a:pPr marL="0" marR="0" indent="0" algn="ctr" fontAlgn="base" latinLnBrk="0">
+                      <a:pPr marL="0" marR="0" algn="ctr">
                         <a:lnSpc>
                           <a:spcPct val="160000"/>
                         </a:lnSpc>
@@ -9812,24 +9915,25 @@
                         </a:spcAft>
                       </a:pPr>
                       <a:r>
-                        <a:rPr lang="en-US" sz="1000" b="1" kern="0" spc="0" dirty="0">
+                        <a:rPr lang="en-US" sz="1000" b="1">
                           <a:solidFill>
                             <a:srgbClr val="000000"/>
                           </a:solidFill>
-                          <a:effectLst/>
-                          <a:latin typeface="굴림체"/>
+                          <a:latin typeface="+mn-ea"/>
+                          <a:ea typeface="+mn-ea"/>
                         </a:rPr>
                         <a:t>Demo(ver.2.0)</a:t>
                       </a:r>
-                      <a:endParaRPr lang="en-US" sz="1000" kern="0" spc="0" dirty="0">
+                      <a:endParaRPr lang="en-US" sz="1000">
                         <a:solidFill>
                           <a:srgbClr val="000000"/>
                         </a:solidFill>
-                        <a:effectLst/>
+                        <a:latin typeface="+mn-ea"/>
+                        <a:ea typeface="+mn-ea"/>
                       </a:endParaRPr>
                     </a:p>
                   </a:txBody>
-                  <a:tcPr marL="17907" marR="17907" marT="17907" marB="17907" anchor="ctr">
+                  <a:tcPr marL="66261" marR="66261" marT="33130" marB="33130" anchor="ctr">
                     <a:lnL w="3556" cap="flat" cmpd="sng" algn="ctr">
                       <a:solidFill>
                         <a:srgbClr val="000000"/>
@@ -9873,7 +9977,7 @@
                     <a:bodyPr/>
                     <a:lstStyle/>
                     <a:p>
-                      <a:pPr marL="0" marR="0" indent="0" algn="ctr" fontAlgn="base" latinLnBrk="0">
+                      <a:pPr marL="0" marR="0" algn="ctr">
                         <a:lnSpc>
                           <a:spcPct val="160000"/>
                         </a:lnSpc>
@@ -9884,15 +9988,16 @@
                           <a:spcPts val="0"/>
                         </a:spcAft>
                       </a:pPr>
-                      <a:endParaRPr lang="ko-KR" altLang="en-US" sz="1000" kern="0" spc="0">
+                      <a:endParaRPr lang="ko-KR" altLang="en-US" sz="1000">
                         <a:solidFill>
                           <a:srgbClr val="000000"/>
                         </a:solidFill>
-                        <a:effectLst/>
+                        <a:latin typeface="+mn-ea"/>
+                        <a:ea typeface="+mn-ea"/>
                       </a:endParaRPr>
                     </a:p>
                   </a:txBody>
-                  <a:tcPr marL="17907" marR="17907" marT="17907" marB="17907" anchor="ctr">
+                  <a:tcPr marL="66261" marR="66261" marT="33130" marB="33130" anchor="ctr">
                     <a:lnL w="3556" cap="flat" cmpd="sng" algn="ctr">
                       <a:solidFill>
                         <a:srgbClr val="000000"/>
@@ -9936,7 +10041,7 @@
                     <a:bodyPr/>
                     <a:lstStyle/>
                     <a:p>
-                      <a:pPr marL="0" marR="0" indent="0" algn="ctr" fontAlgn="base" latinLnBrk="0">
+                      <a:pPr marL="0" marR="0" algn="ctr">
                         <a:lnSpc>
                           <a:spcPct val="160000"/>
                         </a:lnSpc>
@@ -9947,15 +10052,16 @@
                           <a:spcPts val="0"/>
                         </a:spcAft>
                       </a:pPr>
-                      <a:endParaRPr lang="ko-KR" altLang="en-US" sz="1000" kern="0" spc="0">
+                      <a:endParaRPr lang="ko-KR" altLang="en-US" sz="1000">
                         <a:solidFill>
                           <a:srgbClr val="000000"/>
                         </a:solidFill>
-                        <a:effectLst/>
+                        <a:latin typeface="+mn-ea"/>
+                        <a:ea typeface="+mn-ea"/>
                       </a:endParaRPr>
                     </a:p>
                   </a:txBody>
-                  <a:tcPr marL="17907" marR="17907" marT="17907" marB="17907" anchor="ctr">
+                  <a:tcPr marL="66261" marR="66261" marT="33130" marB="33130" anchor="ctr">
                     <a:lnL w="3556" cap="flat" cmpd="sng" algn="ctr">
                       <a:solidFill>
                         <a:srgbClr val="000000"/>
@@ -9999,7 +10105,7 @@
                     <a:bodyPr/>
                     <a:lstStyle/>
                     <a:p>
-                      <a:pPr marL="0" marR="0" indent="0" algn="ctr" fontAlgn="base" latinLnBrk="0">
+                      <a:pPr marL="0" marR="0" algn="ctr">
                         <a:lnSpc>
                           <a:spcPct val="160000"/>
                         </a:lnSpc>
@@ -10010,15 +10116,16 @@
                           <a:spcPts val="0"/>
                         </a:spcAft>
                       </a:pPr>
-                      <a:endParaRPr lang="ko-KR" altLang="en-US" sz="1000" kern="0" spc="0">
+                      <a:endParaRPr lang="ko-KR" altLang="en-US" sz="1000">
                         <a:solidFill>
                           <a:srgbClr val="000000"/>
                         </a:solidFill>
-                        <a:effectLst/>
+                        <a:latin typeface="+mn-ea"/>
+                        <a:ea typeface="+mn-ea"/>
                       </a:endParaRPr>
                     </a:p>
                   </a:txBody>
-                  <a:tcPr marL="17907" marR="17907" marT="17907" marB="17907" anchor="ctr">
+                  <a:tcPr marL="66261" marR="66261" marT="33130" marB="33130" anchor="ctr">
                     <a:lnL w="3556" cap="flat" cmpd="sng" algn="ctr">
                       <a:solidFill>
                         <a:srgbClr val="000000"/>
@@ -10065,7 +10172,7 @@
                     <a:bodyPr/>
                     <a:lstStyle/>
                     <a:p>
-                      <a:pPr marL="0" marR="0" indent="0" algn="ctr" fontAlgn="base" latinLnBrk="0">
+                      <a:pPr marL="0" marR="0" algn="ctr">
                         <a:lnSpc>
                           <a:spcPct val="160000"/>
                         </a:lnSpc>
@@ -10076,15 +10183,16 @@
                           <a:spcPts val="0"/>
                         </a:spcAft>
                       </a:pPr>
-                      <a:endParaRPr lang="ko-KR" altLang="en-US" sz="1000" kern="0" spc="0">
+                      <a:endParaRPr lang="ko-KR" altLang="en-US" sz="1000">
                         <a:solidFill>
                           <a:srgbClr val="000000"/>
                         </a:solidFill>
-                        <a:effectLst/>
+                        <a:latin typeface="+mn-ea"/>
+                        <a:ea typeface="+mn-ea"/>
                       </a:endParaRPr>
                     </a:p>
                   </a:txBody>
-                  <a:tcPr marL="17907" marR="17907" marT="17907" marB="17907" anchor="ctr">
+                  <a:tcPr marL="66261" marR="66261" marT="33130" marB="33130" anchor="ctr">
                     <a:lnL w="3556" cap="flat" cmpd="sng" algn="ctr">
                       <a:solidFill>
                         <a:srgbClr val="000000"/>
@@ -10131,7 +10239,7 @@
                     <a:bodyPr/>
                     <a:lstStyle/>
                     <a:p>
-                      <a:pPr marL="0" marR="0" indent="0" algn="ctr" fontAlgn="base" latinLnBrk="0">
+                      <a:pPr marL="0" marR="0" algn="ctr">
                         <a:lnSpc>
                           <a:spcPct val="160000"/>
                         </a:lnSpc>
@@ -10142,15 +10250,16 @@
                           <a:spcPts val="0"/>
                         </a:spcAft>
                       </a:pPr>
-                      <a:endParaRPr lang="ko-KR" altLang="en-US" sz="1000" kern="0" spc="0">
+                      <a:endParaRPr lang="ko-KR" altLang="en-US" sz="1000">
                         <a:solidFill>
                           <a:srgbClr val="000000"/>
                         </a:solidFill>
-                        <a:effectLst/>
+                        <a:latin typeface="+mn-ea"/>
+                        <a:ea typeface="+mn-ea"/>
                       </a:endParaRPr>
                     </a:p>
                   </a:txBody>
-                  <a:tcPr marL="17907" marR="17907" marT="17907" marB="17907" anchor="ctr">
+                  <a:tcPr marL="66261" marR="66261" marT="33130" marB="33130" anchor="ctr">
                     <a:lnL w="3556" cap="flat" cmpd="sng" algn="ctr">
                       <a:solidFill>
                         <a:srgbClr val="000000"/>
@@ -10194,7 +10303,7 @@
                     <a:bodyPr/>
                     <a:lstStyle/>
                     <a:p>
-                      <a:pPr marL="0" marR="0" indent="0" algn="ctr" fontAlgn="base" latinLnBrk="0">
+                      <a:pPr marL="0" marR="0" algn="ctr">
                         <a:lnSpc>
                           <a:spcPct val="160000"/>
                         </a:lnSpc>
@@ -10205,15 +10314,16 @@
                           <a:spcPts val="0"/>
                         </a:spcAft>
                       </a:pPr>
-                      <a:endParaRPr lang="ko-KR" altLang="en-US" sz="1000" kern="0" spc="0">
+                      <a:endParaRPr lang="ko-KR" altLang="en-US" sz="1000">
                         <a:solidFill>
                           <a:srgbClr val="000000"/>
                         </a:solidFill>
-                        <a:effectLst/>
+                        <a:latin typeface="+mn-ea"/>
+                        <a:ea typeface="+mn-ea"/>
                       </a:endParaRPr>
                     </a:p>
                   </a:txBody>
-                  <a:tcPr marL="17907" marR="17907" marT="17907" marB="17907" anchor="ctr">
+                  <a:tcPr marL="66261" marR="66261" marT="33130" marB="33130" anchor="ctr">
                     <a:lnL w="3556" cap="flat" cmpd="sng" algn="ctr">
                       <a:solidFill>
                         <a:srgbClr val="000000"/>
@@ -10257,7 +10367,7 @@
                     <a:bodyPr/>
                     <a:lstStyle/>
                     <a:p>
-                      <a:pPr marL="0" marR="0" indent="0" algn="ctr" fontAlgn="base" latinLnBrk="0">
+                      <a:pPr marL="0" marR="0" algn="ctr">
                         <a:lnSpc>
                           <a:spcPct val="160000"/>
                         </a:lnSpc>
@@ -10268,15 +10378,16 @@
                           <a:spcPts val="0"/>
                         </a:spcAft>
                       </a:pPr>
-                      <a:endParaRPr lang="ko-KR" altLang="en-US" sz="1000" kern="0" spc="0">
+                      <a:endParaRPr lang="ko-KR" altLang="en-US" sz="1000">
                         <a:solidFill>
                           <a:srgbClr val="000000"/>
                         </a:solidFill>
-                        <a:effectLst/>
+                        <a:latin typeface="+mn-ea"/>
+                        <a:ea typeface="+mn-ea"/>
                       </a:endParaRPr>
                     </a:p>
                   </a:txBody>
-                  <a:tcPr marL="17907" marR="17907" marT="17907" marB="17907" anchor="ctr">
+                  <a:tcPr marL="66261" marR="66261" marT="33130" marB="33130" anchor="ctr">
                     <a:lnL w="3556" cap="flat" cmpd="sng" algn="ctr">
                       <a:solidFill>
                         <a:srgbClr val="000000"/>
@@ -10320,7 +10431,7 @@
                     <a:bodyPr/>
                     <a:lstStyle/>
                     <a:p>
-                      <a:pPr marL="0" marR="0" indent="0" algn="ctr" fontAlgn="base" latinLnBrk="0">
+                      <a:pPr marL="0" marR="0" algn="ctr">
                         <a:lnSpc>
                           <a:spcPct val="160000"/>
                         </a:lnSpc>
@@ -10331,15 +10442,16 @@
                           <a:spcPts val="0"/>
                         </a:spcAft>
                       </a:pPr>
-                      <a:endParaRPr lang="ko-KR" altLang="en-US" sz="1000" kern="0" spc="0">
+                      <a:endParaRPr lang="ko-KR" altLang="en-US" sz="1000">
                         <a:solidFill>
                           <a:srgbClr val="000000"/>
                         </a:solidFill>
-                        <a:effectLst/>
+                        <a:latin typeface="+mn-ea"/>
+                        <a:ea typeface="+mn-ea"/>
                       </a:endParaRPr>
                     </a:p>
                   </a:txBody>
-                  <a:tcPr marL="17907" marR="17907" marT="17907" marB="17907" anchor="ctr">
+                  <a:tcPr marL="66261" marR="66261" marT="33130" marB="33130" anchor="ctr">
                     <a:lnL w="3556" cap="flat" cmpd="sng" algn="ctr">
                       <a:solidFill>
                         <a:srgbClr val="000000"/>
@@ -10383,7 +10495,7 @@
                     <a:bodyPr/>
                     <a:lstStyle/>
                     <a:p>
-                      <a:pPr marL="0" marR="0" indent="0" algn="ctr" fontAlgn="base" latinLnBrk="0">
+                      <a:pPr marL="0" marR="0" algn="ctr">
                         <a:lnSpc>
                           <a:spcPct val="160000"/>
                         </a:lnSpc>
@@ -10394,15 +10506,16 @@
                           <a:spcPts val="0"/>
                         </a:spcAft>
                       </a:pPr>
-                      <a:endParaRPr lang="ko-KR" altLang="en-US" sz="1000" kern="0" spc="0">
+                      <a:endParaRPr lang="ko-KR" altLang="en-US" sz="1000" dirty="0">
                         <a:solidFill>
                           <a:srgbClr val="000000"/>
                         </a:solidFill>
-                        <a:effectLst/>
+                        <a:latin typeface="+mn-ea"/>
+                        <a:ea typeface="+mn-ea"/>
                       </a:endParaRPr>
                     </a:p>
                   </a:txBody>
-                  <a:tcPr marL="17907" marR="17907" marT="17907" marB="17907" anchor="ctr">
+                  <a:tcPr marL="66261" marR="66261" marT="33130" marB="33130" anchor="ctr">
                     <a:lnL w="3556" cap="flat" cmpd="sng" algn="ctr">
                       <a:solidFill>
                         <a:srgbClr val="000000"/>
@@ -10446,7 +10559,7 @@
                     <a:bodyPr/>
                     <a:lstStyle/>
                     <a:p>
-                      <a:pPr marL="0" marR="0" indent="0" algn="ctr" fontAlgn="base" latinLnBrk="0">
+                      <a:pPr marL="0" marR="0" algn="ctr">
                         <a:lnSpc>
                           <a:spcPct val="160000"/>
                         </a:lnSpc>
@@ -10457,15 +10570,16 @@
                           <a:spcPts val="0"/>
                         </a:spcAft>
                       </a:pPr>
-                      <a:endParaRPr lang="ko-KR" altLang="en-US" sz="1000" kern="0" spc="0">
+                      <a:endParaRPr lang="ko-KR" altLang="en-US" sz="1000" dirty="0">
                         <a:solidFill>
                           <a:srgbClr val="000000"/>
                         </a:solidFill>
-                        <a:effectLst/>
+                        <a:latin typeface="+mn-ea"/>
+                        <a:ea typeface="+mn-ea"/>
                       </a:endParaRPr>
                     </a:p>
                   </a:txBody>
-                  <a:tcPr marL="17907" marR="17907" marT="17907" marB="17907" anchor="ctr">
+                  <a:tcPr marL="66261" marR="66261" marT="33130" marB="33130" anchor="ctr">
                     <a:lnL w="3556" cap="flat" cmpd="sng" algn="ctr">
                       <a:solidFill>
                         <a:srgbClr val="000000"/>
@@ -10509,7 +10623,7 @@
                     <a:bodyPr/>
                     <a:lstStyle/>
                     <a:p>
-                      <a:pPr marL="0" marR="0" indent="0" algn="ctr" fontAlgn="base" latinLnBrk="0">
+                      <a:pPr marL="0" marR="0" algn="ctr">
                         <a:lnSpc>
                           <a:spcPct val="160000"/>
                         </a:lnSpc>
@@ -10520,15 +10634,16 @@
                           <a:spcPts val="0"/>
                         </a:spcAft>
                       </a:pPr>
-                      <a:endParaRPr lang="ko-KR" altLang="en-US" sz="1000" kern="0" spc="0">
+                      <a:endParaRPr lang="ko-KR" altLang="en-US" sz="1000" dirty="0">
                         <a:solidFill>
                           <a:srgbClr val="000000"/>
                         </a:solidFill>
-                        <a:effectLst/>
+                        <a:latin typeface="+mn-ea"/>
+                        <a:ea typeface="+mn-ea"/>
                       </a:endParaRPr>
                     </a:p>
                   </a:txBody>
-                  <a:tcPr marL="17907" marR="17907" marT="17907" marB="17907" anchor="ctr">
+                  <a:tcPr marL="66261" marR="66261" marT="33130" marB="33130" anchor="ctr">
                     <a:lnL w="3556" cap="flat" cmpd="sng" algn="ctr">
                       <a:solidFill>
                         <a:srgbClr val="000000"/>
@@ -10572,7 +10687,7 @@
                     <a:bodyPr/>
                     <a:lstStyle/>
                     <a:p>
-                      <a:pPr marL="0" marR="0" indent="0" algn="ctr" fontAlgn="base" latinLnBrk="0">
+                      <a:pPr marL="0" marR="0" algn="ctr">
                         <a:lnSpc>
                           <a:spcPct val="160000"/>
                         </a:lnSpc>
@@ -10583,15 +10698,16 @@
                           <a:spcPts val="0"/>
                         </a:spcAft>
                       </a:pPr>
-                      <a:endParaRPr lang="ko-KR" altLang="en-US" sz="1000" kern="0" spc="0">
+                      <a:endParaRPr lang="ko-KR" altLang="en-US" sz="1000" dirty="0">
                         <a:solidFill>
                           <a:srgbClr val="000000"/>
                         </a:solidFill>
-                        <a:effectLst/>
+                        <a:latin typeface="+mn-ea"/>
+                        <a:ea typeface="+mn-ea"/>
                       </a:endParaRPr>
                     </a:p>
                   </a:txBody>
-                  <a:tcPr marL="17907" marR="17907" marT="17907" marB="17907" anchor="ctr">
+                  <a:tcPr marL="66261" marR="66261" marT="33130" marB="33130" anchor="ctr">
                     <a:lnL w="3556" cap="flat" cmpd="sng" algn="ctr">
                       <a:solidFill>
                         <a:srgbClr val="000000"/>
@@ -10635,7 +10751,7 @@
                     <a:bodyPr/>
                     <a:lstStyle/>
                     <a:p>
-                      <a:pPr marL="0" marR="0" indent="0" algn="ctr" fontAlgn="base" latinLnBrk="0">
+                      <a:pPr marL="0" marR="0" algn="ctr">
                         <a:lnSpc>
                           <a:spcPct val="160000"/>
                         </a:lnSpc>
@@ -10647,24 +10763,18 @@
                         </a:spcAft>
                       </a:pPr>
                       <a:r>
-                        <a:rPr lang="ko-KR" altLang="en-US" sz="1000" kern="0" spc="0">
+                        <a:rPr lang="ko-KR" altLang="en-US" sz="1000" dirty="0">
                           <a:solidFill>
                             <a:srgbClr val="000000"/>
                           </a:solidFill>
-                          <a:effectLst/>
-                          <a:ea typeface="굴림체"/>
+                          <a:latin typeface="+mn-ea"/>
+                          <a:ea typeface="+mn-ea"/>
                         </a:rPr>
                         <a:t>손 위치 </a:t>
                       </a:r>
-                      <a:endParaRPr lang="ko-KR" altLang="en-US" sz="1000" kern="0" spc="0">
-                        <a:solidFill>
-                          <a:srgbClr val="000000"/>
-                        </a:solidFill>
-                        <a:effectLst/>
-                      </a:endParaRPr>
                     </a:p>
                     <a:p>
-                      <a:pPr marL="0" marR="0" indent="0" algn="ctr" fontAlgn="base" latinLnBrk="0">
+                      <a:pPr marL="0" marR="0" algn="ctr">
                         <a:lnSpc>
                           <a:spcPct val="160000"/>
                         </a:lnSpc>
@@ -10676,24 +10786,18 @@
                         </a:spcAft>
                       </a:pPr>
                       <a:r>
-                        <a:rPr lang="ko-KR" altLang="en-US" sz="1000" kern="0" spc="0">
+                        <a:rPr lang="ko-KR" altLang="en-US" sz="1000" dirty="0">
                           <a:solidFill>
                             <a:srgbClr val="000000"/>
                           </a:solidFill>
-                          <a:effectLst/>
-                          <a:ea typeface="굴림체"/>
+                          <a:latin typeface="+mn-ea"/>
+                          <a:ea typeface="+mn-ea"/>
                         </a:rPr>
                         <a:t>및 손가락 인식</a:t>
                       </a:r>
-                      <a:endParaRPr lang="ko-KR" altLang="en-US" sz="1000" kern="0" spc="0">
-                        <a:solidFill>
-                          <a:srgbClr val="000000"/>
-                        </a:solidFill>
-                        <a:effectLst/>
-                      </a:endParaRPr>
                     </a:p>
                   </a:txBody>
-                  <a:tcPr marL="17907" marR="17907" marT="17907" marB="17907" anchor="ctr">
+                  <a:tcPr marL="66261" marR="66261" marT="33130" marB="33130" anchor="ctr">
                     <a:lnL w="3556" cap="flat" cmpd="sng" algn="ctr">
                       <a:solidFill>
                         <a:srgbClr val="000000"/>
@@ -10733,13 +10837,13 @@
                   </a:tcPr>
                 </a:tc>
               </a:tr>
-              <a:tr h="243332">
+              <a:tr h="244072">
                 <a:tc>
                   <a:txBody>
                     <a:bodyPr/>
                     <a:lstStyle/>
                     <a:p>
-                      <a:pPr marL="0" marR="0" indent="0" algn="ctr" fontAlgn="base" latinLnBrk="0">
+                      <a:pPr marL="0" marR="0" algn="ctr">
                         <a:lnSpc>
                           <a:spcPct val="160000"/>
                         </a:lnSpc>
@@ -10751,24 +10855,25 @@
                         </a:spcAft>
                       </a:pPr>
                       <a:r>
-                        <a:rPr lang="en-US" sz="1000" b="1" kern="0" spc="0">
+                        <a:rPr lang="en-US" sz="1000" b="1">
                           <a:solidFill>
                             <a:srgbClr val="000000"/>
                           </a:solidFill>
-                          <a:effectLst/>
-                          <a:latin typeface="굴림체"/>
+                          <a:latin typeface="+mn-ea"/>
+                          <a:ea typeface="+mn-ea"/>
                         </a:rPr>
                         <a:t>4</a:t>
                       </a:r>
-                      <a:endParaRPr lang="en-US" sz="1000" kern="0" spc="0">
+                      <a:endParaRPr lang="en-US" sz="1000">
                         <a:solidFill>
                           <a:srgbClr val="000000"/>
                         </a:solidFill>
-                        <a:effectLst/>
+                        <a:latin typeface="+mn-ea"/>
+                        <a:ea typeface="+mn-ea"/>
                       </a:endParaRPr>
                     </a:p>
                   </a:txBody>
-                  <a:tcPr marL="17907" marR="17907" marT="17907" marB="17907" anchor="ctr">
+                  <a:tcPr marL="66261" marR="66261" marT="33130" marB="33130" anchor="ctr">
                     <a:lnL w="21590" cap="flat" cmpd="sng" algn="ctr">
                       <a:solidFill>
                         <a:srgbClr val="000000"/>
@@ -10812,7 +10917,7 @@
                     <a:bodyPr/>
                     <a:lstStyle/>
                     <a:p>
-                      <a:pPr marL="0" marR="0" indent="0" algn="ctr" fontAlgn="base" latinLnBrk="0">
+                      <a:pPr marL="0" marR="0" algn="ctr">
                         <a:lnSpc>
                           <a:spcPct val="160000"/>
                         </a:lnSpc>
@@ -10824,24 +10929,25 @@
                         </a:spcAft>
                       </a:pPr>
                       <a:r>
-                        <a:rPr lang="en-US" sz="1000" b="1" kern="0" spc="0" dirty="0">
+                        <a:rPr lang="en-US" sz="1000" b="1">
                           <a:solidFill>
                             <a:srgbClr val="000000"/>
                           </a:solidFill>
-                          <a:effectLst/>
-                          <a:latin typeface="굴림체"/>
+                          <a:latin typeface="+mn-ea"/>
+                          <a:ea typeface="+mn-ea"/>
                         </a:rPr>
                         <a:t>Demo(ver.3.0)</a:t>
                       </a:r>
-                      <a:endParaRPr lang="en-US" sz="1000" kern="0" spc="0" dirty="0">
+                      <a:endParaRPr lang="en-US" sz="1000">
                         <a:solidFill>
                           <a:srgbClr val="000000"/>
                         </a:solidFill>
-                        <a:effectLst/>
+                        <a:latin typeface="+mn-ea"/>
+                        <a:ea typeface="+mn-ea"/>
                       </a:endParaRPr>
                     </a:p>
                   </a:txBody>
-                  <a:tcPr marL="17907" marR="17907" marT="17907" marB="17907" anchor="ctr">
+                  <a:tcPr marL="66261" marR="66261" marT="33130" marB="33130" anchor="ctr">
                     <a:lnL w="3556" cap="flat" cmpd="sng" algn="ctr">
                       <a:solidFill>
                         <a:srgbClr val="000000"/>
@@ -10885,7 +10991,7 @@
                     <a:bodyPr/>
                     <a:lstStyle/>
                     <a:p>
-                      <a:pPr marL="0" marR="0" indent="0" algn="ctr" fontAlgn="base" latinLnBrk="0">
+                      <a:pPr marL="0" marR="0" algn="ctr">
                         <a:lnSpc>
                           <a:spcPct val="160000"/>
                         </a:lnSpc>
@@ -10896,15 +11002,16 @@
                           <a:spcPts val="0"/>
                         </a:spcAft>
                       </a:pPr>
-                      <a:endParaRPr lang="ko-KR" altLang="en-US" sz="1000" kern="0" spc="0">
+                      <a:endParaRPr lang="ko-KR" altLang="en-US" sz="1000">
                         <a:solidFill>
                           <a:srgbClr val="000000"/>
                         </a:solidFill>
-                        <a:effectLst/>
+                        <a:latin typeface="+mn-ea"/>
+                        <a:ea typeface="+mn-ea"/>
                       </a:endParaRPr>
                     </a:p>
                   </a:txBody>
-                  <a:tcPr marL="17907" marR="17907" marT="17907" marB="17907" anchor="ctr">
+                  <a:tcPr marL="66261" marR="66261" marT="33130" marB="33130" anchor="ctr">
                     <a:lnL w="3556" cap="flat" cmpd="sng" algn="ctr">
                       <a:solidFill>
                         <a:srgbClr val="000000"/>
@@ -10951,7 +11058,7 @@
                     <a:bodyPr/>
                     <a:lstStyle/>
                     <a:p>
-                      <a:pPr marL="0" marR="0" indent="0" algn="ctr" fontAlgn="base" latinLnBrk="0">
+                      <a:pPr marL="0" marR="0" algn="ctr">
                         <a:lnSpc>
                           <a:spcPct val="160000"/>
                         </a:lnSpc>
@@ -10962,15 +11069,16 @@
                           <a:spcPts val="0"/>
                         </a:spcAft>
                       </a:pPr>
-                      <a:endParaRPr lang="ko-KR" altLang="en-US" sz="1000" kern="0" spc="0">
+                      <a:endParaRPr lang="ko-KR" altLang="en-US" sz="1000">
                         <a:solidFill>
                           <a:srgbClr val="000000"/>
                         </a:solidFill>
-                        <a:effectLst/>
+                        <a:latin typeface="+mn-ea"/>
+                        <a:ea typeface="+mn-ea"/>
                       </a:endParaRPr>
                     </a:p>
                   </a:txBody>
-                  <a:tcPr marL="17907" marR="17907" marT="17907" marB="17907" anchor="ctr">
+                  <a:tcPr marL="66261" marR="66261" marT="33130" marB="33130" anchor="ctr">
                     <a:lnL w="3556" cap="flat" cmpd="sng" algn="ctr">
                       <a:solidFill>
                         <a:srgbClr val="000000"/>
@@ -11017,7 +11125,7 @@
                     <a:bodyPr/>
                     <a:lstStyle/>
                     <a:p>
-                      <a:pPr marL="0" marR="0" indent="0" algn="ctr" fontAlgn="base" latinLnBrk="0">
+                      <a:pPr marL="0" marR="0" algn="ctr">
                         <a:lnSpc>
                           <a:spcPct val="160000"/>
                         </a:lnSpc>
@@ -11028,15 +11136,16 @@
                           <a:spcPts val="0"/>
                         </a:spcAft>
                       </a:pPr>
-                      <a:endParaRPr lang="ko-KR" altLang="en-US" sz="1000" kern="0" spc="0">
+                      <a:endParaRPr lang="ko-KR" altLang="en-US" sz="1000">
                         <a:solidFill>
                           <a:srgbClr val="000000"/>
                         </a:solidFill>
-                        <a:effectLst/>
+                        <a:latin typeface="+mn-ea"/>
+                        <a:ea typeface="+mn-ea"/>
                       </a:endParaRPr>
                     </a:p>
                   </a:txBody>
-                  <a:tcPr marL="17907" marR="17907" marT="17907" marB="17907" anchor="ctr">
+                  <a:tcPr marL="66261" marR="66261" marT="33130" marB="33130" anchor="ctr">
                     <a:lnL w="3556" cap="flat" cmpd="sng" algn="ctr">
                       <a:solidFill>
                         <a:srgbClr val="000000"/>
@@ -11080,7 +11189,7 @@
                     <a:bodyPr/>
                     <a:lstStyle/>
                     <a:p>
-                      <a:pPr marL="0" marR="0" indent="0" algn="ctr" fontAlgn="base" latinLnBrk="0">
+                      <a:pPr marL="0" marR="0" algn="ctr">
                         <a:lnSpc>
                           <a:spcPct val="160000"/>
                         </a:lnSpc>
@@ -11091,15 +11200,16 @@
                           <a:spcPts val="0"/>
                         </a:spcAft>
                       </a:pPr>
-                      <a:endParaRPr lang="ko-KR" altLang="en-US" sz="1000" kern="0" spc="0">
+                      <a:endParaRPr lang="ko-KR" altLang="en-US" sz="1000">
                         <a:solidFill>
                           <a:srgbClr val="000000"/>
                         </a:solidFill>
-                        <a:effectLst/>
+                        <a:latin typeface="+mn-ea"/>
+                        <a:ea typeface="+mn-ea"/>
                       </a:endParaRPr>
                     </a:p>
                   </a:txBody>
-                  <a:tcPr marL="17907" marR="17907" marT="17907" marB="17907" anchor="ctr">
+                  <a:tcPr marL="66261" marR="66261" marT="33130" marB="33130" anchor="ctr">
                     <a:lnL w="3556" cap="flat" cmpd="sng" algn="ctr">
                       <a:solidFill>
                         <a:srgbClr val="000000"/>
@@ -11143,7 +11253,7 @@
                     <a:bodyPr/>
                     <a:lstStyle/>
                     <a:p>
-                      <a:pPr marL="0" marR="0" indent="0" algn="ctr" fontAlgn="base" latinLnBrk="0">
+                      <a:pPr marL="0" marR="0" algn="ctr">
                         <a:lnSpc>
                           <a:spcPct val="160000"/>
                         </a:lnSpc>
@@ -11154,15 +11264,16 @@
                           <a:spcPts val="0"/>
                         </a:spcAft>
                       </a:pPr>
-                      <a:endParaRPr lang="ko-KR" altLang="en-US" sz="1000" kern="0" spc="0">
+                      <a:endParaRPr lang="ko-KR" altLang="en-US" sz="1000">
                         <a:solidFill>
                           <a:srgbClr val="000000"/>
                         </a:solidFill>
-                        <a:effectLst/>
+                        <a:latin typeface="+mn-ea"/>
+                        <a:ea typeface="+mn-ea"/>
                       </a:endParaRPr>
                     </a:p>
                   </a:txBody>
-                  <a:tcPr marL="17907" marR="17907" marT="17907" marB="17907" anchor="ctr">
+                  <a:tcPr marL="66261" marR="66261" marT="33130" marB="33130" anchor="ctr">
                     <a:lnL w="3556" cap="flat" cmpd="sng" algn="ctr">
                       <a:solidFill>
                         <a:srgbClr val="000000"/>
@@ -11209,7 +11320,7 @@
                     <a:bodyPr/>
                     <a:lstStyle/>
                     <a:p>
-                      <a:pPr marL="0" marR="0" indent="0" algn="ctr" fontAlgn="base" latinLnBrk="0">
+                      <a:pPr marL="0" marR="0" algn="ctr">
                         <a:lnSpc>
                           <a:spcPct val="160000"/>
                         </a:lnSpc>
@@ -11220,15 +11331,16 @@
                           <a:spcPts val="0"/>
                         </a:spcAft>
                       </a:pPr>
-                      <a:endParaRPr lang="ko-KR" altLang="en-US" sz="1000" kern="0" spc="0">
+                      <a:endParaRPr lang="ko-KR" altLang="en-US" sz="1000">
                         <a:solidFill>
                           <a:srgbClr val="000000"/>
                         </a:solidFill>
-                        <a:effectLst/>
+                        <a:latin typeface="+mn-ea"/>
+                        <a:ea typeface="+mn-ea"/>
                       </a:endParaRPr>
                     </a:p>
                   </a:txBody>
-                  <a:tcPr marL="17907" marR="17907" marT="17907" marB="17907" anchor="ctr">
+                  <a:tcPr marL="66261" marR="66261" marT="33130" marB="33130" anchor="ctr">
                     <a:lnL w="3556" cap="flat" cmpd="sng" algn="ctr">
                       <a:solidFill>
                         <a:srgbClr val="000000"/>
@@ -11275,7 +11387,7 @@
                     <a:bodyPr/>
                     <a:lstStyle/>
                     <a:p>
-                      <a:pPr marL="0" marR="0" indent="0" algn="ctr" fontAlgn="base" latinLnBrk="0">
+                      <a:pPr marL="0" marR="0" algn="ctr">
                         <a:lnSpc>
                           <a:spcPct val="160000"/>
                         </a:lnSpc>
@@ -11286,15 +11398,16 @@
                           <a:spcPts val="0"/>
                         </a:spcAft>
                       </a:pPr>
-                      <a:endParaRPr lang="ko-KR" altLang="en-US" sz="1000" kern="0" spc="0">
+                      <a:endParaRPr lang="ko-KR" altLang="en-US" sz="1000">
                         <a:solidFill>
                           <a:srgbClr val="000000"/>
                         </a:solidFill>
-                        <a:effectLst/>
+                        <a:latin typeface="+mn-ea"/>
+                        <a:ea typeface="+mn-ea"/>
                       </a:endParaRPr>
                     </a:p>
                   </a:txBody>
-                  <a:tcPr marL="17907" marR="17907" marT="17907" marB="17907" anchor="ctr">
+                  <a:tcPr marL="66261" marR="66261" marT="33130" marB="33130" anchor="ctr">
                     <a:lnL w="3556" cap="flat" cmpd="sng" algn="ctr">
                       <a:solidFill>
                         <a:srgbClr val="000000"/>
@@ -11341,7 +11454,7 @@
                     <a:bodyPr/>
                     <a:lstStyle/>
                     <a:p>
-                      <a:pPr marL="0" marR="0" indent="0" algn="ctr" fontAlgn="base" latinLnBrk="0">
+                      <a:pPr marL="0" marR="0" algn="ctr">
                         <a:lnSpc>
                           <a:spcPct val="160000"/>
                         </a:lnSpc>
@@ -11352,15 +11465,16 @@
                           <a:spcPts val="0"/>
                         </a:spcAft>
                       </a:pPr>
-                      <a:endParaRPr lang="ko-KR" altLang="en-US" sz="1000" kern="0" spc="0">
+                      <a:endParaRPr lang="ko-KR" altLang="en-US" sz="1000">
                         <a:solidFill>
                           <a:srgbClr val="000000"/>
                         </a:solidFill>
-                        <a:effectLst/>
+                        <a:latin typeface="+mn-ea"/>
+                        <a:ea typeface="+mn-ea"/>
                       </a:endParaRPr>
                     </a:p>
                   </a:txBody>
-                  <a:tcPr marL="17907" marR="17907" marT="17907" marB="17907" anchor="ctr">
+                  <a:tcPr marL="66261" marR="66261" marT="33130" marB="33130" anchor="ctr">
                     <a:lnL w="3556" cap="flat" cmpd="sng" algn="ctr">
                       <a:solidFill>
                         <a:srgbClr val="000000"/>
@@ -11404,7 +11518,7 @@
                     <a:bodyPr/>
                     <a:lstStyle/>
                     <a:p>
-                      <a:pPr marL="0" marR="0" indent="0" algn="ctr" fontAlgn="base" latinLnBrk="0">
+                      <a:pPr marL="0" marR="0" algn="ctr">
                         <a:lnSpc>
                           <a:spcPct val="160000"/>
                         </a:lnSpc>
@@ -11415,15 +11529,16 @@
                           <a:spcPts val="0"/>
                         </a:spcAft>
                       </a:pPr>
-                      <a:endParaRPr lang="ko-KR" altLang="en-US" sz="1000" kern="0" spc="0">
+                      <a:endParaRPr lang="ko-KR" altLang="en-US" sz="1000">
                         <a:solidFill>
                           <a:srgbClr val="000000"/>
                         </a:solidFill>
-                        <a:effectLst/>
+                        <a:latin typeface="+mn-ea"/>
+                        <a:ea typeface="+mn-ea"/>
                       </a:endParaRPr>
                     </a:p>
                   </a:txBody>
-                  <a:tcPr marL="17907" marR="17907" marT="17907" marB="17907" anchor="ctr">
+                  <a:tcPr marL="66261" marR="66261" marT="33130" marB="33130" anchor="ctr">
                     <a:lnL w="3556" cap="flat" cmpd="sng" algn="ctr">
                       <a:solidFill>
                         <a:srgbClr val="000000"/>
@@ -11467,7 +11582,7 @@
                     <a:bodyPr/>
                     <a:lstStyle/>
                     <a:p>
-                      <a:pPr marL="0" marR="0" indent="0" algn="ctr" fontAlgn="base" latinLnBrk="0">
+                      <a:pPr marL="0" marR="0" algn="ctr">
                         <a:lnSpc>
                           <a:spcPct val="160000"/>
                         </a:lnSpc>
@@ -11478,15 +11593,16 @@
                           <a:spcPts val="0"/>
                         </a:spcAft>
                       </a:pPr>
-                      <a:endParaRPr lang="ko-KR" altLang="en-US" sz="1000" kern="0" spc="0">
+                      <a:endParaRPr lang="ko-KR" altLang="en-US" sz="1000">
                         <a:solidFill>
                           <a:srgbClr val="000000"/>
                         </a:solidFill>
-                        <a:effectLst/>
+                        <a:latin typeface="+mn-ea"/>
+                        <a:ea typeface="+mn-ea"/>
                       </a:endParaRPr>
                     </a:p>
                   </a:txBody>
-                  <a:tcPr marL="17907" marR="17907" marT="17907" marB="17907" anchor="ctr">
+                  <a:tcPr marL="66261" marR="66261" marT="33130" marB="33130" anchor="ctr">
                     <a:lnL w="3556" cap="flat" cmpd="sng" algn="ctr">
                       <a:solidFill>
                         <a:srgbClr val="000000"/>
@@ -11530,7 +11646,7 @@
                     <a:bodyPr/>
                     <a:lstStyle/>
                     <a:p>
-                      <a:pPr marL="0" marR="0" indent="0" algn="ctr" fontAlgn="base" latinLnBrk="0">
+                      <a:pPr marL="0" marR="0" algn="ctr">
                         <a:lnSpc>
                           <a:spcPct val="160000"/>
                         </a:lnSpc>
@@ -11541,15 +11657,16 @@
                           <a:spcPts val="0"/>
                         </a:spcAft>
                       </a:pPr>
-                      <a:endParaRPr lang="ko-KR" altLang="en-US" sz="1000" kern="0" spc="0">
+                      <a:endParaRPr lang="ko-KR" altLang="en-US" sz="1000" dirty="0">
                         <a:solidFill>
                           <a:srgbClr val="000000"/>
                         </a:solidFill>
-                        <a:effectLst/>
+                        <a:latin typeface="+mn-ea"/>
+                        <a:ea typeface="+mn-ea"/>
                       </a:endParaRPr>
                     </a:p>
                   </a:txBody>
-                  <a:tcPr marL="17907" marR="17907" marT="17907" marB="17907" anchor="ctr">
+                  <a:tcPr marL="66261" marR="66261" marT="33130" marB="33130" anchor="ctr">
                     <a:lnL w="3556" cap="flat" cmpd="sng" algn="ctr">
                       <a:solidFill>
                         <a:srgbClr val="000000"/>
@@ -11593,7 +11710,7 @@
                     <a:bodyPr/>
                     <a:lstStyle/>
                     <a:p>
-                      <a:pPr marL="0" marR="0" indent="0" algn="ctr" fontAlgn="base" latinLnBrk="0">
+                      <a:pPr marL="0" marR="0" algn="ctr">
                         <a:lnSpc>
                           <a:spcPct val="160000"/>
                         </a:lnSpc>
@@ -11604,15 +11721,16 @@
                           <a:spcPts val="0"/>
                         </a:spcAft>
                       </a:pPr>
-                      <a:endParaRPr lang="ko-KR" altLang="en-US" sz="1000" kern="0" spc="0">
+                      <a:endParaRPr lang="ko-KR" altLang="en-US" sz="1000" dirty="0">
                         <a:solidFill>
                           <a:srgbClr val="000000"/>
                         </a:solidFill>
-                        <a:effectLst/>
+                        <a:latin typeface="+mn-ea"/>
+                        <a:ea typeface="+mn-ea"/>
                       </a:endParaRPr>
                     </a:p>
                   </a:txBody>
-                  <a:tcPr marL="17907" marR="17907" marT="17907" marB="17907" anchor="ctr">
+                  <a:tcPr marL="66261" marR="66261" marT="33130" marB="33130" anchor="ctr">
                     <a:lnL w="3556" cap="flat" cmpd="sng" algn="ctr">
                       <a:solidFill>
                         <a:srgbClr val="000000"/>
@@ -11656,7 +11774,7 @@
                     <a:bodyPr/>
                     <a:lstStyle/>
                     <a:p>
-                      <a:pPr marL="0" marR="0" indent="0" algn="ctr" fontAlgn="base" latinLnBrk="0">
+                      <a:pPr marL="0" marR="0" algn="ctr">
                         <a:lnSpc>
                           <a:spcPct val="160000"/>
                         </a:lnSpc>
@@ -11668,24 +11786,18 @@
                         </a:spcAft>
                       </a:pPr>
                       <a:r>
-                        <a:rPr lang="ko-KR" altLang="en-US" sz="1000" kern="0" spc="0">
+                        <a:rPr lang="ko-KR" altLang="en-US" sz="1000" dirty="0">
                           <a:solidFill>
                             <a:srgbClr val="000000"/>
                           </a:solidFill>
-                          <a:effectLst/>
-                          <a:ea typeface="굴림체"/>
+                          <a:latin typeface="+mn-ea"/>
+                          <a:ea typeface="+mn-ea"/>
                         </a:rPr>
                         <a:t>특정 제스처 검출</a:t>
                       </a:r>
-                      <a:endParaRPr lang="ko-KR" altLang="en-US" sz="1000" kern="0" spc="0">
-                        <a:solidFill>
-                          <a:srgbClr val="000000"/>
-                        </a:solidFill>
-                        <a:effectLst/>
-                      </a:endParaRPr>
                     </a:p>
                   </a:txBody>
-                  <a:tcPr marL="17907" marR="17907" marT="17907" marB="17907" anchor="ctr">
+                  <a:tcPr marL="66261" marR="66261" marT="33130" marB="33130" anchor="ctr">
                     <a:lnL w="3556" cap="flat" cmpd="sng" algn="ctr">
                       <a:solidFill>
                         <a:srgbClr val="000000"/>
@@ -11725,13 +11837,13 @@
                   </a:tcPr>
                 </a:tc>
               </a:tr>
-              <a:tr h="243332">
+              <a:tr h="607946">
                 <a:tc>
                   <a:txBody>
                     <a:bodyPr/>
                     <a:lstStyle/>
                     <a:p>
-                      <a:pPr marL="0" marR="0" indent="0" algn="ctr" fontAlgn="base" latinLnBrk="0">
+                      <a:pPr marL="0" marR="0" algn="ctr">
                         <a:lnSpc>
                           <a:spcPct val="160000"/>
                         </a:lnSpc>
@@ -11743,24 +11855,25 @@
                         </a:spcAft>
                       </a:pPr>
                       <a:r>
-                        <a:rPr lang="en-US" sz="1000" b="1" kern="0" spc="0">
+                        <a:rPr lang="en-US" sz="1000" b="1">
                           <a:solidFill>
                             <a:srgbClr val="000000"/>
                           </a:solidFill>
-                          <a:effectLst/>
-                          <a:latin typeface="굴림체"/>
+                          <a:latin typeface="+mn-ea"/>
+                          <a:ea typeface="+mn-ea"/>
                         </a:rPr>
                         <a:t>5</a:t>
                       </a:r>
-                      <a:endParaRPr lang="en-US" sz="1000" kern="0" spc="0">
+                      <a:endParaRPr lang="en-US" sz="1000">
                         <a:solidFill>
                           <a:srgbClr val="000000"/>
                         </a:solidFill>
-                        <a:effectLst/>
+                        <a:latin typeface="+mn-ea"/>
+                        <a:ea typeface="+mn-ea"/>
                       </a:endParaRPr>
                     </a:p>
                   </a:txBody>
-                  <a:tcPr marL="17907" marR="17907" marT="17907" marB="17907" anchor="ctr">
+                  <a:tcPr marL="66261" marR="66261" marT="33130" marB="33130" anchor="ctr">
                     <a:lnL w="21590" cap="flat" cmpd="sng" algn="ctr">
                       <a:solidFill>
                         <a:srgbClr val="000000"/>
@@ -11804,7 +11917,7 @@
                     <a:bodyPr/>
                     <a:lstStyle/>
                     <a:p>
-                      <a:pPr marL="0" marR="0" indent="0" algn="ctr" fontAlgn="base" latinLnBrk="0">
+                      <a:pPr marL="0" marR="0" algn="ctr">
                         <a:lnSpc>
                           <a:spcPct val="160000"/>
                         </a:lnSpc>
@@ -11816,24 +11929,25 @@
                         </a:spcAft>
                       </a:pPr>
                       <a:r>
-                        <a:rPr lang="en-US" sz="1000" b="1" kern="0" spc="0" dirty="0">
+                        <a:rPr lang="en-US" sz="1000" b="1">
                           <a:solidFill>
                             <a:srgbClr val="000000"/>
                           </a:solidFill>
-                          <a:effectLst/>
-                          <a:latin typeface="굴림체"/>
+                          <a:latin typeface="+mn-ea"/>
+                          <a:ea typeface="+mn-ea"/>
                         </a:rPr>
                         <a:t>DSLR(ver.1.0)</a:t>
                       </a:r>
-                      <a:endParaRPr lang="en-US" sz="1000" kern="0" spc="0" dirty="0">
+                      <a:endParaRPr lang="en-US" sz="1000">
                         <a:solidFill>
                           <a:srgbClr val="000000"/>
                         </a:solidFill>
-                        <a:effectLst/>
+                        <a:latin typeface="+mn-ea"/>
+                        <a:ea typeface="+mn-ea"/>
                       </a:endParaRPr>
                     </a:p>
                   </a:txBody>
-                  <a:tcPr marL="17907" marR="17907" marT="17907" marB="17907" anchor="ctr">
+                  <a:tcPr marL="66261" marR="66261" marT="33130" marB="33130" anchor="ctr">
                     <a:lnL w="3556" cap="flat" cmpd="sng" algn="ctr">
                       <a:solidFill>
                         <a:srgbClr val="000000"/>
@@ -11877,7 +11991,7 @@
                     <a:bodyPr/>
                     <a:lstStyle/>
                     <a:p>
-                      <a:pPr marL="0" marR="0" indent="0" algn="ctr" fontAlgn="base" latinLnBrk="0">
+                      <a:pPr marL="0" marR="0" algn="ctr">
                         <a:lnSpc>
                           <a:spcPct val="160000"/>
                         </a:lnSpc>
@@ -11888,15 +12002,16 @@
                           <a:spcPts val="0"/>
                         </a:spcAft>
                       </a:pPr>
-                      <a:endParaRPr lang="ko-KR" altLang="en-US" sz="1000" kern="0" spc="0">
+                      <a:endParaRPr lang="ko-KR" altLang="en-US" sz="1000">
                         <a:solidFill>
                           <a:srgbClr val="000000"/>
                         </a:solidFill>
-                        <a:effectLst/>
+                        <a:latin typeface="+mn-ea"/>
+                        <a:ea typeface="+mn-ea"/>
                       </a:endParaRPr>
                     </a:p>
                   </a:txBody>
-                  <a:tcPr marL="17907" marR="17907" marT="17907" marB="17907" anchor="ctr">
+                  <a:tcPr marL="66261" marR="66261" marT="33130" marB="33130" anchor="ctr">
                     <a:lnL w="3556" cap="flat" cmpd="sng" algn="ctr">
                       <a:solidFill>
                         <a:srgbClr val="000000"/>
@@ -11940,7 +12055,7 @@
                     <a:bodyPr/>
                     <a:lstStyle/>
                     <a:p>
-                      <a:pPr marL="0" marR="0" indent="0" algn="ctr" fontAlgn="base" latinLnBrk="0">
+                      <a:pPr marL="0" marR="0" algn="ctr">
                         <a:lnSpc>
                           <a:spcPct val="160000"/>
                         </a:lnSpc>
@@ -11951,15 +12066,16 @@
                           <a:spcPts val="0"/>
                         </a:spcAft>
                       </a:pPr>
-                      <a:endParaRPr lang="ko-KR" altLang="en-US" sz="1000" kern="0" spc="0">
+                      <a:endParaRPr lang="ko-KR" altLang="en-US" sz="1000">
                         <a:solidFill>
                           <a:srgbClr val="000000"/>
                         </a:solidFill>
-                        <a:effectLst/>
+                        <a:latin typeface="+mn-ea"/>
+                        <a:ea typeface="+mn-ea"/>
                       </a:endParaRPr>
                     </a:p>
                   </a:txBody>
-                  <a:tcPr marL="17907" marR="17907" marT="17907" marB="17907" anchor="ctr">
+                  <a:tcPr marL="66261" marR="66261" marT="33130" marB="33130" anchor="ctr">
                     <a:lnL w="3556" cap="flat" cmpd="sng" algn="ctr">
                       <a:solidFill>
                         <a:srgbClr val="000000"/>
@@ -12003,7 +12119,7 @@
                     <a:bodyPr/>
                     <a:lstStyle/>
                     <a:p>
-                      <a:pPr marL="0" marR="0" indent="0" algn="ctr" fontAlgn="base" latinLnBrk="0">
+                      <a:pPr marL="0" marR="0" algn="ctr">
                         <a:lnSpc>
                           <a:spcPct val="160000"/>
                         </a:lnSpc>
@@ -12014,15 +12130,16 @@
                           <a:spcPts val="0"/>
                         </a:spcAft>
                       </a:pPr>
-                      <a:endParaRPr lang="ko-KR" altLang="en-US" sz="1000" kern="0" spc="0">
+                      <a:endParaRPr lang="ko-KR" altLang="en-US" sz="1000">
                         <a:solidFill>
                           <a:srgbClr val="000000"/>
                         </a:solidFill>
-                        <a:effectLst/>
+                        <a:latin typeface="+mn-ea"/>
+                        <a:ea typeface="+mn-ea"/>
                       </a:endParaRPr>
                     </a:p>
                   </a:txBody>
-                  <a:tcPr marL="17907" marR="17907" marT="17907" marB="17907" anchor="ctr">
+                  <a:tcPr marL="66261" marR="66261" marT="33130" marB="33130" anchor="ctr">
                     <a:lnL w="3556" cap="flat" cmpd="sng" algn="ctr">
                       <a:solidFill>
                         <a:srgbClr val="000000"/>
@@ -12066,7 +12183,7 @@
                     <a:bodyPr/>
                     <a:lstStyle/>
                     <a:p>
-                      <a:pPr marL="0" marR="0" indent="0" algn="ctr" fontAlgn="base" latinLnBrk="0">
+                      <a:pPr marL="0" marR="0" algn="ctr">
                         <a:lnSpc>
                           <a:spcPct val="160000"/>
                         </a:lnSpc>
@@ -12077,15 +12194,16 @@
                           <a:spcPts val="0"/>
                         </a:spcAft>
                       </a:pPr>
-                      <a:endParaRPr lang="ko-KR" altLang="en-US" sz="1000" kern="0" spc="0">
+                      <a:endParaRPr lang="ko-KR" altLang="en-US" sz="1000">
                         <a:solidFill>
                           <a:srgbClr val="000000"/>
                         </a:solidFill>
-                        <a:effectLst/>
+                        <a:latin typeface="+mn-ea"/>
+                        <a:ea typeface="+mn-ea"/>
                       </a:endParaRPr>
                     </a:p>
                   </a:txBody>
-                  <a:tcPr marL="17907" marR="17907" marT="17907" marB="17907" anchor="ctr">
+                  <a:tcPr marL="66261" marR="66261" marT="33130" marB="33130" anchor="ctr">
                     <a:lnL w="3556" cap="flat" cmpd="sng" algn="ctr">
                       <a:solidFill>
                         <a:srgbClr val="000000"/>
@@ -12129,7 +12247,7 @@
                     <a:bodyPr/>
                     <a:lstStyle/>
                     <a:p>
-                      <a:pPr marL="0" marR="0" indent="0" algn="ctr" fontAlgn="base" latinLnBrk="0">
+                      <a:pPr marL="0" marR="0" algn="ctr">
                         <a:lnSpc>
                           <a:spcPct val="160000"/>
                         </a:lnSpc>
@@ -12140,15 +12258,16 @@
                           <a:spcPts val="0"/>
                         </a:spcAft>
                       </a:pPr>
-                      <a:endParaRPr lang="ko-KR" altLang="en-US" sz="1000" kern="0" spc="0">
+                      <a:endParaRPr lang="ko-KR" altLang="en-US" sz="1000">
                         <a:solidFill>
                           <a:srgbClr val="000000"/>
                         </a:solidFill>
-                        <a:effectLst/>
+                        <a:latin typeface="+mn-ea"/>
+                        <a:ea typeface="+mn-ea"/>
                       </a:endParaRPr>
                     </a:p>
                   </a:txBody>
-                  <a:tcPr marL="17907" marR="17907" marT="17907" marB="17907" anchor="ctr">
+                  <a:tcPr marL="66261" marR="66261" marT="33130" marB="33130" anchor="ctr">
                     <a:lnL w="3556" cap="flat" cmpd="sng" algn="ctr">
                       <a:solidFill>
                         <a:srgbClr val="000000"/>
@@ -12192,7 +12311,7 @@
                     <a:bodyPr/>
                     <a:lstStyle/>
                     <a:p>
-                      <a:pPr marL="0" marR="0" indent="0" algn="ctr" fontAlgn="base" latinLnBrk="0">
+                      <a:pPr marL="0" marR="0" algn="ctr">
                         <a:lnSpc>
                           <a:spcPct val="160000"/>
                         </a:lnSpc>
@@ -12203,15 +12322,16 @@
                           <a:spcPts val="0"/>
                         </a:spcAft>
                       </a:pPr>
-                      <a:endParaRPr lang="ko-KR" altLang="en-US" sz="1000" kern="0" spc="0">
+                      <a:endParaRPr lang="ko-KR" altLang="en-US" sz="1000">
                         <a:solidFill>
                           <a:srgbClr val="000000"/>
                         </a:solidFill>
-                        <a:effectLst/>
+                        <a:latin typeface="+mn-ea"/>
+                        <a:ea typeface="+mn-ea"/>
                       </a:endParaRPr>
                     </a:p>
                   </a:txBody>
-                  <a:tcPr marL="17907" marR="17907" marT="17907" marB="17907" anchor="ctr">
+                  <a:tcPr marL="66261" marR="66261" marT="33130" marB="33130" anchor="ctr">
                     <a:lnL w="3556" cap="flat" cmpd="sng" algn="ctr">
                       <a:solidFill>
                         <a:srgbClr val="000000"/>
@@ -12255,7 +12375,7 @@
                     <a:bodyPr/>
                     <a:lstStyle/>
                     <a:p>
-                      <a:pPr marL="0" marR="0" indent="0" algn="ctr" fontAlgn="base" latinLnBrk="0">
+                      <a:pPr marL="0" marR="0" algn="ctr">
                         <a:lnSpc>
                           <a:spcPct val="160000"/>
                         </a:lnSpc>
@@ -12266,15 +12386,16 @@
                           <a:spcPts val="0"/>
                         </a:spcAft>
                       </a:pPr>
-                      <a:endParaRPr lang="ko-KR" altLang="en-US" sz="1000" kern="0" spc="0">
+                      <a:endParaRPr lang="ko-KR" altLang="en-US" sz="1000">
                         <a:solidFill>
                           <a:srgbClr val="000000"/>
                         </a:solidFill>
-                        <a:effectLst/>
+                        <a:latin typeface="+mn-ea"/>
+                        <a:ea typeface="+mn-ea"/>
                       </a:endParaRPr>
                     </a:p>
                   </a:txBody>
-                  <a:tcPr marL="17907" marR="17907" marT="17907" marB="17907" anchor="ctr">
+                  <a:tcPr marL="66261" marR="66261" marT="33130" marB="33130" anchor="ctr">
                     <a:lnL w="3556" cap="flat" cmpd="sng" algn="ctr">
                       <a:solidFill>
                         <a:srgbClr val="000000"/>
@@ -12318,7 +12439,7 @@
                     <a:bodyPr/>
                     <a:lstStyle/>
                     <a:p>
-                      <a:pPr marL="0" marR="0" indent="0" algn="ctr" fontAlgn="base" latinLnBrk="0">
+                      <a:pPr marL="0" marR="0" algn="ctr">
                         <a:lnSpc>
                           <a:spcPct val="160000"/>
                         </a:lnSpc>
@@ -12329,15 +12450,16 @@
                           <a:spcPts val="0"/>
                         </a:spcAft>
                       </a:pPr>
-                      <a:endParaRPr lang="ko-KR" altLang="en-US" sz="1000" kern="0" spc="0">
+                      <a:endParaRPr lang="ko-KR" altLang="en-US" sz="1000">
                         <a:solidFill>
                           <a:srgbClr val="000000"/>
                         </a:solidFill>
-                        <a:effectLst/>
+                        <a:latin typeface="+mn-ea"/>
+                        <a:ea typeface="+mn-ea"/>
                       </a:endParaRPr>
                     </a:p>
                   </a:txBody>
-                  <a:tcPr marL="17907" marR="17907" marT="17907" marB="17907" anchor="ctr">
+                  <a:tcPr marL="66261" marR="66261" marT="33130" marB="33130" anchor="ctr">
                     <a:lnL w="3556" cap="flat" cmpd="sng" algn="ctr">
                       <a:solidFill>
                         <a:srgbClr val="000000"/>
@@ -12384,7 +12506,7 @@
                     <a:bodyPr/>
                     <a:lstStyle/>
                     <a:p>
-                      <a:pPr marL="0" marR="0" indent="0" algn="ctr" fontAlgn="base" latinLnBrk="0">
+                      <a:pPr marL="0" marR="0" algn="ctr">
                         <a:lnSpc>
                           <a:spcPct val="160000"/>
                         </a:lnSpc>
@@ -12395,15 +12517,16 @@
                           <a:spcPts val="0"/>
                         </a:spcAft>
                       </a:pPr>
-                      <a:endParaRPr lang="ko-KR" altLang="en-US" sz="1000" kern="0" spc="0">
+                      <a:endParaRPr lang="ko-KR" altLang="en-US" sz="1000">
                         <a:solidFill>
                           <a:srgbClr val="000000"/>
                         </a:solidFill>
-                        <a:effectLst/>
+                        <a:latin typeface="+mn-ea"/>
+                        <a:ea typeface="+mn-ea"/>
                       </a:endParaRPr>
                     </a:p>
                   </a:txBody>
-                  <a:tcPr marL="17907" marR="17907" marT="17907" marB="17907" anchor="ctr">
+                  <a:tcPr marL="66261" marR="66261" marT="33130" marB="33130" anchor="ctr">
                     <a:lnL w="3556" cap="flat" cmpd="sng" algn="ctr">
                       <a:solidFill>
                         <a:srgbClr val="000000"/>
@@ -12450,7 +12573,7 @@
                     <a:bodyPr/>
                     <a:lstStyle/>
                     <a:p>
-                      <a:pPr marL="0" marR="0" indent="0" algn="ctr" fontAlgn="base" latinLnBrk="0">
+                      <a:pPr marL="0" marR="0" algn="ctr">
                         <a:lnSpc>
                           <a:spcPct val="160000"/>
                         </a:lnSpc>
@@ -12461,15 +12584,16 @@
                           <a:spcPts val="0"/>
                         </a:spcAft>
                       </a:pPr>
-                      <a:endParaRPr lang="ko-KR" altLang="en-US" sz="1000" kern="0" spc="0">
+                      <a:endParaRPr lang="ko-KR" altLang="en-US" sz="1000">
                         <a:solidFill>
                           <a:srgbClr val="000000"/>
                         </a:solidFill>
-                        <a:effectLst/>
+                        <a:latin typeface="+mn-ea"/>
+                        <a:ea typeface="+mn-ea"/>
                       </a:endParaRPr>
                     </a:p>
                   </a:txBody>
-                  <a:tcPr marL="17907" marR="17907" marT="17907" marB="17907" anchor="ctr">
+                  <a:tcPr marL="66261" marR="66261" marT="33130" marB="33130" anchor="ctr">
                     <a:lnL w="3556" cap="flat" cmpd="sng" algn="ctr">
                       <a:solidFill>
                         <a:srgbClr val="000000"/>
@@ -12516,7 +12640,7 @@
                     <a:bodyPr/>
                     <a:lstStyle/>
                     <a:p>
-                      <a:pPr marL="0" marR="0" indent="0" algn="ctr" fontAlgn="base" latinLnBrk="0">
+                      <a:pPr marL="0" marR="0" algn="ctr">
                         <a:lnSpc>
                           <a:spcPct val="160000"/>
                         </a:lnSpc>
@@ -12527,15 +12651,16 @@
                           <a:spcPts val="0"/>
                         </a:spcAft>
                       </a:pPr>
-                      <a:endParaRPr lang="ko-KR" altLang="en-US" sz="1000" kern="0" spc="0">
+                      <a:endParaRPr lang="ko-KR" altLang="en-US" sz="1000">
                         <a:solidFill>
                           <a:srgbClr val="000000"/>
                         </a:solidFill>
-                        <a:effectLst/>
+                        <a:latin typeface="+mn-ea"/>
+                        <a:ea typeface="+mn-ea"/>
                       </a:endParaRPr>
                     </a:p>
                   </a:txBody>
-                  <a:tcPr marL="17907" marR="17907" marT="17907" marB="17907" anchor="ctr">
+                  <a:tcPr marL="66261" marR="66261" marT="33130" marB="33130" anchor="ctr">
                     <a:lnL w="3556" cap="flat" cmpd="sng" algn="ctr">
                       <a:solidFill>
                         <a:srgbClr val="000000"/>
@@ -12582,7 +12707,7 @@
                     <a:bodyPr/>
                     <a:lstStyle/>
                     <a:p>
-                      <a:pPr marL="0" marR="0" indent="0" algn="ctr" fontAlgn="base" latinLnBrk="0">
+                      <a:pPr marL="0" marR="0" algn="ctr">
                         <a:lnSpc>
                           <a:spcPct val="160000"/>
                         </a:lnSpc>
@@ -12593,15 +12718,16 @@
                           <a:spcPts val="0"/>
                         </a:spcAft>
                       </a:pPr>
-                      <a:endParaRPr lang="ko-KR" altLang="en-US" sz="1000" kern="0" spc="0">
+                      <a:endParaRPr lang="ko-KR" altLang="en-US" sz="1000" dirty="0">
                         <a:solidFill>
                           <a:srgbClr val="000000"/>
                         </a:solidFill>
-                        <a:effectLst/>
+                        <a:latin typeface="+mn-ea"/>
+                        <a:ea typeface="+mn-ea"/>
                       </a:endParaRPr>
                     </a:p>
                   </a:txBody>
-                  <a:tcPr marL="17907" marR="17907" marT="17907" marB="17907" anchor="ctr">
+                  <a:tcPr marL="66261" marR="66261" marT="33130" marB="33130" anchor="ctr">
                     <a:lnL w="3556" cap="flat" cmpd="sng" algn="ctr">
                       <a:solidFill>
                         <a:srgbClr val="000000"/>
@@ -12648,7 +12774,7 @@
                     <a:bodyPr/>
                     <a:lstStyle/>
                     <a:p>
-                      <a:pPr marL="0" marR="0" indent="0" algn="just" fontAlgn="base" latinLnBrk="1">
+                      <a:pPr marL="0" marR="0" algn="just">
                         <a:lnSpc>
                           <a:spcPct val="160000"/>
                         </a:lnSpc>
@@ -12660,64 +12786,58 @@
                         </a:spcAft>
                       </a:pPr>
                       <a:r>
-                        <a:rPr lang="ko-KR" altLang="en-US" sz="1000" kern="0" spc="0">
+                        <a:rPr lang="ko-KR" altLang="en-US" sz="1000" dirty="0">
                           <a:solidFill>
                             <a:srgbClr val="000000"/>
                           </a:solidFill>
-                          <a:effectLst/>
-                          <a:ea typeface="굴림체"/>
+                          <a:latin typeface="+mn-ea"/>
+                          <a:ea typeface="+mn-ea"/>
                         </a:rPr>
                         <a:t>수화</a:t>
                       </a:r>
                       <a:r>
-                        <a:rPr lang="en-US" altLang="ko-KR" sz="1000" kern="0" spc="0">
+                        <a:rPr lang="en-US" altLang="ko-KR" sz="1000" dirty="0">
                           <a:solidFill>
                             <a:srgbClr val="000000"/>
                           </a:solidFill>
-                          <a:effectLst/>
-                          <a:latin typeface="굴림체"/>
+                          <a:latin typeface="+mn-ea"/>
+                          <a:ea typeface="+mn-ea"/>
                         </a:rPr>
                         <a:t>DB</a:t>
                       </a:r>
                       <a:r>
-                        <a:rPr lang="ko-KR" altLang="en-US" sz="1000" kern="0" spc="0">
+                        <a:rPr lang="ko-KR" altLang="en-US" sz="1000" dirty="0">
                           <a:solidFill>
                             <a:srgbClr val="000000"/>
                           </a:solidFill>
-                          <a:effectLst/>
-                          <a:ea typeface="굴림체"/>
+                          <a:latin typeface="+mn-ea"/>
+                          <a:ea typeface="+mn-ea"/>
                         </a:rPr>
                         <a:t>와 연동하여 수화 검출 </a:t>
                       </a:r>
                       <a:r>
-                        <a:rPr lang="en-US" altLang="ko-KR" sz="1000" kern="0" spc="0">
+                        <a:rPr lang="en-US" altLang="ko-KR" sz="1000" dirty="0">
                           <a:solidFill>
                             <a:srgbClr val="000000"/>
                           </a:solidFill>
-                          <a:effectLst/>
-                          <a:latin typeface="굴림체"/>
+                          <a:latin typeface="+mn-ea"/>
+                          <a:ea typeface="+mn-ea"/>
                         </a:rPr>
                         <a:t>&amp; </a:t>
                       </a:r>
                       <a:r>
-                        <a:rPr lang="ko-KR" altLang="en-US" sz="1000" kern="0" spc="0">
+                        <a:rPr lang="ko-KR" altLang="en-US" sz="1000" dirty="0">
                           <a:solidFill>
                             <a:srgbClr val="000000"/>
                           </a:solidFill>
-                          <a:effectLst/>
-                          <a:ea typeface="굴림체"/>
+                          <a:latin typeface="+mn-ea"/>
+                          <a:ea typeface="+mn-ea"/>
                         </a:rPr>
                         <a:t>새로운 수화 학습</a:t>
                       </a:r>
-                      <a:endParaRPr lang="ko-KR" altLang="en-US" sz="1000" kern="0" spc="0">
-                        <a:solidFill>
-                          <a:srgbClr val="000000"/>
-                        </a:solidFill>
-                        <a:effectLst/>
-                      </a:endParaRPr>
                     </a:p>
                   </a:txBody>
-                  <a:tcPr marL="17907" marR="17907" marT="17907" marB="17907" anchor="ctr">
+                  <a:tcPr marL="66261" marR="66261" marT="33130" marB="33130" anchor="ctr">
                     <a:lnL w="3556" cap="flat" cmpd="sng" algn="ctr">
                       <a:solidFill>
                         <a:srgbClr val="000000"/>
@@ -12757,13 +12877,13 @@
                   </a:tcPr>
                 </a:tc>
               </a:tr>
-              <a:tr h="243332">
+              <a:tr h="244072">
                 <a:tc>
                   <a:txBody>
                     <a:bodyPr/>
                     <a:lstStyle/>
                     <a:p>
-                      <a:pPr marL="0" marR="0" indent="0" algn="ctr" fontAlgn="base" latinLnBrk="0">
+                      <a:pPr marL="0" marR="0" algn="ctr">
                         <a:lnSpc>
                           <a:spcPct val="160000"/>
                         </a:lnSpc>
@@ -12775,24 +12895,25 @@
                         </a:spcAft>
                       </a:pPr>
                       <a:r>
-                        <a:rPr lang="en-US" sz="1000" b="1" kern="0" spc="0">
+                        <a:rPr lang="en-US" sz="1000" b="1">
                           <a:solidFill>
                             <a:srgbClr val="000000"/>
                           </a:solidFill>
-                          <a:effectLst/>
-                          <a:latin typeface="굴림체"/>
+                          <a:latin typeface="+mn-ea"/>
+                          <a:ea typeface="+mn-ea"/>
                         </a:rPr>
                         <a:t>6</a:t>
                       </a:r>
-                      <a:endParaRPr lang="en-US" sz="1000" kern="0" spc="0">
+                      <a:endParaRPr lang="en-US" sz="1000">
                         <a:solidFill>
                           <a:srgbClr val="000000"/>
                         </a:solidFill>
-                        <a:effectLst/>
+                        <a:latin typeface="+mn-ea"/>
+                        <a:ea typeface="+mn-ea"/>
                       </a:endParaRPr>
                     </a:p>
                   </a:txBody>
-                  <a:tcPr marL="17907" marR="17907" marT="17907" marB="17907" anchor="ctr">
+                  <a:tcPr marL="66261" marR="66261" marT="33130" marB="33130" anchor="ctr">
                     <a:lnL w="21590" cap="flat" cmpd="sng" algn="ctr">
                       <a:solidFill>
                         <a:srgbClr val="000000"/>
@@ -12836,7 +12957,7 @@
                     <a:bodyPr/>
                     <a:lstStyle/>
                     <a:p>
-                      <a:pPr marL="0" marR="0" indent="0" algn="ctr" fontAlgn="base" latinLnBrk="0">
+                      <a:pPr marL="0" marR="0" algn="ctr">
                         <a:lnSpc>
                           <a:spcPct val="160000"/>
                         </a:lnSpc>
@@ -12848,44 +12969,45 @@
                         </a:spcAft>
                       </a:pPr>
                       <a:r>
-                        <a:rPr lang="ko-KR" altLang="en-US" sz="1000" b="1" kern="0" spc="0">
+                        <a:rPr lang="ko-KR" altLang="en-US" sz="1000" b="1">
                           <a:solidFill>
                             <a:srgbClr val="000000"/>
                           </a:solidFill>
-                          <a:effectLst/>
-                          <a:ea typeface="굴림체"/>
+                          <a:latin typeface="+mn-ea"/>
+                          <a:ea typeface="+mn-ea"/>
                         </a:rPr>
                         <a:t>수화</a:t>
                       </a:r>
                       <a:r>
-                        <a:rPr lang="en-US" sz="1000" b="1" kern="0" spc="0">
+                        <a:rPr lang="en-US" sz="1000" b="1">
                           <a:solidFill>
                             <a:srgbClr val="000000"/>
                           </a:solidFill>
-                          <a:effectLst/>
-                          <a:latin typeface="굴림체"/>
+                          <a:latin typeface="+mn-ea"/>
+                          <a:ea typeface="+mn-ea"/>
                         </a:rPr>
                         <a:t>DB</a:t>
                       </a:r>
                       <a:r>
-                        <a:rPr lang="ko-KR" altLang="en-US" sz="1000" b="1" kern="0" spc="0">
+                        <a:rPr lang="ko-KR" altLang="en-US" sz="1000" b="1">
                           <a:solidFill>
                             <a:srgbClr val="000000"/>
                           </a:solidFill>
-                          <a:effectLst/>
-                          <a:ea typeface="굴림체"/>
+                          <a:latin typeface="+mn-ea"/>
+                          <a:ea typeface="+mn-ea"/>
                         </a:rPr>
                         <a:t>구축</a:t>
                       </a:r>
-                      <a:endParaRPr lang="ko-KR" altLang="en-US" sz="1000" kern="0" spc="0">
+                      <a:endParaRPr lang="ko-KR" altLang="en-US" sz="1000">
                         <a:solidFill>
                           <a:srgbClr val="000000"/>
                         </a:solidFill>
-                        <a:effectLst/>
+                        <a:latin typeface="+mn-ea"/>
+                        <a:ea typeface="+mn-ea"/>
                       </a:endParaRPr>
                     </a:p>
                   </a:txBody>
-                  <a:tcPr marL="17907" marR="17907" marT="17907" marB="17907" anchor="ctr">
+                  <a:tcPr marL="66261" marR="66261" marT="33130" marB="33130" anchor="ctr">
                     <a:lnL w="3556" cap="flat" cmpd="sng" algn="ctr">
                       <a:solidFill>
                         <a:srgbClr val="000000"/>
@@ -12929,7 +13051,7 @@
                     <a:bodyPr/>
                     <a:lstStyle/>
                     <a:p>
-                      <a:pPr marL="0" marR="0" indent="0" algn="ctr" fontAlgn="base" latinLnBrk="0">
+                      <a:pPr marL="0" marR="0" algn="ctr">
                         <a:lnSpc>
                           <a:spcPct val="160000"/>
                         </a:lnSpc>
@@ -12940,15 +13062,16 @@
                           <a:spcPts val="0"/>
                         </a:spcAft>
                       </a:pPr>
-                      <a:endParaRPr lang="ko-KR" altLang="en-US" sz="1000" kern="0" spc="0">
+                      <a:endParaRPr lang="ko-KR" altLang="en-US" sz="1000">
                         <a:solidFill>
                           <a:srgbClr val="000000"/>
                         </a:solidFill>
-                        <a:effectLst/>
+                        <a:latin typeface="+mn-ea"/>
+                        <a:ea typeface="+mn-ea"/>
                       </a:endParaRPr>
                     </a:p>
                   </a:txBody>
-                  <a:tcPr marL="17907" marR="17907" marT="17907" marB="17907" anchor="ctr">
+                  <a:tcPr marL="66261" marR="66261" marT="33130" marB="33130" anchor="ctr">
                     <a:lnL w="3556" cap="flat" cmpd="sng" algn="ctr">
                       <a:solidFill>
                         <a:srgbClr val="000000"/>
@@ -12995,7 +13118,7 @@
                     <a:bodyPr/>
                     <a:lstStyle/>
                     <a:p>
-                      <a:pPr marL="0" marR="0" indent="0" algn="ctr" fontAlgn="base" latinLnBrk="0">
+                      <a:pPr marL="0" marR="0" algn="ctr">
                         <a:lnSpc>
                           <a:spcPct val="160000"/>
                         </a:lnSpc>
@@ -13006,15 +13129,16 @@
                           <a:spcPts val="0"/>
                         </a:spcAft>
                       </a:pPr>
-                      <a:endParaRPr lang="ko-KR" altLang="en-US" sz="1000" kern="0" spc="0">
+                      <a:endParaRPr lang="ko-KR" altLang="en-US" sz="1000">
                         <a:solidFill>
                           <a:srgbClr val="000000"/>
                         </a:solidFill>
-                        <a:effectLst/>
+                        <a:latin typeface="+mn-ea"/>
+                        <a:ea typeface="+mn-ea"/>
                       </a:endParaRPr>
                     </a:p>
                   </a:txBody>
-                  <a:tcPr marL="17907" marR="17907" marT="17907" marB="17907" anchor="ctr">
+                  <a:tcPr marL="66261" marR="66261" marT="33130" marB="33130" anchor="ctr">
                     <a:lnL w="3556" cap="flat" cmpd="sng" algn="ctr">
                       <a:solidFill>
                         <a:srgbClr val="000000"/>
@@ -13061,7 +13185,7 @@
                     <a:bodyPr/>
                     <a:lstStyle/>
                     <a:p>
-                      <a:pPr marL="0" marR="0" indent="0" algn="ctr" fontAlgn="base" latinLnBrk="0">
+                      <a:pPr marL="0" marR="0" algn="ctr">
                         <a:lnSpc>
                           <a:spcPct val="160000"/>
                         </a:lnSpc>
@@ -13072,15 +13196,16 @@
                           <a:spcPts val="0"/>
                         </a:spcAft>
                       </a:pPr>
-                      <a:endParaRPr lang="ko-KR" altLang="en-US" sz="1000" kern="0" spc="0">
+                      <a:endParaRPr lang="ko-KR" altLang="en-US" sz="1000">
                         <a:solidFill>
                           <a:srgbClr val="000000"/>
                         </a:solidFill>
-                        <a:effectLst/>
+                        <a:latin typeface="+mn-ea"/>
+                        <a:ea typeface="+mn-ea"/>
                       </a:endParaRPr>
                     </a:p>
                   </a:txBody>
-                  <a:tcPr marL="17907" marR="17907" marT="17907" marB="17907" anchor="ctr">
+                  <a:tcPr marL="66261" marR="66261" marT="33130" marB="33130" anchor="ctr">
                     <a:lnL w="3556" cap="flat" cmpd="sng" algn="ctr">
                       <a:solidFill>
                         <a:srgbClr val="000000"/>
@@ -13127,7 +13252,7 @@
                     <a:bodyPr/>
                     <a:lstStyle/>
                     <a:p>
-                      <a:pPr marL="0" marR="0" indent="0" algn="ctr" fontAlgn="base" latinLnBrk="0">
+                      <a:pPr marL="0" marR="0" algn="ctr">
                         <a:lnSpc>
                           <a:spcPct val="160000"/>
                         </a:lnSpc>
@@ -13138,15 +13263,16 @@
                           <a:spcPts val="0"/>
                         </a:spcAft>
                       </a:pPr>
-                      <a:endParaRPr lang="ko-KR" altLang="en-US" sz="1000" kern="0" spc="0">
+                      <a:endParaRPr lang="ko-KR" altLang="en-US" sz="1000">
                         <a:solidFill>
                           <a:srgbClr val="000000"/>
                         </a:solidFill>
-                        <a:effectLst/>
+                        <a:latin typeface="+mn-ea"/>
+                        <a:ea typeface="+mn-ea"/>
                       </a:endParaRPr>
                     </a:p>
                   </a:txBody>
-                  <a:tcPr marL="17907" marR="17907" marT="17907" marB="17907" anchor="ctr">
+                  <a:tcPr marL="66261" marR="66261" marT="33130" marB="33130" anchor="ctr">
                     <a:lnL w="3556" cap="flat" cmpd="sng" algn="ctr">
                       <a:solidFill>
                         <a:srgbClr val="000000"/>
@@ -13193,7 +13319,7 @@
                     <a:bodyPr/>
                     <a:lstStyle/>
                     <a:p>
-                      <a:pPr marL="0" marR="0" indent="0" algn="ctr" fontAlgn="base" latinLnBrk="0">
+                      <a:pPr marL="0" marR="0" algn="ctr">
                         <a:lnSpc>
                           <a:spcPct val="160000"/>
                         </a:lnSpc>
@@ -13204,15 +13330,16 @@
                           <a:spcPts val="0"/>
                         </a:spcAft>
                       </a:pPr>
-                      <a:endParaRPr lang="ko-KR" altLang="en-US" sz="1000" kern="0" spc="0">
+                      <a:endParaRPr lang="ko-KR" altLang="en-US" sz="1000">
                         <a:solidFill>
                           <a:srgbClr val="000000"/>
                         </a:solidFill>
-                        <a:effectLst/>
+                        <a:latin typeface="+mn-ea"/>
+                        <a:ea typeface="+mn-ea"/>
                       </a:endParaRPr>
                     </a:p>
                   </a:txBody>
-                  <a:tcPr marL="17907" marR="17907" marT="17907" marB="17907" anchor="ctr">
+                  <a:tcPr marL="66261" marR="66261" marT="33130" marB="33130" anchor="ctr">
                     <a:lnL w="3556" cap="flat" cmpd="sng" algn="ctr">
                       <a:solidFill>
                         <a:srgbClr val="000000"/>
@@ -13259,7 +13386,7 @@
                     <a:bodyPr/>
                     <a:lstStyle/>
                     <a:p>
-                      <a:pPr marL="0" marR="0" indent="0" algn="ctr" fontAlgn="base" latinLnBrk="0">
+                      <a:pPr marL="0" marR="0" algn="ctr">
                         <a:lnSpc>
                           <a:spcPct val="160000"/>
                         </a:lnSpc>
@@ -13270,15 +13397,16 @@
                           <a:spcPts val="0"/>
                         </a:spcAft>
                       </a:pPr>
-                      <a:endParaRPr lang="ko-KR" altLang="en-US" sz="1000" kern="0" spc="0">
+                      <a:endParaRPr lang="ko-KR" altLang="en-US" sz="1000">
                         <a:solidFill>
                           <a:srgbClr val="000000"/>
                         </a:solidFill>
-                        <a:effectLst/>
+                        <a:latin typeface="+mn-ea"/>
+                        <a:ea typeface="+mn-ea"/>
                       </a:endParaRPr>
                     </a:p>
                   </a:txBody>
-                  <a:tcPr marL="17907" marR="17907" marT="17907" marB="17907" anchor="ctr">
+                  <a:tcPr marL="66261" marR="66261" marT="33130" marB="33130" anchor="ctr">
                     <a:lnL w="3556" cap="flat" cmpd="sng" algn="ctr">
                       <a:solidFill>
                         <a:srgbClr val="000000"/>
@@ -13325,7 +13453,7 @@
                     <a:bodyPr/>
                     <a:lstStyle/>
                     <a:p>
-                      <a:pPr marL="0" marR="0" indent="0" algn="ctr" fontAlgn="base" latinLnBrk="0">
+                      <a:pPr marL="0" marR="0" algn="ctr">
                         <a:lnSpc>
                           <a:spcPct val="160000"/>
                         </a:lnSpc>
@@ -13336,15 +13464,16 @@
                           <a:spcPts val="0"/>
                         </a:spcAft>
                       </a:pPr>
-                      <a:endParaRPr lang="ko-KR" altLang="en-US" sz="1000" kern="0" spc="0">
+                      <a:endParaRPr lang="ko-KR" altLang="en-US" sz="1000">
                         <a:solidFill>
                           <a:srgbClr val="000000"/>
                         </a:solidFill>
-                        <a:effectLst/>
+                        <a:latin typeface="+mn-ea"/>
+                        <a:ea typeface="+mn-ea"/>
                       </a:endParaRPr>
                     </a:p>
                   </a:txBody>
-                  <a:tcPr marL="17907" marR="17907" marT="17907" marB="17907" anchor="ctr">
+                  <a:tcPr marL="66261" marR="66261" marT="33130" marB="33130" anchor="ctr">
                     <a:lnL w="3556" cap="flat" cmpd="sng" algn="ctr">
                       <a:solidFill>
                         <a:srgbClr val="000000"/>
@@ -13391,7 +13520,7 @@
                     <a:bodyPr/>
                     <a:lstStyle/>
                     <a:p>
-                      <a:pPr marL="0" marR="0" indent="0" algn="ctr" fontAlgn="base" latinLnBrk="0">
+                      <a:pPr marL="0" marR="0" algn="ctr">
                         <a:lnSpc>
                           <a:spcPct val="160000"/>
                         </a:lnSpc>
@@ -13402,15 +13531,16 @@
                           <a:spcPts val="0"/>
                         </a:spcAft>
                       </a:pPr>
-                      <a:endParaRPr lang="ko-KR" altLang="en-US" sz="1000" kern="0" spc="0">
+                      <a:endParaRPr lang="ko-KR" altLang="en-US" sz="1000">
                         <a:solidFill>
                           <a:srgbClr val="000000"/>
                         </a:solidFill>
-                        <a:effectLst/>
+                        <a:latin typeface="+mn-ea"/>
+                        <a:ea typeface="+mn-ea"/>
                       </a:endParaRPr>
                     </a:p>
                   </a:txBody>
-                  <a:tcPr marL="17907" marR="17907" marT="17907" marB="17907" anchor="ctr">
+                  <a:tcPr marL="66261" marR="66261" marT="33130" marB="33130" anchor="ctr">
                     <a:lnL w="3556" cap="flat" cmpd="sng" algn="ctr">
                       <a:solidFill>
                         <a:srgbClr val="000000"/>
@@ -13457,7 +13587,7 @@
                     <a:bodyPr/>
                     <a:lstStyle/>
                     <a:p>
-                      <a:pPr marL="0" marR="0" indent="0" algn="ctr" fontAlgn="base" latinLnBrk="0">
+                      <a:pPr marL="0" marR="0" algn="ctr">
                         <a:lnSpc>
                           <a:spcPct val="160000"/>
                         </a:lnSpc>
@@ -13468,15 +13598,16 @@
                           <a:spcPts val="0"/>
                         </a:spcAft>
                       </a:pPr>
-                      <a:endParaRPr lang="ko-KR" altLang="en-US" sz="1000" kern="0" spc="0">
+                      <a:endParaRPr lang="ko-KR" altLang="en-US" sz="1000">
                         <a:solidFill>
                           <a:srgbClr val="000000"/>
                         </a:solidFill>
-                        <a:effectLst/>
+                        <a:latin typeface="+mn-ea"/>
+                        <a:ea typeface="+mn-ea"/>
                       </a:endParaRPr>
                     </a:p>
                   </a:txBody>
-                  <a:tcPr marL="17907" marR="17907" marT="17907" marB="17907" anchor="ctr">
+                  <a:tcPr marL="66261" marR="66261" marT="33130" marB="33130" anchor="ctr">
                     <a:lnL w="3556" cap="flat" cmpd="sng" algn="ctr">
                       <a:solidFill>
                         <a:srgbClr val="000000"/>
@@ -13523,7 +13654,7 @@
                     <a:bodyPr/>
                     <a:lstStyle/>
                     <a:p>
-                      <a:pPr marL="0" marR="0" indent="0" algn="ctr" fontAlgn="base" latinLnBrk="0">
+                      <a:pPr marL="0" marR="0" algn="ctr">
                         <a:lnSpc>
                           <a:spcPct val="160000"/>
                         </a:lnSpc>
@@ -13534,15 +13665,16 @@
                           <a:spcPts val="0"/>
                         </a:spcAft>
                       </a:pPr>
-                      <a:endParaRPr lang="ko-KR" altLang="en-US" sz="1000" kern="0" spc="0">
+                      <a:endParaRPr lang="ko-KR" altLang="en-US" sz="1000">
                         <a:solidFill>
                           <a:srgbClr val="000000"/>
                         </a:solidFill>
-                        <a:effectLst/>
+                        <a:latin typeface="+mn-ea"/>
+                        <a:ea typeface="+mn-ea"/>
                       </a:endParaRPr>
                     </a:p>
                   </a:txBody>
-                  <a:tcPr marL="17907" marR="17907" marT="17907" marB="17907" anchor="ctr">
+                  <a:tcPr marL="66261" marR="66261" marT="33130" marB="33130" anchor="ctr">
                     <a:lnL w="3556" cap="flat" cmpd="sng" algn="ctr">
                       <a:solidFill>
                         <a:srgbClr val="000000"/>
@@ -13589,7 +13721,7 @@
                     <a:bodyPr/>
                     <a:lstStyle/>
                     <a:p>
-                      <a:pPr marL="0" marR="0" indent="0" algn="ctr" fontAlgn="base" latinLnBrk="0">
+                      <a:pPr marL="0" marR="0" algn="ctr">
                         <a:lnSpc>
                           <a:spcPct val="160000"/>
                         </a:lnSpc>
@@ -13600,15 +13732,16 @@
                           <a:spcPts val="0"/>
                         </a:spcAft>
                       </a:pPr>
-                      <a:endParaRPr lang="ko-KR" altLang="en-US" sz="1000" kern="0" spc="0">
+                      <a:endParaRPr lang="ko-KR" altLang="en-US" sz="1000">
                         <a:solidFill>
                           <a:srgbClr val="000000"/>
                         </a:solidFill>
-                        <a:effectLst/>
+                        <a:latin typeface="+mn-ea"/>
+                        <a:ea typeface="+mn-ea"/>
                       </a:endParaRPr>
                     </a:p>
                   </a:txBody>
-                  <a:tcPr marL="17907" marR="17907" marT="17907" marB="17907" anchor="ctr">
+                  <a:tcPr marL="66261" marR="66261" marT="33130" marB="33130" anchor="ctr">
                     <a:lnL w="3556" cap="flat" cmpd="sng" algn="ctr">
                       <a:solidFill>
                         <a:srgbClr val="000000"/>
@@ -13652,7 +13785,7 @@
                     <a:bodyPr/>
                     <a:lstStyle/>
                     <a:p>
-                      <a:pPr marL="0" marR="0" indent="0" algn="ctr" fontAlgn="base" latinLnBrk="0">
+                      <a:pPr marL="0" marR="0" algn="ctr">
                         <a:lnSpc>
                           <a:spcPct val="160000"/>
                         </a:lnSpc>
@@ -13663,15 +13796,16 @@
                           <a:spcPts val="0"/>
                         </a:spcAft>
                       </a:pPr>
-                      <a:endParaRPr lang="ko-KR" altLang="en-US" sz="1000" kern="0" spc="0">
+                      <a:endParaRPr lang="ko-KR" altLang="en-US" sz="1000">
                         <a:solidFill>
                           <a:srgbClr val="000000"/>
                         </a:solidFill>
-                        <a:effectLst/>
+                        <a:latin typeface="+mn-ea"/>
+                        <a:ea typeface="+mn-ea"/>
                       </a:endParaRPr>
                     </a:p>
                   </a:txBody>
-                  <a:tcPr marL="17907" marR="17907" marT="17907" marB="17907" anchor="ctr">
+                  <a:tcPr marL="66261" marR="66261" marT="33130" marB="33130" anchor="ctr">
                     <a:lnL w="3556" cap="flat" cmpd="sng" algn="ctr">
                       <a:solidFill>
                         <a:srgbClr val="000000"/>
@@ -13715,7 +13849,7 @@
                     <a:bodyPr/>
                     <a:lstStyle/>
                     <a:p>
-                      <a:pPr marL="0" marR="0" indent="0" algn="just" fontAlgn="base" latinLnBrk="1">
+                      <a:pPr marL="0" marR="0" algn="just">
                         <a:lnSpc>
                           <a:spcPct val="160000"/>
                         </a:lnSpc>
@@ -13726,15 +13860,16 @@
                           <a:spcPts val="0"/>
                         </a:spcAft>
                       </a:pPr>
-                      <a:endParaRPr lang="ko-KR" altLang="en-US" sz="1000" kern="0" spc="0">
+                      <a:endParaRPr lang="ko-KR" altLang="en-US" sz="1000" dirty="0">
                         <a:solidFill>
                           <a:srgbClr val="000000"/>
                         </a:solidFill>
-                        <a:effectLst/>
+                        <a:latin typeface="+mn-ea"/>
+                        <a:ea typeface="+mn-ea"/>
                       </a:endParaRPr>
                     </a:p>
                   </a:txBody>
-                  <a:tcPr marL="17907" marR="17907" marT="17907" marB="17907" anchor="ctr">
+                  <a:tcPr marL="66261" marR="66261" marT="33130" marB="33130" anchor="ctr">
                     <a:lnL w="3556" cap="flat" cmpd="sng" algn="ctr">
                       <a:solidFill>
                         <a:srgbClr val="000000"/>
@@ -13774,13 +13909,13 @@
                   </a:tcPr>
                 </a:tc>
               </a:tr>
-              <a:tr h="243332">
+              <a:tr h="408193">
                 <a:tc>
                   <a:txBody>
                     <a:bodyPr/>
                     <a:lstStyle/>
                     <a:p>
-                      <a:pPr marL="0" marR="0" indent="0" algn="ctr" fontAlgn="base" latinLnBrk="0">
+                      <a:pPr marL="0" marR="0" algn="ctr">
                         <a:lnSpc>
                           <a:spcPct val="160000"/>
                         </a:lnSpc>
@@ -13792,24 +13927,25 @@
                         </a:spcAft>
                       </a:pPr>
                       <a:r>
-                        <a:rPr lang="en-US" sz="1000" b="1" kern="0" spc="0">
+                        <a:rPr lang="en-US" sz="1000" b="1" dirty="0">
                           <a:solidFill>
                             <a:srgbClr val="000000"/>
                           </a:solidFill>
-                          <a:effectLst/>
-                          <a:latin typeface="굴림체"/>
+                          <a:latin typeface="+mn-ea"/>
+                          <a:ea typeface="+mn-ea"/>
                         </a:rPr>
                         <a:t>7</a:t>
                       </a:r>
-                      <a:endParaRPr lang="en-US" sz="1000" kern="0" spc="0">
+                      <a:endParaRPr lang="en-US" sz="1000" dirty="0">
                         <a:solidFill>
                           <a:srgbClr val="000000"/>
                         </a:solidFill>
-                        <a:effectLst/>
+                        <a:latin typeface="+mn-ea"/>
+                        <a:ea typeface="+mn-ea"/>
                       </a:endParaRPr>
                     </a:p>
                   </a:txBody>
-                  <a:tcPr marL="17907" marR="17907" marT="17907" marB="17907" anchor="ctr">
+                  <a:tcPr marL="66261" marR="66261" marT="33130" marB="33130" anchor="ctr">
                     <a:lnL w="21590" cap="flat" cmpd="sng" algn="ctr">
                       <a:solidFill>
                         <a:srgbClr val="000000"/>
@@ -13853,7 +13989,7 @@
                     <a:bodyPr/>
                     <a:lstStyle/>
                     <a:p>
-                      <a:pPr marL="0" marR="0" indent="0" algn="ctr" fontAlgn="base" latinLnBrk="0">
+                      <a:pPr marL="0" marR="0" algn="ctr">
                         <a:lnSpc>
                           <a:spcPct val="160000"/>
                         </a:lnSpc>
@@ -13865,24 +14001,25 @@
                         </a:spcAft>
                       </a:pPr>
                       <a:r>
-                        <a:rPr lang="en-US" sz="1000" b="1" kern="0" spc="0">
+                        <a:rPr lang="en-US" sz="1000" b="1" dirty="0">
                           <a:solidFill>
                             <a:srgbClr val="000000"/>
                           </a:solidFill>
-                          <a:effectLst/>
-                          <a:latin typeface="굴림체"/>
+                          <a:latin typeface="+mn-ea"/>
+                          <a:ea typeface="+mn-ea"/>
                         </a:rPr>
                         <a:t>Debugging &amp;</a:t>
                       </a:r>
-                      <a:endParaRPr lang="en-US" sz="1000" kern="0" spc="0">
+                      <a:endParaRPr lang="en-US" sz="1000" dirty="0">
                         <a:solidFill>
                           <a:srgbClr val="000000"/>
                         </a:solidFill>
-                        <a:effectLst/>
+                        <a:latin typeface="+mn-ea"/>
+                        <a:ea typeface="+mn-ea"/>
                       </a:endParaRPr>
                     </a:p>
                     <a:p>
-                      <a:pPr marL="0" marR="0" indent="0" algn="ctr" fontAlgn="base" latinLnBrk="0">
+                      <a:pPr marL="0" marR="0" algn="ctr">
                         <a:lnSpc>
                           <a:spcPct val="160000"/>
                         </a:lnSpc>
@@ -13894,24 +14031,25 @@
                         </a:spcAft>
                       </a:pPr>
                       <a:r>
-                        <a:rPr lang="en-US" sz="1000" b="1" kern="0" spc="0">
+                        <a:rPr lang="en-US" sz="1000" b="1" dirty="0">
                           <a:solidFill>
                             <a:srgbClr val="000000"/>
                           </a:solidFill>
-                          <a:effectLst/>
-                          <a:latin typeface="굴림체"/>
+                          <a:latin typeface="+mn-ea"/>
+                          <a:ea typeface="+mn-ea"/>
                         </a:rPr>
                         <a:t>Test</a:t>
                       </a:r>
-                      <a:endParaRPr lang="en-US" sz="1000" kern="0" spc="0">
+                      <a:endParaRPr lang="en-US" sz="1000" dirty="0">
                         <a:solidFill>
                           <a:srgbClr val="000000"/>
                         </a:solidFill>
-                        <a:effectLst/>
+                        <a:latin typeface="+mn-ea"/>
+                        <a:ea typeface="+mn-ea"/>
                       </a:endParaRPr>
                     </a:p>
                   </a:txBody>
-                  <a:tcPr marL="17907" marR="17907" marT="17907" marB="17907" anchor="ctr">
+                  <a:tcPr marL="66261" marR="66261" marT="33130" marB="33130" anchor="ctr">
                     <a:lnL w="3556" cap="flat" cmpd="sng" algn="ctr">
                       <a:solidFill>
                         <a:srgbClr val="000000"/>
@@ -13955,7 +14093,7 @@
                     <a:bodyPr/>
                     <a:lstStyle/>
                     <a:p>
-                      <a:pPr marL="0" marR="0" indent="0" algn="ctr" fontAlgn="base" latinLnBrk="0">
+                      <a:pPr marL="0" marR="0" algn="ctr">
                         <a:lnSpc>
                           <a:spcPct val="160000"/>
                         </a:lnSpc>
@@ -13966,15 +14104,16 @@
                           <a:spcPts val="0"/>
                         </a:spcAft>
                       </a:pPr>
-                      <a:endParaRPr lang="ko-KR" altLang="en-US" sz="1000" kern="0" spc="0">
+                      <a:endParaRPr lang="ko-KR" altLang="en-US" sz="1000" dirty="0">
                         <a:solidFill>
                           <a:srgbClr val="000000"/>
                         </a:solidFill>
-                        <a:effectLst/>
+                        <a:latin typeface="+mn-ea"/>
+                        <a:ea typeface="+mn-ea"/>
                       </a:endParaRPr>
                     </a:p>
                   </a:txBody>
-                  <a:tcPr marL="17907" marR="17907" marT="17907" marB="17907" anchor="ctr">
+                  <a:tcPr marL="66261" marR="66261" marT="33130" marB="33130" anchor="ctr">
                     <a:lnL w="3556" cap="flat" cmpd="sng" algn="ctr">
                       <a:solidFill>
                         <a:srgbClr val="000000"/>
@@ -14021,7 +14160,7 @@
                     <a:bodyPr/>
                     <a:lstStyle/>
                     <a:p>
-                      <a:pPr marL="0" marR="0" indent="0" algn="ctr" fontAlgn="base" latinLnBrk="0">
+                      <a:pPr marL="0" marR="0" algn="ctr">
                         <a:lnSpc>
                           <a:spcPct val="160000"/>
                         </a:lnSpc>
@@ -14032,15 +14171,16 @@
                           <a:spcPts val="0"/>
                         </a:spcAft>
                       </a:pPr>
-                      <a:endParaRPr lang="ko-KR" altLang="en-US" sz="1000" kern="0" spc="0">
+                      <a:endParaRPr lang="ko-KR" altLang="en-US" sz="1000" dirty="0">
                         <a:solidFill>
                           <a:srgbClr val="000000"/>
                         </a:solidFill>
-                        <a:effectLst/>
+                        <a:latin typeface="+mn-ea"/>
+                        <a:ea typeface="+mn-ea"/>
                       </a:endParaRPr>
                     </a:p>
                   </a:txBody>
-                  <a:tcPr marL="17907" marR="17907" marT="17907" marB="17907" anchor="ctr">
+                  <a:tcPr marL="66261" marR="66261" marT="33130" marB="33130" anchor="ctr">
                     <a:lnL w="3556" cap="flat" cmpd="sng" algn="ctr">
                       <a:solidFill>
                         <a:srgbClr val="000000"/>
@@ -14087,7 +14227,7 @@
                     <a:bodyPr/>
                     <a:lstStyle/>
                     <a:p>
-                      <a:pPr marL="0" marR="0" indent="0" algn="ctr" fontAlgn="base" latinLnBrk="0">
+                      <a:pPr marL="0" marR="0" algn="ctr">
                         <a:lnSpc>
                           <a:spcPct val="160000"/>
                         </a:lnSpc>
@@ -14098,15 +14238,16 @@
                           <a:spcPts val="0"/>
                         </a:spcAft>
                       </a:pPr>
-                      <a:endParaRPr lang="ko-KR" altLang="en-US" sz="1000" kern="0" spc="0">
+                      <a:endParaRPr lang="ko-KR" altLang="en-US" sz="1000" dirty="0">
                         <a:solidFill>
                           <a:srgbClr val="000000"/>
                         </a:solidFill>
-                        <a:effectLst/>
+                        <a:latin typeface="+mn-ea"/>
+                        <a:ea typeface="+mn-ea"/>
                       </a:endParaRPr>
                     </a:p>
                   </a:txBody>
-                  <a:tcPr marL="17907" marR="17907" marT="17907" marB="17907" anchor="ctr">
+                  <a:tcPr marL="66261" marR="66261" marT="33130" marB="33130" anchor="ctr">
                     <a:lnL w="3556" cap="flat" cmpd="sng" algn="ctr">
                       <a:solidFill>
                         <a:srgbClr val="000000"/>
@@ -14153,7 +14294,7 @@
                     <a:bodyPr/>
                     <a:lstStyle/>
                     <a:p>
-                      <a:pPr marL="0" marR="0" indent="0" algn="ctr" fontAlgn="base" latinLnBrk="0">
+                      <a:pPr marL="0" marR="0" algn="ctr">
                         <a:lnSpc>
                           <a:spcPct val="160000"/>
                         </a:lnSpc>
@@ -14164,15 +14305,16 @@
                           <a:spcPts val="0"/>
                         </a:spcAft>
                       </a:pPr>
-                      <a:endParaRPr lang="ko-KR" altLang="en-US" sz="1000" kern="0" spc="0">
+                      <a:endParaRPr lang="ko-KR" altLang="en-US" sz="1000" dirty="0">
                         <a:solidFill>
                           <a:srgbClr val="000000"/>
                         </a:solidFill>
-                        <a:effectLst/>
+                        <a:latin typeface="+mn-ea"/>
+                        <a:ea typeface="+mn-ea"/>
                       </a:endParaRPr>
                     </a:p>
                   </a:txBody>
-                  <a:tcPr marL="17907" marR="17907" marT="17907" marB="17907" anchor="ctr">
+                  <a:tcPr marL="66261" marR="66261" marT="33130" marB="33130" anchor="ctr">
                     <a:lnL w="3556" cap="flat" cmpd="sng" algn="ctr">
                       <a:solidFill>
                         <a:srgbClr val="000000"/>
@@ -14219,7 +14361,7 @@
                     <a:bodyPr/>
                     <a:lstStyle/>
                     <a:p>
-                      <a:pPr marL="0" marR="0" indent="0" algn="ctr" fontAlgn="base" latinLnBrk="0">
+                      <a:pPr marL="0" marR="0" algn="ctr">
                         <a:lnSpc>
                           <a:spcPct val="160000"/>
                         </a:lnSpc>
@@ -14230,15 +14372,16 @@
                           <a:spcPts val="0"/>
                         </a:spcAft>
                       </a:pPr>
-                      <a:endParaRPr lang="ko-KR" altLang="en-US" sz="1000" kern="0" spc="0">
+                      <a:endParaRPr lang="ko-KR" altLang="en-US" sz="1000" dirty="0">
                         <a:solidFill>
                           <a:srgbClr val="000000"/>
                         </a:solidFill>
-                        <a:effectLst/>
+                        <a:latin typeface="+mn-ea"/>
+                        <a:ea typeface="+mn-ea"/>
                       </a:endParaRPr>
                     </a:p>
                   </a:txBody>
-                  <a:tcPr marL="17907" marR="17907" marT="17907" marB="17907" anchor="ctr">
+                  <a:tcPr marL="66261" marR="66261" marT="33130" marB="33130" anchor="ctr">
                     <a:lnL w="3556" cap="flat" cmpd="sng" algn="ctr">
                       <a:solidFill>
                         <a:srgbClr val="000000"/>
@@ -14285,7 +14428,7 @@
                     <a:bodyPr/>
                     <a:lstStyle/>
                     <a:p>
-                      <a:pPr marL="0" marR="0" indent="0" algn="ctr" fontAlgn="base" latinLnBrk="0">
+                      <a:pPr marL="0" marR="0" algn="ctr">
                         <a:lnSpc>
                           <a:spcPct val="160000"/>
                         </a:lnSpc>
@@ -14296,15 +14439,16 @@
                           <a:spcPts val="0"/>
                         </a:spcAft>
                       </a:pPr>
-                      <a:endParaRPr lang="ko-KR" altLang="en-US" sz="1000" kern="0" spc="0">
+                      <a:endParaRPr lang="ko-KR" altLang="en-US" sz="1000" dirty="0">
                         <a:solidFill>
                           <a:srgbClr val="000000"/>
                         </a:solidFill>
-                        <a:effectLst/>
+                        <a:latin typeface="+mn-ea"/>
+                        <a:ea typeface="+mn-ea"/>
                       </a:endParaRPr>
                     </a:p>
                   </a:txBody>
-                  <a:tcPr marL="17907" marR="17907" marT="17907" marB="17907" anchor="ctr">
+                  <a:tcPr marL="66261" marR="66261" marT="33130" marB="33130" anchor="ctr">
                     <a:lnL w="3556" cap="flat" cmpd="sng" algn="ctr">
                       <a:solidFill>
                         <a:srgbClr val="000000"/>
@@ -14351,7 +14495,7 @@
                     <a:bodyPr/>
                     <a:lstStyle/>
                     <a:p>
-                      <a:pPr marL="0" marR="0" indent="0" algn="ctr" fontAlgn="base" latinLnBrk="0">
+                      <a:pPr marL="0" marR="0" algn="ctr">
                         <a:lnSpc>
                           <a:spcPct val="160000"/>
                         </a:lnSpc>
@@ -14362,15 +14506,16 @@
                           <a:spcPts val="0"/>
                         </a:spcAft>
                       </a:pPr>
-                      <a:endParaRPr lang="ko-KR" altLang="en-US" sz="1000" kern="0" spc="0">
+                      <a:endParaRPr lang="ko-KR" altLang="en-US" sz="1000" dirty="0">
                         <a:solidFill>
                           <a:srgbClr val="000000"/>
                         </a:solidFill>
-                        <a:effectLst/>
+                        <a:latin typeface="+mn-ea"/>
+                        <a:ea typeface="+mn-ea"/>
                       </a:endParaRPr>
                     </a:p>
                   </a:txBody>
-                  <a:tcPr marL="17907" marR="17907" marT="17907" marB="17907" anchor="ctr">
+                  <a:tcPr marL="66261" marR="66261" marT="33130" marB="33130" anchor="ctr">
                     <a:lnL w="3556" cap="flat" cmpd="sng" algn="ctr">
                       <a:solidFill>
                         <a:srgbClr val="000000"/>
@@ -14417,7 +14562,7 @@
                     <a:bodyPr/>
                     <a:lstStyle/>
                     <a:p>
-                      <a:pPr marL="0" marR="0" indent="0" algn="ctr" fontAlgn="base" latinLnBrk="0">
+                      <a:pPr marL="0" marR="0" algn="ctr">
                         <a:lnSpc>
                           <a:spcPct val="160000"/>
                         </a:lnSpc>
@@ -14428,15 +14573,16 @@
                           <a:spcPts val="0"/>
                         </a:spcAft>
                       </a:pPr>
-                      <a:endParaRPr lang="ko-KR" altLang="en-US" sz="1000" kern="0" spc="0">
+                      <a:endParaRPr lang="ko-KR" altLang="en-US" sz="1000" dirty="0">
                         <a:solidFill>
                           <a:srgbClr val="000000"/>
                         </a:solidFill>
-                        <a:effectLst/>
+                        <a:latin typeface="+mn-ea"/>
+                        <a:ea typeface="+mn-ea"/>
                       </a:endParaRPr>
                     </a:p>
                   </a:txBody>
-                  <a:tcPr marL="17907" marR="17907" marT="17907" marB="17907" anchor="ctr">
+                  <a:tcPr marL="66261" marR="66261" marT="33130" marB="33130" anchor="ctr">
                     <a:lnL w="3556" cap="flat" cmpd="sng" algn="ctr">
                       <a:solidFill>
                         <a:srgbClr val="000000"/>
@@ -14483,7 +14629,7 @@
                     <a:bodyPr/>
                     <a:lstStyle/>
                     <a:p>
-                      <a:pPr marL="0" marR="0" indent="0" algn="ctr" fontAlgn="base" latinLnBrk="0">
+                      <a:pPr marL="0" marR="0" algn="ctr">
                         <a:lnSpc>
                           <a:spcPct val="160000"/>
                         </a:lnSpc>
@@ -14494,15 +14640,16 @@
                           <a:spcPts val="0"/>
                         </a:spcAft>
                       </a:pPr>
-                      <a:endParaRPr lang="ko-KR" altLang="en-US" sz="1000" kern="0" spc="0">
+                      <a:endParaRPr lang="ko-KR" altLang="en-US" sz="1000" dirty="0">
                         <a:solidFill>
                           <a:srgbClr val="000000"/>
                         </a:solidFill>
-                        <a:effectLst/>
+                        <a:latin typeface="+mn-ea"/>
+                        <a:ea typeface="+mn-ea"/>
                       </a:endParaRPr>
                     </a:p>
                   </a:txBody>
-                  <a:tcPr marL="17907" marR="17907" marT="17907" marB="17907" anchor="ctr">
+                  <a:tcPr marL="66261" marR="66261" marT="33130" marB="33130" anchor="ctr">
                     <a:lnL w="3556" cap="flat" cmpd="sng" algn="ctr">
                       <a:solidFill>
                         <a:srgbClr val="000000"/>
@@ -14549,7 +14696,7 @@
                     <a:bodyPr/>
                     <a:lstStyle/>
                     <a:p>
-                      <a:pPr marL="0" marR="0" indent="0" algn="ctr" fontAlgn="base" latinLnBrk="0">
+                      <a:pPr marL="0" marR="0" algn="ctr">
                         <a:lnSpc>
                           <a:spcPct val="160000"/>
                         </a:lnSpc>
@@ -14560,15 +14707,16 @@
                           <a:spcPts val="0"/>
                         </a:spcAft>
                       </a:pPr>
-                      <a:endParaRPr lang="ko-KR" altLang="en-US" sz="1000" kern="0" spc="0">
+                      <a:endParaRPr lang="ko-KR" altLang="en-US" sz="1000">
                         <a:solidFill>
                           <a:srgbClr val="000000"/>
                         </a:solidFill>
-                        <a:effectLst/>
+                        <a:latin typeface="+mn-ea"/>
+                        <a:ea typeface="+mn-ea"/>
                       </a:endParaRPr>
                     </a:p>
                   </a:txBody>
-                  <a:tcPr marL="17907" marR="17907" marT="17907" marB="17907" anchor="ctr">
+                  <a:tcPr marL="66261" marR="66261" marT="33130" marB="33130" anchor="ctr">
                     <a:lnL w="3556" cap="flat" cmpd="sng" algn="ctr">
                       <a:solidFill>
                         <a:srgbClr val="000000"/>
@@ -14615,7 +14763,7 @@
                     <a:bodyPr/>
                     <a:lstStyle/>
                     <a:p>
-                      <a:pPr marL="0" marR="0" indent="0" algn="ctr" fontAlgn="base" latinLnBrk="0">
+                      <a:pPr marL="0" marR="0" algn="ctr">
                         <a:lnSpc>
                           <a:spcPct val="160000"/>
                         </a:lnSpc>
@@ -14626,15 +14774,16 @@
                           <a:spcPts val="0"/>
                         </a:spcAft>
                       </a:pPr>
-                      <a:endParaRPr lang="ko-KR" altLang="en-US" sz="1000" kern="0" spc="0">
+                      <a:endParaRPr lang="ko-KR" altLang="en-US" sz="1000" dirty="0">
                         <a:solidFill>
                           <a:srgbClr val="000000"/>
                         </a:solidFill>
-                        <a:effectLst/>
+                        <a:latin typeface="+mn-ea"/>
+                        <a:ea typeface="+mn-ea"/>
                       </a:endParaRPr>
                     </a:p>
                   </a:txBody>
-                  <a:tcPr marL="17907" marR="17907" marT="17907" marB="17907" anchor="ctr">
+                  <a:tcPr marL="66261" marR="66261" marT="33130" marB="33130" anchor="ctr">
                     <a:lnL w="3556" cap="flat" cmpd="sng" algn="ctr">
                       <a:solidFill>
                         <a:srgbClr val="000000"/>
@@ -14681,7 +14830,7 @@
                     <a:bodyPr/>
                     <a:lstStyle/>
                     <a:p>
-                      <a:pPr marL="0" marR="0" indent="0" algn="ctr" fontAlgn="base" latinLnBrk="0">
+                      <a:pPr marL="0" marR="0" algn="ctr">
                         <a:lnSpc>
                           <a:spcPct val="160000"/>
                         </a:lnSpc>
@@ -14692,15 +14841,16 @@
                           <a:spcPts val="0"/>
                         </a:spcAft>
                       </a:pPr>
-                      <a:endParaRPr lang="ko-KR" altLang="en-US" sz="1000" kern="0" spc="0">
+                      <a:endParaRPr lang="ko-KR" altLang="en-US" sz="1000" dirty="0">
                         <a:solidFill>
                           <a:srgbClr val="000000"/>
                         </a:solidFill>
-                        <a:effectLst/>
+                        <a:latin typeface="+mn-ea"/>
+                        <a:ea typeface="+mn-ea"/>
                       </a:endParaRPr>
                     </a:p>
                   </a:txBody>
-                  <a:tcPr marL="17907" marR="17907" marT="17907" marB="17907" anchor="ctr">
+                  <a:tcPr marL="66261" marR="66261" marT="33130" marB="33130" anchor="ctr">
                     <a:lnL w="3556" cap="flat" cmpd="sng" algn="ctr">
                       <a:solidFill>
                         <a:srgbClr val="000000"/>
@@ -14747,7 +14897,7 @@
                     <a:bodyPr/>
                     <a:lstStyle/>
                     <a:p>
-                      <a:pPr marL="0" marR="0" indent="0" algn="just" fontAlgn="base" latinLnBrk="1">
+                      <a:pPr marL="0" marR="0" algn="just">
                         <a:lnSpc>
                           <a:spcPct val="160000"/>
                         </a:lnSpc>
@@ -14758,15 +14908,16 @@
                           <a:spcPts val="0"/>
                         </a:spcAft>
                       </a:pPr>
-                      <a:endParaRPr lang="ko-KR" altLang="en-US" sz="1000" kern="0" spc="0" dirty="0">
+                      <a:endParaRPr lang="ko-KR" altLang="en-US" sz="1000" dirty="0">
                         <a:solidFill>
                           <a:srgbClr val="000000"/>
                         </a:solidFill>
-                        <a:effectLst/>
+                        <a:latin typeface="+mn-ea"/>
+                        <a:ea typeface="+mn-ea"/>
                       </a:endParaRPr>
                     </a:p>
                   </a:txBody>
-                  <a:tcPr marL="17907" marR="17907" marT="17907" marB="17907" anchor="ctr">
+                  <a:tcPr marL="66261" marR="66261" marT="33130" marB="33130" anchor="ctr">
                     <a:lnL w="3556" cap="flat" cmpd="sng" algn="ctr">
                       <a:solidFill>
                         <a:srgbClr val="000000"/>
@@ -14810,10 +14961,48 @@
           </a:graphicData>
         </a:graphic>
       </p:graphicFrame>
+      <p:sp>
+        <p:nvSpPr>
+          <p:cNvPr id="1026" name="Rectangle 2"/>
+          <p:cNvSpPr>
+            <a:spLocks noChangeArrowheads="1"/>
+          </p:cNvSpPr>
+          <p:nvPr/>
+        </p:nvSpPr>
+        <p:spPr bwMode="auto">
+          <a:xfrm>
+            <a:off x="0" y="0"/>
+            <a:ext cx="9144000" cy="457200"/>
+          </a:xfrm>
+          <a:prstGeom prst="rect">
+            <a:avLst/>
+          </a:prstGeom>
+          <a:noFill/>
+          <a:ln w="9525">
+            <a:noFill/>
+            <a:miter lim="800000"/>
+            <a:headEnd/>
+            <a:tailEnd/>
+          </a:ln>
+          <a:effectLst/>
+        </p:spPr>
+        <p:txBody>
+          <a:bodyPr vert="horz" wrap="none" lIns="91440" tIns="45720" rIns="91440" bIns="45720" numCol="1" anchor="ctr" anchorCtr="0" compatLnSpc="1">
+            <a:prstTxWarp prst="textNoShape">
+              <a:avLst/>
+            </a:prstTxWarp>
+            <a:spAutoFit/>
+          </a:bodyPr>
+          <a:lstStyle/>
+          <a:p>
+            <a:endParaRPr lang="ko-KR" altLang="en-US"/>
+          </a:p>
+        </p:txBody>
+      </p:sp>
     </p:spTree>
     <p:extLst>
       <p:ext uri="{BB962C8B-B14F-4D97-AF65-F5344CB8AC3E}">
-        <p14:creationId xmlns:p14="http://schemas.microsoft.com/office/powerpoint/2010/main" val="3226908284"/>
+        <p14:creationId xmlns:p14="http://schemas.microsoft.com/office/powerpoint/2010/main" xmlns="" val="3226908284"/>
       </p:ext>
     </p:extLst>
   </p:cSld>
